--- a/每當我瞻仰你.pptx
+++ b/每當我瞻仰你.pptx
@@ -2,14 +2,14 @@
 <file path=ppt/presentation.xml><?xml version="1.0" encoding="utf-8"?>
 <p:presentation xmlns:a="http://schemas.openxmlformats.org/drawingml/2006/main" xmlns:r="http://schemas.openxmlformats.org/officeDocument/2006/relationships" xmlns:p="http://schemas.openxmlformats.org/presentationml/2006/main" saveSubsetFonts="1">
   <p:sldMasterIdLst>
-    <p:sldMasterId id="2147483660" r:id="rId1"/>
+    <p:sldMasterId id="2147483672" r:id="rId1"/>
   </p:sldMasterIdLst>
   <p:sldIdLst>
     <p:sldId id="257" r:id="rId2"/>
     <p:sldId id="258" r:id="rId3"/>
     <p:sldId id="259" r:id="rId4"/>
   </p:sldIdLst>
-  <p:sldSz cx="9144000" cy="6858000" type="screen4x3"/>
+  <p:sldSz cx="9144000" cy="5143500" type="screen16x9"/>
   <p:notesSz cx="6858000" cy="9144000"/>
   <p:defaultTextStyle>
     <a:defPPr>
@@ -110,13 +110,8 @@
 </file>
 
 <file path=ppt/slideLayouts/slideLayout1.xml><?xml version="1.0" encoding="utf-8"?>
-<p:sldLayout xmlns:a="http://schemas.openxmlformats.org/drawingml/2006/main" xmlns:r="http://schemas.openxmlformats.org/officeDocument/2006/relationships" xmlns:p="http://schemas.openxmlformats.org/presentationml/2006/main" showMasterSp="0" type="title" preserve="1">
+<p:sldLayout xmlns:a="http://schemas.openxmlformats.org/drawingml/2006/main" xmlns:r="http://schemas.openxmlformats.org/officeDocument/2006/relationships" xmlns:p="http://schemas.openxmlformats.org/presentationml/2006/main" type="title" preserve="1">
   <p:cSld name="標題投影片">
-    <p:bg>
-      <p:bgRef idx="1002">
-        <a:schemeClr val="bg2"/>
-      </p:bgRef>
-    </p:bg>
     <p:spTree>
       <p:nvGrpSpPr>
         <p:cNvPr id="1" name=""/>
@@ -133,54 +128,7 @@
       </p:grpSpPr>
       <p:sp>
         <p:nvSpPr>
-          <p:cNvPr id="9" name="Rectangle 8"/>
-          <p:cNvSpPr/>
-          <p:nvPr/>
-        </p:nvSpPr>
-        <p:spPr bwMode="ltGray">
-          <a:xfrm>
-            <a:off x="0" y="0"/>
-            <a:ext cx="9143999" cy="5135430"/>
-          </a:xfrm>
-          <a:prstGeom prst="rect">
-            <a:avLst/>
-          </a:prstGeom>
-          <a:solidFill>
-            <a:srgbClr val="000000"/>
-          </a:solidFill>
-          <a:ln w="48000" cap="flat" cmpd="thickThin" algn="ctr">
-            <a:noFill/>
-            <a:prstDash val="solid"/>
-          </a:ln>
-        </p:spPr>
-        <p:style>
-          <a:lnRef idx="2">
-            <a:schemeClr val="accent1"/>
-          </a:lnRef>
-          <a:fillRef idx="1">
-            <a:schemeClr val="accent1"/>
-          </a:fillRef>
-          <a:effectRef idx="0">
-            <a:schemeClr val="accent1"/>
-          </a:effectRef>
-          <a:fontRef idx="minor">
-            <a:schemeClr val="lt1"/>
-          </a:fontRef>
-        </p:style>
-        <p:txBody>
-          <a:bodyPr rtlCol="0" anchor="ctr"/>
-          <a:lstStyle>
-            <a:extLst/>
-          </a:lstStyle>
-          <a:p>
-            <a:pPr algn="ctr" eaLnBrk="1" latinLnBrk="0" hangingPunct="1"/>
-            <a:endParaRPr kumimoji="0" lang="en-US"/>
-          </a:p>
-        </p:txBody>
-      </p:sp>
-      <p:sp>
-        <p:nvSpPr>
-          <p:cNvPr id="2" name="Title 1"/>
+          <p:cNvPr id="2" name="標題 1"/>
           <p:cNvSpPr>
             <a:spLocks noGrp="1"/>
           </p:cNvSpPr>
@@ -190,41 +138,25 @@
         </p:nvSpPr>
         <p:spPr>
           <a:xfrm>
-            <a:off x="685800" y="3355848"/>
-            <a:ext cx="8077200" cy="1673352"/>
+            <a:off x="685800" y="1597819"/>
+            <a:ext cx="7772400" cy="1102519"/>
           </a:xfrm>
         </p:spPr>
         <p:txBody>
-          <a:bodyPr vert="horz" lIns="91440" tIns="0" rIns="45720" bIns="0" rtlCol="0" anchor="t">
-            <a:normAutofit/>
-            <a:scene3d>
-              <a:camera prst="orthographicFront"/>
-              <a:lightRig rig="threePt" dir="t">
-                <a:rot lat="0" lon="0" rev="4800000"/>
-              </a:lightRig>
-            </a:scene3d>
-            <a:sp3d prstMaterial="matte">
-              <a:bevelT w="50800" h="10160"/>
-            </a:sp3d>
-          </a:bodyPr>
-          <a:lstStyle>
-            <a:lvl1pPr algn="l">
-              <a:defRPr sz="4700" b="1"/>
-            </a:lvl1pPr>
-            <a:extLst/>
-          </a:lstStyle>
-          <a:p>
-            <a:r>
-              <a:rPr kumimoji="0" lang="zh-TW" altLang="en-US" smtClean="0"/>
-              <a:t>按一下以編輯母片標題樣式</a:t>
-            </a:r>
-            <a:endParaRPr kumimoji="0" lang="en-US"/>
-          </a:p>
-        </p:txBody>
-      </p:sp>
-      <p:sp>
-        <p:nvSpPr>
-          <p:cNvPr id="3" name="Subtitle 2"/>
+          <a:bodyPr/>
+          <a:lstStyle/>
+          <a:p>
+            <a:r>
+              <a:rPr lang="en-US" altLang="zh-TW" smtClean="0"/>
+              <a:t>Click to edit Master title style</a:t>
+            </a:r>
+            <a:endParaRPr lang="zh-TW" altLang="en-US"/>
+          </a:p>
+        </p:txBody>
+      </p:sp>
+      <p:sp>
+        <p:nvSpPr>
+          <p:cNvPr id="3" name="副標題 2"/>
           <p:cNvSpPr>
             <a:spLocks noGrp="1"/>
           </p:cNvSpPr>
@@ -234,18 +166,20 @@
         </p:nvSpPr>
         <p:spPr>
           <a:xfrm>
-            <a:off x="685800" y="1828800"/>
-            <a:ext cx="8077200" cy="1499616"/>
+            <a:off x="1371600" y="2914650"/>
+            <a:ext cx="6400800" cy="1314450"/>
           </a:xfrm>
         </p:spPr>
         <p:txBody>
-          <a:bodyPr lIns="118872" tIns="0" rIns="45720" bIns="0" anchor="b"/>
+          <a:bodyPr/>
           <a:lstStyle>
-            <a:lvl1pPr marL="0" indent="0" algn="l">
-              <a:buNone/>
-              <a:defRPr sz="2000">
+            <a:lvl1pPr marL="0" indent="0" algn="ctr">
+              <a:buNone/>
+              <a:defRPr>
                 <a:solidFill>
-                  <a:srgbClr val="FFFFFF"/>
+                  <a:schemeClr val="tx1">
+                    <a:tint val="75000"/>
+                  </a:schemeClr>
                 </a:solidFill>
               </a:defRPr>
             </a:lvl1pPr>
@@ -329,20 +263,19 @@
                 </a:solidFill>
               </a:defRPr>
             </a:lvl9pPr>
-            <a:extLst/>
           </a:lstStyle>
           <a:p>
             <a:r>
-              <a:rPr kumimoji="0" lang="zh-TW" altLang="en-US" smtClean="0"/>
-              <a:t>按一下以編輯母片副標題樣式</a:t>
-            </a:r>
-            <a:endParaRPr kumimoji="0" lang="en-US"/>
-          </a:p>
-        </p:txBody>
-      </p:sp>
-      <p:sp>
-        <p:nvSpPr>
-          <p:cNvPr id="4" name="Date Placeholder 3"/>
+              <a:rPr lang="en-US" altLang="zh-TW" smtClean="0"/>
+              <a:t>Click to edit Master subtitle style</a:t>
+            </a:r>
+            <a:endParaRPr lang="zh-TW" altLang="en-US"/>
+          </a:p>
+        </p:txBody>
+      </p:sp>
+      <p:sp>
+        <p:nvSpPr>
+          <p:cNvPr id="4" name="日期版面配置區 3"/>
           <p:cNvSpPr>
             <a:spLocks noGrp="1"/>
           </p:cNvSpPr>
@@ -357,7 +290,7 @@
           <a:p>
             <a:fld id="{EBD102E7-0E42-4A7C-B4A2-A42778F23A80}" type="datetimeFigureOut">
               <a:rPr lang="zh-TW" altLang="en-US" smtClean="0"/>
-              <a:t>2013/6/23</a:t>
+              <a:t>2019/7/20</a:t>
             </a:fld>
             <a:endParaRPr lang="zh-TW" altLang="en-US"/>
           </a:p>
@@ -365,7 +298,7 @@
       </p:sp>
       <p:sp>
         <p:nvSpPr>
-          <p:cNvPr id="5" name="Footer Placeholder 4"/>
+          <p:cNvPr id="5" name="頁尾版面配置區 4"/>
           <p:cNvSpPr>
             <a:spLocks noGrp="1"/>
           </p:cNvSpPr>
@@ -384,7 +317,7 @@
       </p:sp>
       <p:sp>
         <p:nvSpPr>
-          <p:cNvPr id="6" name="Slide Number Placeholder 5"/>
+          <p:cNvPr id="6" name="投影片編號版面配置區 5"/>
           <p:cNvSpPr>
             <a:spLocks noGrp="1"/>
           </p:cNvSpPr>
@@ -405,64 +338,10 @@
           </a:p>
         </p:txBody>
       </p:sp>
-      <p:sp>
-        <p:nvSpPr>
-          <p:cNvPr id="10" name="Rectangle 9"/>
-          <p:cNvSpPr/>
-          <p:nvPr/>
-        </p:nvSpPr>
-        <p:spPr bwMode="invGray">
-          <a:xfrm>
-            <a:off x="0" y="5128334"/>
-            <a:ext cx="9144000" cy="45720"/>
-          </a:xfrm>
-          <a:prstGeom prst="rect">
-            <a:avLst/>
-          </a:prstGeom>
-          <a:solidFill>
-            <a:srgbClr val="FFFFFF"/>
-          </a:solidFill>
-          <a:ln w="48000" cap="flat" cmpd="thickThin" algn="ctr">
-            <a:noFill/>
-            <a:prstDash val="solid"/>
-          </a:ln>
-          <a:effectLst>
-            <a:outerShdw blurRad="31750" dist="10160" dir="5400000" algn="tl" rotWithShape="0">
-              <a:srgbClr val="000000">
-                <a:alpha val="60000"/>
-              </a:srgbClr>
-            </a:outerShdw>
-          </a:effectLst>
-        </p:spPr>
-        <p:style>
-          <a:lnRef idx="2">
-            <a:schemeClr val="accent1"/>
-          </a:lnRef>
-          <a:fillRef idx="1">
-            <a:schemeClr val="accent1"/>
-          </a:fillRef>
-          <a:effectRef idx="0">
-            <a:schemeClr val="accent1"/>
-          </a:effectRef>
-          <a:fontRef idx="minor">
-            <a:schemeClr val="lt1"/>
-          </a:fontRef>
-        </p:style>
-        <p:txBody>
-          <a:bodyPr rtlCol="0" anchor="ctr"/>
-          <a:lstStyle>
-            <a:extLst/>
-          </a:lstStyle>
-          <a:p>
-            <a:pPr algn="ctr" eaLnBrk="1" latinLnBrk="0" hangingPunct="1"/>
-            <a:endParaRPr kumimoji="0" lang="en-US"/>
-          </a:p>
-        </p:txBody>
-      </p:sp>
     </p:spTree>
   </p:cSld>
   <p:clrMapOvr>
-    <a:overrideClrMapping bg1="dk1" tx1="lt1" bg2="dk2" tx2="lt2" accent1="accent1" accent2="accent2" accent3="accent3" accent4="accent4" accent5="accent5" accent6="accent6" hlink="hlink" folHlink="folHlink"/>
+    <a:masterClrMapping/>
   </p:clrMapOvr>
 </p:sldLayout>
 </file>
@@ -486,7 +365,7 @@
       </p:grpSpPr>
       <p:sp>
         <p:nvSpPr>
-          <p:cNvPr id="2" name="Title 1"/>
+          <p:cNvPr id="2" name="標題 1"/>
           <p:cNvSpPr>
             <a:spLocks noGrp="1"/>
           </p:cNvSpPr>
@@ -497,21 +376,19 @@
         <p:spPr/>
         <p:txBody>
           <a:bodyPr/>
-          <a:lstStyle>
-            <a:extLst/>
-          </a:lstStyle>
-          <a:p>
-            <a:r>
-              <a:rPr kumimoji="0" lang="zh-TW" altLang="en-US" smtClean="0"/>
-              <a:t>按一下以編輯母片標題樣式</a:t>
-            </a:r>
-            <a:endParaRPr kumimoji="0" lang="en-US"/>
-          </a:p>
-        </p:txBody>
-      </p:sp>
-      <p:sp>
-        <p:nvSpPr>
-          <p:cNvPr id="3" name="Vertical Text Placeholder 2"/>
+          <a:lstStyle/>
+          <a:p>
+            <a:r>
+              <a:rPr lang="en-US" altLang="zh-TW" smtClean="0"/>
+              <a:t>Click to edit Master title style</a:t>
+            </a:r>
+            <a:endParaRPr lang="zh-TW" altLang="en-US"/>
+          </a:p>
+        </p:txBody>
+      </p:sp>
+      <p:sp>
+        <p:nvSpPr>
+          <p:cNvPr id="3" name="直排文字版面配置區 2"/>
           <p:cNvSpPr>
             <a:spLocks noGrp="1"/>
           </p:cNvSpPr>
@@ -522,50 +399,48 @@
         <p:spPr/>
         <p:txBody>
           <a:bodyPr vert="eaVert"/>
-          <a:lstStyle>
-            <a:extLst/>
-          </a:lstStyle>
-          <a:p>
-            <a:pPr lvl="0" eaLnBrk="1" latinLnBrk="0" hangingPunct="1"/>
-            <a:r>
-              <a:rPr lang="zh-TW" altLang="en-US" smtClean="0"/>
-              <a:t>按一下以編輯母片文字樣式</a:t>
-            </a:r>
-          </a:p>
-          <a:p>
-            <a:pPr lvl="1" eaLnBrk="1" latinLnBrk="0" hangingPunct="1"/>
-            <a:r>
-              <a:rPr lang="zh-TW" altLang="en-US" smtClean="0"/>
-              <a:t>第二層</a:t>
-            </a:r>
-          </a:p>
-          <a:p>
-            <a:pPr lvl="2" eaLnBrk="1" latinLnBrk="0" hangingPunct="1"/>
-            <a:r>
-              <a:rPr lang="zh-TW" altLang="en-US" smtClean="0"/>
-              <a:t>第三層</a:t>
-            </a:r>
-          </a:p>
-          <a:p>
-            <a:pPr lvl="3" eaLnBrk="1" latinLnBrk="0" hangingPunct="1"/>
-            <a:r>
-              <a:rPr lang="zh-TW" altLang="en-US" smtClean="0"/>
-              <a:t>第四層</a:t>
-            </a:r>
-          </a:p>
-          <a:p>
-            <a:pPr lvl="4" eaLnBrk="1" latinLnBrk="0" hangingPunct="1"/>
-            <a:r>
-              <a:rPr lang="zh-TW" altLang="en-US" smtClean="0"/>
-              <a:t>第五層</a:t>
-            </a:r>
-            <a:endParaRPr kumimoji="0" lang="en-US"/>
-          </a:p>
-        </p:txBody>
-      </p:sp>
-      <p:sp>
-        <p:nvSpPr>
-          <p:cNvPr id="4" name="Date Placeholder 3"/>
+          <a:lstStyle/>
+          <a:p>
+            <a:pPr lvl="0"/>
+            <a:r>
+              <a:rPr lang="en-US" altLang="zh-TW" smtClean="0"/>
+              <a:t>Click to edit Master text styles</a:t>
+            </a:r>
+          </a:p>
+          <a:p>
+            <a:pPr lvl="1"/>
+            <a:r>
+              <a:rPr lang="en-US" altLang="zh-TW" smtClean="0"/>
+              <a:t>Second level</a:t>
+            </a:r>
+          </a:p>
+          <a:p>
+            <a:pPr lvl="2"/>
+            <a:r>
+              <a:rPr lang="en-US" altLang="zh-TW" smtClean="0"/>
+              <a:t>Third level</a:t>
+            </a:r>
+          </a:p>
+          <a:p>
+            <a:pPr lvl="3"/>
+            <a:r>
+              <a:rPr lang="en-US" altLang="zh-TW" smtClean="0"/>
+              <a:t>Fourth level</a:t>
+            </a:r>
+          </a:p>
+          <a:p>
+            <a:pPr lvl="4"/>
+            <a:r>
+              <a:rPr lang="en-US" altLang="zh-TW" smtClean="0"/>
+              <a:t>Fifth level</a:t>
+            </a:r>
+            <a:endParaRPr lang="zh-TW" altLang="en-US"/>
+          </a:p>
+        </p:txBody>
+      </p:sp>
+      <p:sp>
+        <p:nvSpPr>
+          <p:cNvPr id="4" name="日期版面配置區 3"/>
           <p:cNvSpPr>
             <a:spLocks noGrp="1"/>
           </p:cNvSpPr>
@@ -580,7 +455,7 @@
           <a:p>
             <a:fld id="{EBD102E7-0E42-4A7C-B4A2-A42778F23A80}" type="datetimeFigureOut">
               <a:rPr lang="zh-TW" altLang="en-US" smtClean="0"/>
-              <a:t>2013/6/23</a:t>
+              <a:t>2019/7/20</a:t>
             </a:fld>
             <a:endParaRPr lang="zh-TW" altLang="en-US"/>
           </a:p>
@@ -588,7 +463,7 @@
       </p:sp>
       <p:sp>
         <p:nvSpPr>
-          <p:cNvPr id="5" name="Footer Placeholder 4"/>
+          <p:cNvPr id="5" name="頁尾版面配置區 4"/>
           <p:cNvSpPr>
             <a:spLocks noGrp="1"/>
           </p:cNvSpPr>
@@ -607,7 +482,7 @@
       </p:sp>
       <p:sp>
         <p:nvSpPr>
-          <p:cNvPr id="6" name="Slide Number Placeholder 5"/>
+          <p:cNvPr id="6" name="投影片編號版面配置區 5"/>
           <p:cNvSpPr>
             <a:spLocks noGrp="1"/>
           </p:cNvSpPr>
@@ -637,7 +512,7 @@
 </file>
 
 <file path=ppt/slideLayouts/slideLayout11.xml><?xml version="1.0" encoding="utf-8"?>
-<p:sldLayout xmlns:a="http://schemas.openxmlformats.org/drawingml/2006/main" xmlns:r="http://schemas.openxmlformats.org/officeDocument/2006/relationships" xmlns:p="http://schemas.openxmlformats.org/presentationml/2006/main" showMasterSp="0" type="vertTitleAndTx" preserve="1">
+<p:sldLayout xmlns:a="http://schemas.openxmlformats.org/drawingml/2006/main" xmlns:r="http://schemas.openxmlformats.org/officeDocument/2006/relationships" xmlns:p="http://schemas.openxmlformats.org/presentationml/2006/main" type="vertTitleAndTx" preserve="1">
   <p:cSld name="直排標題及文字">
     <p:spTree>
       <p:nvGrpSpPr>
@@ -655,108 +530,7 @@
       </p:grpSpPr>
       <p:sp>
         <p:nvSpPr>
-          <p:cNvPr id="9" name="Rectangle 8"/>
-          <p:cNvSpPr/>
-          <p:nvPr/>
-        </p:nvSpPr>
-        <p:spPr bwMode="invGray">
-          <a:xfrm>
-            <a:off x="6598920" y="0"/>
-            <a:ext cx="45720" cy="6858000"/>
-          </a:xfrm>
-          <a:prstGeom prst="rect">
-            <a:avLst/>
-          </a:prstGeom>
-          <a:solidFill>
-            <a:srgbClr val="FFFFFF"/>
-          </a:solidFill>
-          <a:ln w="48000" cap="flat" cmpd="thickThin" algn="ctr">
-            <a:noFill/>
-            <a:prstDash val="solid"/>
-          </a:ln>
-          <a:effectLst>
-            <a:outerShdw blurRad="31750" dist="10160" dir="10800000" algn="tl" rotWithShape="0">
-              <a:srgbClr val="000000">
-                <a:alpha val="60000"/>
-              </a:srgbClr>
-            </a:outerShdw>
-          </a:effectLst>
-        </p:spPr>
-        <p:style>
-          <a:lnRef idx="2">
-            <a:schemeClr val="accent1"/>
-          </a:lnRef>
-          <a:fillRef idx="1">
-            <a:schemeClr val="accent1"/>
-          </a:fillRef>
-          <a:effectRef idx="0">
-            <a:schemeClr val="accent1"/>
-          </a:effectRef>
-          <a:fontRef idx="minor">
-            <a:schemeClr val="lt1"/>
-          </a:fontRef>
-        </p:style>
-        <p:txBody>
-          <a:bodyPr rtlCol="0" anchor="ctr"/>
-          <a:lstStyle>
-            <a:extLst/>
-          </a:lstStyle>
-          <a:p>
-            <a:pPr algn="ctr" eaLnBrk="1" latinLnBrk="0" hangingPunct="1"/>
-            <a:endParaRPr kumimoji="0" lang="en-US"/>
-          </a:p>
-        </p:txBody>
-      </p:sp>
-      <p:sp>
-        <p:nvSpPr>
-          <p:cNvPr id="8" name="Rectangle 7"/>
-          <p:cNvSpPr/>
-          <p:nvPr/>
-        </p:nvSpPr>
-        <p:spPr bwMode="ltGray">
-          <a:xfrm>
-            <a:off x="6647687" y="0"/>
-            <a:ext cx="2514601" cy="6858000"/>
-          </a:xfrm>
-          <a:prstGeom prst="rect">
-            <a:avLst/>
-          </a:prstGeom>
-          <a:solidFill>
-            <a:srgbClr val="000000"/>
-          </a:solidFill>
-          <a:ln w="48000" cap="flat" cmpd="thickThin" algn="ctr">
-            <a:noFill/>
-            <a:prstDash val="solid"/>
-          </a:ln>
-        </p:spPr>
-        <p:style>
-          <a:lnRef idx="2">
-            <a:schemeClr val="accent1"/>
-          </a:lnRef>
-          <a:fillRef idx="1">
-            <a:schemeClr val="accent1"/>
-          </a:fillRef>
-          <a:effectRef idx="0">
-            <a:schemeClr val="accent1"/>
-          </a:effectRef>
-          <a:fontRef idx="minor">
-            <a:schemeClr val="lt1"/>
-          </a:fontRef>
-        </p:style>
-        <p:txBody>
-          <a:bodyPr rtlCol="0" anchor="ctr"/>
-          <a:lstStyle>
-            <a:extLst/>
-          </a:lstStyle>
-          <a:p>
-            <a:pPr algn="ctr" eaLnBrk="1" latinLnBrk="0" hangingPunct="1"/>
-            <a:endParaRPr kumimoji="0" lang="en-US"/>
-          </a:p>
-        </p:txBody>
-      </p:sp>
-      <p:sp>
-        <p:nvSpPr>
-          <p:cNvPr id="2" name="Vertical Title 1"/>
+          <p:cNvPr id="2" name="直排標題 1"/>
           <p:cNvSpPr>
             <a:spLocks noGrp="1"/>
           </p:cNvSpPr>
@@ -766,27 +540,25 @@
         </p:nvSpPr>
         <p:spPr>
           <a:xfrm>
-            <a:off x="6781800" y="274640"/>
-            <a:ext cx="1905000" cy="5851525"/>
+            <a:off x="6629400" y="205979"/>
+            <a:ext cx="2057400" cy="4388644"/>
           </a:xfrm>
         </p:spPr>
         <p:txBody>
           <a:bodyPr vert="eaVert"/>
-          <a:lstStyle>
-            <a:extLst/>
-          </a:lstStyle>
-          <a:p>
-            <a:r>
-              <a:rPr kumimoji="0" lang="zh-TW" altLang="en-US" smtClean="0"/>
-              <a:t>按一下以編輯母片標題樣式</a:t>
-            </a:r>
-            <a:endParaRPr kumimoji="0" lang="en-US"/>
-          </a:p>
-        </p:txBody>
-      </p:sp>
-      <p:sp>
-        <p:nvSpPr>
-          <p:cNvPr id="3" name="Vertical Text Placeholder 2"/>
+          <a:lstStyle/>
+          <a:p>
+            <a:r>
+              <a:rPr lang="en-US" altLang="zh-TW" smtClean="0"/>
+              <a:t>Click to edit Master title style</a:t>
+            </a:r>
+            <a:endParaRPr lang="zh-TW" altLang="en-US"/>
+          </a:p>
+        </p:txBody>
+      </p:sp>
+      <p:sp>
+        <p:nvSpPr>
+          <p:cNvPr id="3" name="直排文字版面配置區 2"/>
           <p:cNvSpPr>
             <a:spLocks noGrp="1"/>
           </p:cNvSpPr>
@@ -796,56 +568,54 @@
         </p:nvSpPr>
         <p:spPr>
           <a:xfrm>
-            <a:off x="457200" y="304800"/>
-            <a:ext cx="6019800" cy="5851525"/>
+            <a:off x="457200" y="205979"/>
+            <a:ext cx="6019800" cy="4388644"/>
           </a:xfrm>
         </p:spPr>
         <p:txBody>
           <a:bodyPr vert="eaVert"/>
-          <a:lstStyle>
-            <a:extLst/>
-          </a:lstStyle>
-          <a:p>
-            <a:pPr lvl="0" eaLnBrk="1" latinLnBrk="0" hangingPunct="1"/>
-            <a:r>
-              <a:rPr lang="zh-TW" altLang="en-US" smtClean="0"/>
-              <a:t>按一下以編輯母片文字樣式</a:t>
-            </a:r>
-          </a:p>
-          <a:p>
-            <a:pPr lvl="1" eaLnBrk="1" latinLnBrk="0" hangingPunct="1"/>
-            <a:r>
-              <a:rPr lang="zh-TW" altLang="en-US" smtClean="0"/>
-              <a:t>第二層</a:t>
-            </a:r>
-          </a:p>
-          <a:p>
-            <a:pPr lvl="2" eaLnBrk="1" latinLnBrk="0" hangingPunct="1"/>
-            <a:r>
-              <a:rPr lang="zh-TW" altLang="en-US" smtClean="0"/>
-              <a:t>第三層</a:t>
-            </a:r>
-          </a:p>
-          <a:p>
-            <a:pPr lvl="3" eaLnBrk="1" latinLnBrk="0" hangingPunct="1"/>
-            <a:r>
-              <a:rPr lang="zh-TW" altLang="en-US" smtClean="0"/>
-              <a:t>第四層</a:t>
-            </a:r>
-          </a:p>
-          <a:p>
-            <a:pPr lvl="4" eaLnBrk="1" latinLnBrk="0" hangingPunct="1"/>
-            <a:r>
-              <a:rPr lang="zh-TW" altLang="en-US" smtClean="0"/>
-              <a:t>第五層</a:t>
-            </a:r>
-            <a:endParaRPr kumimoji="0" lang="en-US"/>
-          </a:p>
-        </p:txBody>
-      </p:sp>
-      <p:sp>
-        <p:nvSpPr>
-          <p:cNvPr id="4" name="Date Placeholder 3"/>
+          <a:lstStyle/>
+          <a:p>
+            <a:pPr lvl="0"/>
+            <a:r>
+              <a:rPr lang="en-US" altLang="zh-TW" smtClean="0"/>
+              <a:t>Click to edit Master text styles</a:t>
+            </a:r>
+          </a:p>
+          <a:p>
+            <a:pPr lvl="1"/>
+            <a:r>
+              <a:rPr lang="en-US" altLang="zh-TW" smtClean="0"/>
+              <a:t>Second level</a:t>
+            </a:r>
+          </a:p>
+          <a:p>
+            <a:pPr lvl="2"/>
+            <a:r>
+              <a:rPr lang="en-US" altLang="zh-TW" smtClean="0"/>
+              <a:t>Third level</a:t>
+            </a:r>
+          </a:p>
+          <a:p>
+            <a:pPr lvl="3"/>
+            <a:r>
+              <a:rPr lang="en-US" altLang="zh-TW" smtClean="0"/>
+              <a:t>Fourth level</a:t>
+            </a:r>
+          </a:p>
+          <a:p>
+            <a:pPr lvl="4"/>
+            <a:r>
+              <a:rPr lang="en-US" altLang="zh-TW" smtClean="0"/>
+              <a:t>Fifth level</a:t>
+            </a:r>
+            <a:endParaRPr lang="zh-TW" altLang="en-US"/>
+          </a:p>
+        </p:txBody>
+      </p:sp>
+      <p:sp>
+        <p:nvSpPr>
+          <p:cNvPr id="4" name="日期版面配置區 3"/>
           <p:cNvSpPr>
             <a:spLocks noGrp="1"/>
           </p:cNvSpPr>
@@ -860,7 +630,7 @@
           <a:p>
             <a:fld id="{EBD102E7-0E42-4A7C-B4A2-A42778F23A80}" type="datetimeFigureOut">
               <a:rPr lang="zh-TW" altLang="en-US" smtClean="0"/>
-              <a:t>2013/6/23</a:t>
+              <a:t>2019/7/20</a:t>
             </a:fld>
             <a:endParaRPr lang="zh-TW" altLang="en-US"/>
           </a:p>
@@ -868,7 +638,7 @@
       </p:sp>
       <p:sp>
         <p:nvSpPr>
-          <p:cNvPr id="5" name="Footer Placeholder 4"/>
+          <p:cNvPr id="5" name="頁尾版面配置區 4"/>
           <p:cNvSpPr>
             <a:spLocks noGrp="1"/>
           </p:cNvSpPr>
@@ -876,23 +646,18 @@
             <p:ph type="ftr" sz="quarter" idx="11"/>
           </p:nvPr>
         </p:nvSpPr>
-        <p:spPr>
-          <a:xfrm>
-            <a:off x="2640597" y="6377459"/>
-            <a:ext cx="3836404" cy="365125"/>
-          </a:xfrm>
-        </p:spPr>
-        <p:txBody>
-          <a:bodyPr/>
-          <a:lstStyle/>
-          <a:p>
-            <a:endParaRPr lang="zh-TW" altLang="en-US"/>
-          </a:p>
-        </p:txBody>
-      </p:sp>
-      <p:sp>
-        <p:nvSpPr>
-          <p:cNvPr id="6" name="Slide Number Placeholder 5"/>
+        <p:spPr/>
+        <p:txBody>
+          <a:bodyPr/>
+          <a:lstStyle/>
+          <a:p>
+            <a:endParaRPr lang="zh-TW" altLang="en-US"/>
+          </a:p>
+        </p:txBody>
+      </p:sp>
+      <p:sp>
+        <p:nvSpPr>
+          <p:cNvPr id="6" name="投影片編號版面配置區 5"/>
           <p:cNvSpPr>
             <a:spLocks noGrp="1"/>
           </p:cNvSpPr>
@@ -940,7 +705,7 @@
       </p:grpSpPr>
       <p:sp>
         <p:nvSpPr>
-          <p:cNvPr id="2" name="Title 1"/>
+          <p:cNvPr id="2" name="標題 1"/>
           <p:cNvSpPr>
             <a:spLocks noGrp="1"/>
           </p:cNvSpPr>
@@ -948,29 +713,22 @@
             <p:ph type="title"/>
           </p:nvPr>
         </p:nvSpPr>
-        <p:spPr>
-          <a:xfrm>
-            <a:off x="457200" y="155448"/>
-            <a:ext cx="8229600" cy="1252728"/>
-          </a:xfrm>
-        </p:spPr>
-        <p:txBody>
-          <a:bodyPr/>
-          <a:lstStyle>
-            <a:extLst/>
-          </a:lstStyle>
-          <a:p>
-            <a:r>
-              <a:rPr kumimoji="0" lang="zh-TW" altLang="en-US" smtClean="0"/>
-              <a:t>按一下以編輯母片標題樣式</a:t>
-            </a:r>
-            <a:endParaRPr kumimoji="0" lang="en-US"/>
-          </a:p>
-        </p:txBody>
-      </p:sp>
-      <p:sp>
-        <p:nvSpPr>
-          <p:cNvPr id="3" name="Content Placeholder 2"/>
+        <p:spPr/>
+        <p:txBody>
+          <a:bodyPr/>
+          <a:lstStyle/>
+          <a:p>
+            <a:r>
+              <a:rPr lang="en-US" altLang="zh-TW" smtClean="0"/>
+              <a:t>Click to edit Master title style</a:t>
+            </a:r>
+            <a:endParaRPr lang="zh-TW" altLang="en-US"/>
+          </a:p>
+        </p:txBody>
+      </p:sp>
+      <p:sp>
+        <p:nvSpPr>
+          <p:cNvPr id="3" name="內容版面配置區 2"/>
           <p:cNvSpPr>
             <a:spLocks noGrp="1"/>
           </p:cNvSpPr>
@@ -981,50 +739,48 @@
         <p:spPr/>
         <p:txBody>
           <a:bodyPr/>
-          <a:lstStyle>
-            <a:extLst/>
-          </a:lstStyle>
-          <a:p>
-            <a:pPr lvl="0" eaLnBrk="1" latinLnBrk="0" hangingPunct="1"/>
-            <a:r>
-              <a:rPr lang="zh-TW" altLang="en-US" smtClean="0"/>
-              <a:t>按一下以編輯母片文字樣式</a:t>
-            </a:r>
-          </a:p>
-          <a:p>
-            <a:pPr lvl="1" eaLnBrk="1" latinLnBrk="0" hangingPunct="1"/>
-            <a:r>
-              <a:rPr lang="zh-TW" altLang="en-US" smtClean="0"/>
-              <a:t>第二層</a:t>
-            </a:r>
-          </a:p>
-          <a:p>
-            <a:pPr lvl="2" eaLnBrk="1" latinLnBrk="0" hangingPunct="1"/>
-            <a:r>
-              <a:rPr lang="zh-TW" altLang="en-US" smtClean="0"/>
-              <a:t>第三層</a:t>
-            </a:r>
-          </a:p>
-          <a:p>
-            <a:pPr lvl="3" eaLnBrk="1" latinLnBrk="0" hangingPunct="1"/>
-            <a:r>
-              <a:rPr lang="zh-TW" altLang="en-US" smtClean="0"/>
-              <a:t>第四層</a:t>
-            </a:r>
-          </a:p>
-          <a:p>
-            <a:pPr lvl="4" eaLnBrk="1" latinLnBrk="0" hangingPunct="1"/>
-            <a:r>
-              <a:rPr lang="zh-TW" altLang="en-US" smtClean="0"/>
-              <a:t>第五層</a:t>
-            </a:r>
-            <a:endParaRPr kumimoji="0" lang="en-US"/>
-          </a:p>
-        </p:txBody>
-      </p:sp>
-      <p:sp>
-        <p:nvSpPr>
-          <p:cNvPr id="4" name="Date Placeholder 3"/>
+          <a:lstStyle/>
+          <a:p>
+            <a:pPr lvl="0"/>
+            <a:r>
+              <a:rPr lang="en-US" altLang="zh-TW" smtClean="0"/>
+              <a:t>Click to edit Master text styles</a:t>
+            </a:r>
+          </a:p>
+          <a:p>
+            <a:pPr lvl="1"/>
+            <a:r>
+              <a:rPr lang="en-US" altLang="zh-TW" smtClean="0"/>
+              <a:t>Second level</a:t>
+            </a:r>
+          </a:p>
+          <a:p>
+            <a:pPr lvl="2"/>
+            <a:r>
+              <a:rPr lang="en-US" altLang="zh-TW" smtClean="0"/>
+              <a:t>Third level</a:t>
+            </a:r>
+          </a:p>
+          <a:p>
+            <a:pPr lvl="3"/>
+            <a:r>
+              <a:rPr lang="en-US" altLang="zh-TW" smtClean="0"/>
+              <a:t>Fourth level</a:t>
+            </a:r>
+          </a:p>
+          <a:p>
+            <a:pPr lvl="4"/>
+            <a:r>
+              <a:rPr lang="en-US" altLang="zh-TW" smtClean="0"/>
+              <a:t>Fifth level</a:t>
+            </a:r>
+            <a:endParaRPr lang="zh-TW" altLang="en-US"/>
+          </a:p>
+        </p:txBody>
+      </p:sp>
+      <p:sp>
+        <p:nvSpPr>
+          <p:cNvPr id="4" name="日期版面配置區 3"/>
           <p:cNvSpPr>
             <a:spLocks noGrp="1"/>
           </p:cNvSpPr>
@@ -1039,7 +795,7 @@
           <a:p>
             <a:fld id="{EBD102E7-0E42-4A7C-B4A2-A42778F23A80}" type="datetimeFigureOut">
               <a:rPr lang="zh-TW" altLang="en-US" smtClean="0"/>
-              <a:t>2013/6/23</a:t>
+              <a:t>2019/7/20</a:t>
             </a:fld>
             <a:endParaRPr lang="zh-TW" altLang="en-US"/>
           </a:p>
@@ -1047,7 +803,7 @@
       </p:sp>
       <p:sp>
         <p:nvSpPr>
-          <p:cNvPr id="5" name="Footer Placeholder 4"/>
+          <p:cNvPr id="5" name="頁尾版面配置區 4"/>
           <p:cNvSpPr>
             <a:spLocks noGrp="1"/>
           </p:cNvSpPr>
@@ -1066,7 +822,7 @@
       </p:sp>
       <p:sp>
         <p:nvSpPr>
-          <p:cNvPr id="6" name="Slide Number Placeholder 5"/>
+          <p:cNvPr id="6" name="投影片編號版面配置區 5"/>
           <p:cNvSpPr>
             <a:spLocks noGrp="1"/>
           </p:cNvSpPr>
@@ -1096,13 +852,8 @@
 </file>
 
 <file path=ppt/slideLayouts/slideLayout3.xml><?xml version="1.0" encoding="utf-8"?>
-<p:sldLayout xmlns:a="http://schemas.openxmlformats.org/drawingml/2006/main" xmlns:r="http://schemas.openxmlformats.org/officeDocument/2006/relationships" xmlns:p="http://schemas.openxmlformats.org/presentationml/2006/main" showMasterSp="0" type="secHead" preserve="1">
+<p:sldLayout xmlns:a="http://schemas.openxmlformats.org/drawingml/2006/main" xmlns:r="http://schemas.openxmlformats.org/officeDocument/2006/relationships" xmlns:p="http://schemas.openxmlformats.org/presentationml/2006/main" type="secHead" preserve="1">
   <p:cSld name="區段標題">
-    <p:bg>
-      <p:bgRef idx="1002">
-        <a:schemeClr val="bg2"/>
-      </p:bgRef>
-    </p:bg>
     <p:spTree>
       <p:nvGrpSpPr>
         <p:cNvPr id="1" name=""/>
@@ -1119,108 +870,7 @@
       </p:grpSpPr>
       <p:sp>
         <p:nvSpPr>
-          <p:cNvPr id="9" name="Rectangle 8"/>
-          <p:cNvSpPr/>
-          <p:nvPr/>
-        </p:nvSpPr>
-        <p:spPr bwMode="ltGray">
-          <a:xfrm>
-            <a:off x="0" y="1"/>
-            <a:ext cx="9144000" cy="2602520"/>
-          </a:xfrm>
-          <a:prstGeom prst="rect">
-            <a:avLst/>
-          </a:prstGeom>
-          <a:solidFill>
-            <a:srgbClr val="000000"/>
-          </a:solidFill>
-          <a:ln w="48000" cap="flat" cmpd="thickThin" algn="ctr">
-            <a:noFill/>
-            <a:prstDash val="solid"/>
-          </a:ln>
-        </p:spPr>
-        <p:style>
-          <a:lnRef idx="2">
-            <a:schemeClr val="accent1"/>
-          </a:lnRef>
-          <a:fillRef idx="1">
-            <a:schemeClr val="accent1"/>
-          </a:fillRef>
-          <a:effectRef idx="0">
-            <a:schemeClr val="accent1"/>
-          </a:effectRef>
-          <a:fontRef idx="minor">
-            <a:schemeClr val="lt1"/>
-          </a:fontRef>
-        </p:style>
-        <p:txBody>
-          <a:bodyPr rtlCol="0" anchor="ctr"/>
-          <a:lstStyle>
-            <a:extLst/>
-          </a:lstStyle>
-          <a:p>
-            <a:pPr algn="ctr" eaLnBrk="1" latinLnBrk="0" hangingPunct="1"/>
-            <a:endParaRPr kumimoji="0" lang="en-US"/>
-          </a:p>
-        </p:txBody>
-      </p:sp>
-      <p:sp>
-        <p:nvSpPr>
-          <p:cNvPr id="12" name="Rectangle 11"/>
-          <p:cNvSpPr/>
-          <p:nvPr/>
-        </p:nvSpPr>
-        <p:spPr bwMode="invGray">
-          <a:xfrm>
-            <a:off x="0" y="2602520"/>
-            <a:ext cx="9144000" cy="45720"/>
-          </a:xfrm>
-          <a:prstGeom prst="rect">
-            <a:avLst/>
-          </a:prstGeom>
-          <a:solidFill>
-            <a:srgbClr val="FFFFFF"/>
-          </a:solidFill>
-          <a:ln w="48000" cap="flat" cmpd="thickThin" algn="ctr">
-            <a:noFill/>
-            <a:prstDash val="solid"/>
-          </a:ln>
-          <a:effectLst>
-            <a:outerShdw blurRad="31750" dist="10160" dir="5400000" algn="tl" rotWithShape="0">
-              <a:srgbClr val="000000">
-                <a:alpha val="60000"/>
-              </a:srgbClr>
-            </a:outerShdw>
-          </a:effectLst>
-        </p:spPr>
-        <p:style>
-          <a:lnRef idx="2">
-            <a:schemeClr val="accent1"/>
-          </a:lnRef>
-          <a:fillRef idx="1">
-            <a:schemeClr val="accent1"/>
-          </a:fillRef>
-          <a:effectRef idx="0">
-            <a:schemeClr val="accent1"/>
-          </a:effectRef>
-          <a:fontRef idx="minor">
-            <a:schemeClr val="lt1"/>
-          </a:fontRef>
-        </p:style>
-        <p:txBody>
-          <a:bodyPr rtlCol="0" anchor="ctr"/>
-          <a:lstStyle>
-            <a:extLst/>
-          </a:lstStyle>
-          <a:p>
-            <a:pPr algn="ctr" eaLnBrk="1" latinLnBrk="0" hangingPunct="1"/>
-            <a:endParaRPr kumimoji="0" lang="en-US"/>
-          </a:p>
-        </p:txBody>
-      </p:sp>
-      <p:sp>
-        <p:nvSpPr>
-          <p:cNvPr id="2" name="Title 1"/>
+          <p:cNvPr id="2" name="標題 1"/>
           <p:cNvSpPr>
             <a:spLocks noGrp="1"/>
           </p:cNvSpPr>
@@ -1230,41 +880,29 @@
         </p:nvSpPr>
         <p:spPr>
           <a:xfrm>
-            <a:off x="749808" y="118872"/>
-            <a:ext cx="8013192" cy="1636776"/>
+            <a:off x="722313" y="3305176"/>
+            <a:ext cx="7772400" cy="1021556"/>
           </a:xfrm>
         </p:spPr>
         <p:txBody>
-          <a:bodyPr vert="horz" lIns="91440" tIns="0" rIns="91440" bIns="0" rtlCol="0" anchor="b">
-            <a:normAutofit/>
-            <a:scene3d>
-              <a:camera prst="orthographicFront"/>
-              <a:lightRig rig="threePt" dir="t">
-                <a:rot lat="0" lon="0" rev="4800000"/>
-              </a:lightRig>
-            </a:scene3d>
-            <a:sp3d prstMaterial="matte">
-              <a:bevelT w="50800" h="10160"/>
-            </a:sp3d>
-          </a:bodyPr>
+          <a:bodyPr anchor="t"/>
           <a:lstStyle>
             <a:lvl1pPr algn="l">
-              <a:defRPr sz="4700" b="1" cap="none" baseline="0"/>
+              <a:defRPr sz="4000" b="1" cap="all"/>
             </a:lvl1pPr>
-            <a:extLst/>
           </a:lstStyle>
           <a:p>
             <a:r>
-              <a:rPr kumimoji="0" lang="zh-TW" altLang="en-US" smtClean="0"/>
-              <a:t>按一下以編輯母片標題樣式</a:t>
-            </a:r>
-            <a:endParaRPr kumimoji="0" lang="en-US"/>
-          </a:p>
-        </p:txBody>
-      </p:sp>
-      <p:sp>
-        <p:nvSpPr>
-          <p:cNvPr id="3" name="Text Placeholder 2"/>
+              <a:rPr lang="en-US" altLang="zh-TW" smtClean="0"/>
+              <a:t>Click to edit Master title style</a:t>
+            </a:r>
+            <a:endParaRPr lang="zh-TW" altLang="en-US"/>
+          </a:p>
+        </p:txBody>
+      </p:sp>
+      <p:sp>
+        <p:nvSpPr>
+          <p:cNvPr id="3" name="文字版面配置區 2"/>
           <p:cNvSpPr>
             <a:spLocks noGrp="1"/>
           </p:cNvSpPr>
@@ -1274,18 +912,20 @@
         </p:nvSpPr>
         <p:spPr>
           <a:xfrm>
-            <a:off x="740664" y="1828800"/>
-            <a:ext cx="8022336" cy="685800"/>
+            <a:off x="722313" y="2180035"/>
+            <a:ext cx="7772400" cy="1125140"/>
           </a:xfrm>
         </p:spPr>
         <p:txBody>
-          <a:bodyPr lIns="146304" tIns="0" rIns="45720" bIns="0" anchor="t"/>
+          <a:bodyPr anchor="b"/>
           <a:lstStyle>
             <a:lvl1pPr marL="0" indent="0">
               <a:buNone/>
               <a:defRPr sz="2000">
                 <a:solidFill>
-                  <a:srgbClr val="FFFFFF"/>
+                  <a:schemeClr val="tx1">
+                    <a:tint val="75000"/>
+                  </a:schemeClr>
                 </a:solidFill>
               </a:defRPr>
             </a:lvl1pPr>
@@ -1369,20 +1009,19 @@
                 </a:solidFill>
               </a:defRPr>
             </a:lvl9pPr>
-            <a:extLst/>
           </a:lstStyle>
           <a:p>
-            <a:pPr lvl="0" eaLnBrk="1" latinLnBrk="0" hangingPunct="1"/>
-            <a:r>
-              <a:rPr kumimoji="0" lang="zh-TW" altLang="en-US" smtClean="0"/>
-              <a:t>按一下以編輯母片文字樣式</a:t>
-            </a:r>
-          </a:p>
-        </p:txBody>
-      </p:sp>
-      <p:sp>
-        <p:nvSpPr>
-          <p:cNvPr id="4" name="Date Placeholder 3"/>
+            <a:pPr lvl="0"/>
+            <a:r>
+              <a:rPr lang="en-US" altLang="zh-TW" smtClean="0"/>
+              <a:t>Click to edit Master text styles</a:t>
+            </a:r>
+          </a:p>
+        </p:txBody>
+      </p:sp>
+      <p:sp>
+        <p:nvSpPr>
+          <p:cNvPr id="4" name="日期版面配置區 3"/>
           <p:cNvSpPr>
             <a:spLocks noGrp="1"/>
           </p:cNvSpPr>
@@ -1397,7 +1036,7 @@
           <a:p>
             <a:fld id="{EBD102E7-0E42-4A7C-B4A2-A42778F23A80}" type="datetimeFigureOut">
               <a:rPr lang="zh-TW" altLang="en-US" smtClean="0"/>
-              <a:t>2013/6/23</a:t>
+              <a:t>2019/7/20</a:t>
             </a:fld>
             <a:endParaRPr lang="zh-TW" altLang="en-US"/>
           </a:p>
@@ -1405,7 +1044,7 @@
       </p:sp>
       <p:sp>
         <p:nvSpPr>
-          <p:cNvPr id="5" name="Footer Placeholder 4"/>
+          <p:cNvPr id="5" name="頁尾版面配置區 4"/>
           <p:cNvSpPr>
             <a:spLocks noGrp="1"/>
           </p:cNvSpPr>
@@ -1424,7 +1063,7 @@
       </p:sp>
       <p:sp>
         <p:nvSpPr>
-          <p:cNvPr id="6" name="Slide Number Placeholder 5"/>
+          <p:cNvPr id="6" name="投影片編號版面配置區 5"/>
           <p:cNvSpPr>
             <a:spLocks noGrp="1"/>
           </p:cNvSpPr>
@@ -1448,7 +1087,7 @@
     </p:spTree>
   </p:cSld>
   <p:clrMapOvr>
-    <a:overrideClrMapping bg1="dk1" tx1="lt1" bg2="dk2" tx2="lt2" accent1="accent1" accent2="accent2" accent3="accent3" accent4="accent4" accent5="accent5" accent6="accent6" hlink="hlink" folHlink="folHlink"/>
+    <a:masterClrMapping/>
   </p:clrMapOvr>
 </p:sldLayout>
 </file>
@@ -1472,7 +1111,7 @@
       </p:grpSpPr>
       <p:sp>
         <p:nvSpPr>
-          <p:cNvPr id="2" name="Title 1"/>
+          <p:cNvPr id="2" name="標題 1"/>
           <p:cNvSpPr>
             <a:spLocks noGrp="1"/>
           </p:cNvSpPr>
@@ -1483,21 +1122,19 @@
         <p:spPr/>
         <p:txBody>
           <a:bodyPr/>
-          <a:lstStyle>
-            <a:extLst/>
-          </a:lstStyle>
-          <a:p>
-            <a:r>
-              <a:rPr kumimoji="0" lang="zh-TW" altLang="en-US" smtClean="0"/>
-              <a:t>按一下以編輯母片標題樣式</a:t>
-            </a:r>
-            <a:endParaRPr kumimoji="0" lang="en-US"/>
-          </a:p>
-        </p:txBody>
-      </p:sp>
-      <p:sp>
-        <p:nvSpPr>
-          <p:cNvPr id="3" name="Content Placeholder 2"/>
+          <a:lstStyle/>
+          <a:p>
+            <a:r>
+              <a:rPr lang="en-US" altLang="zh-TW" smtClean="0"/>
+              <a:t>Click to edit Master title style</a:t>
+            </a:r>
+            <a:endParaRPr lang="zh-TW" altLang="en-US"/>
+          </a:p>
+        </p:txBody>
+      </p:sp>
+      <p:sp>
+        <p:nvSpPr>
+          <p:cNvPr id="3" name="內容版面配置區 2"/>
           <p:cNvSpPr>
             <a:spLocks noGrp="1"/>
           </p:cNvSpPr>
@@ -1507,12 +1144,12 @@
         </p:nvSpPr>
         <p:spPr>
           <a:xfrm>
-            <a:off x="457200" y="1773936"/>
-            <a:ext cx="4038600" cy="4623816"/>
+            <a:off x="457200" y="1200151"/>
+            <a:ext cx="4038600" cy="3394472"/>
           </a:xfrm>
         </p:spPr>
         <p:txBody>
-          <a:bodyPr lIns="91440"/>
+          <a:bodyPr/>
           <a:lstStyle>
             <a:lvl1pPr>
               <a:defRPr sz="2800"/>
@@ -1541,49 +1178,48 @@
             <a:lvl9pPr>
               <a:defRPr sz="1800"/>
             </a:lvl9pPr>
-            <a:extLst/>
           </a:lstStyle>
           <a:p>
-            <a:pPr lvl="0" eaLnBrk="1" latinLnBrk="0" hangingPunct="1"/>
-            <a:r>
-              <a:rPr lang="zh-TW" altLang="en-US" smtClean="0"/>
-              <a:t>按一下以編輯母片文字樣式</a:t>
-            </a:r>
-          </a:p>
-          <a:p>
-            <a:pPr lvl="1" eaLnBrk="1" latinLnBrk="0" hangingPunct="1"/>
-            <a:r>
-              <a:rPr lang="zh-TW" altLang="en-US" smtClean="0"/>
-              <a:t>第二層</a:t>
-            </a:r>
-          </a:p>
-          <a:p>
-            <a:pPr lvl="2" eaLnBrk="1" latinLnBrk="0" hangingPunct="1"/>
-            <a:r>
-              <a:rPr lang="zh-TW" altLang="en-US" smtClean="0"/>
-              <a:t>第三層</a:t>
-            </a:r>
-          </a:p>
-          <a:p>
-            <a:pPr lvl="3" eaLnBrk="1" latinLnBrk="0" hangingPunct="1"/>
-            <a:r>
-              <a:rPr lang="zh-TW" altLang="en-US" smtClean="0"/>
-              <a:t>第四層</a:t>
-            </a:r>
-          </a:p>
-          <a:p>
-            <a:pPr lvl="4" eaLnBrk="1" latinLnBrk="0" hangingPunct="1"/>
-            <a:r>
-              <a:rPr lang="zh-TW" altLang="en-US" smtClean="0"/>
-              <a:t>第五層</a:t>
-            </a:r>
-            <a:endParaRPr kumimoji="0" lang="en-US"/>
-          </a:p>
-        </p:txBody>
-      </p:sp>
-      <p:sp>
-        <p:nvSpPr>
-          <p:cNvPr id="4" name="Content Placeholder 3"/>
+            <a:pPr lvl="0"/>
+            <a:r>
+              <a:rPr lang="en-US" altLang="zh-TW" smtClean="0"/>
+              <a:t>Click to edit Master text styles</a:t>
+            </a:r>
+          </a:p>
+          <a:p>
+            <a:pPr lvl="1"/>
+            <a:r>
+              <a:rPr lang="en-US" altLang="zh-TW" smtClean="0"/>
+              <a:t>Second level</a:t>
+            </a:r>
+          </a:p>
+          <a:p>
+            <a:pPr lvl="2"/>
+            <a:r>
+              <a:rPr lang="en-US" altLang="zh-TW" smtClean="0"/>
+              <a:t>Third level</a:t>
+            </a:r>
+          </a:p>
+          <a:p>
+            <a:pPr lvl="3"/>
+            <a:r>
+              <a:rPr lang="en-US" altLang="zh-TW" smtClean="0"/>
+              <a:t>Fourth level</a:t>
+            </a:r>
+          </a:p>
+          <a:p>
+            <a:pPr lvl="4"/>
+            <a:r>
+              <a:rPr lang="en-US" altLang="zh-TW" smtClean="0"/>
+              <a:t>Fifth level</a:t>
+            </a:r>
+            <a:endParaRPr lang="zh-TW" altLang="en-US"/>
+          </a:p>
+        </p:txBody>
+      </p:sp>
+      <p:sp>
+        <p:nvSpPr>
+          <p:cNvPr id="4" name="內容版面配置區 3"/>
           <p:cNvSpPr>
             <a:spLocks noGrp="1"/>
           </p:cNvSpPr>
@@ -1593,8 +1229,8 @@
         </p:nvSpPr>
         <p:spPr>
           <a:xfrm>
-            <a:off x="4648200" y="1773936"/>
-            <a:ext cx="4038600" cy="4623816"/>
+            <a:off x="4648200" y="1200151"/>
+            <a:ext cx="4038600" cy="3394472"/>
           </a:xfrm>
         </p:spPr>
         <p:txBody>
@@ -1627,49 +1263,48 @@
             <a:lvl9pPr>
               <a:defRPr sz="1800"/>
             </a:lvl9pPr>
-            <a:extLst/>
           </a:lstStyle>
           <a:p>
-            <a:pPr lvl="0" eaLnBrk="1" latinLnBrk="0" hangingPunct="1"/>
-            <a:r>
-              <a:rPr lang="zh-TW" altLang="en-US" smtClean="0"/>
-              <a:t>按一下以編輯母片文字樣式</a:t>
-            </a:r>
-          </a:p>
-          <a:p>
-            <a:pPr lvl="1" eaLnBrk="1" latinLnBrk="0" hangingPunct="1"/>
-            <a:r>
-              <a:rPr lang="zh-TW" altLang="en-US" smtClean="0"/>
-              <a:t>第二層</a:t>
-            </a:r>
-          </a:p>
-          <a:p>
-            <a:pPr lvl="2" eaLnBrk="1" latinLnBrk="0" hangingPunct="1"/>
-            <a:r>
-              <a:rPr lang="zh-TW" altLang="en-US" smtClean="0"/>
-              <a:t>第三層</a:t>
-            </a:r>
-          </a:p>
-          <a:p>
-            <a:pPr lvl="3" eaLnBrk="1" latinLnBrk="0" hangingPunct="1"/>
-            <a:r>
-              <a:rPr lang="zh-TW" altLang="en-US" smtClean="0"/>
-              <a:t>第四層</a:t>
-            </a:r>
-          </a:p>
-          <a:p>
-            <a:pPr lvl="4" eaLnBrk="1" latinLnBrk="0" hangingPunct="1"/>
-            <a:r>
-              <a:rPr lang="zh-TW" altLang="en-US" smtClean="0"/>
-              <a:t>第五層</a:t>
-            </a:r>
-            <a:endParaRPr kumimoji="0" lang="en-US"/>
-          </a:p>
-        </p:txBody>
-      </p:sp>
-      <p:sp>
-        <p:nvSpPr>
-          <p:cNvPr id="5" name="Date Placeholder 4"/>
+            <a:pPr lvl="0"/>
+            <a:r>
+              <a:rPr lang="en-US" altLang="zh-TW" smtClean="0"/>
+              <a:t>Click to edit Master text styles</a:t>
+            </a:r>
+          </a:p>
+          <a:p>
+            <a:pPr lvl="1"/>
+            <a:r>
+              <a:rPr lang="en-US" altLang="zh-TW" smtClean="0"/>
+              <a:t>Second level</a:t>
+            </a:r>
+          </a:p>
+          <a:p>
+            <a:pPr lvl="2"/>
+            <a:r>
+              <a:rPr lang="en-US" altLang="zh-TW" smtClean="0"/>
+              <a:t>Third level</a:t>
+            </a:r>
+          </a:p>
+          <a:p>
+            <a:pPr lvl="3"/>
+            <a:r>
+              <a:rPr lang="en-US" altLang="zh-TW" smtClean="0"/>
+              <a:t>Fourth level</a:t>
+            </a:r>
+          </a:p>
+          <a:p>
+            <a:pPr lvl="4"/>
+            <a:r>
+              <a:rPr lang="en-US" altLang="zh-TW" smtClean="0"/>
+              <a:t>Fifth level</a:t>
+            </a:r>
+            <a:endParaRPr lang="zh-TW" altLang="en-US"/>
+          </a:p>
+        </p:txBody>
+      </p:sp>
+      <p:sp>
+        <p:nvSpPr>
+          <p:cNvPr id="5" name="日期版面配置區 4"/>
           <p:cNvSpPr>
             <a:spLocks noGrp="1"/>
           </p:cNvSpPr>
@@ -1684,7 +1319,7 @@
           <a:p>
             <a:fld id="{EBD102E7-0E42-4A7C-B4A2-A42778F23A80}" type="datetimeFigureOut">
               <a:rPr lang="zh-TW" altLang="en-US" smtClean="0"/>
-              <a:t>2013/6/23</a:t>
+              <a:t>2019/7/20</a:t>
             </a:fld>
             <a:endParaRPr lang="zh-TW" altLang="en-US"/>
           </a:p>
@@ -1692,7 +1327,7 @@
       </p:sp>
       <p:sp>
         <p:nvSpPr>
-          <p:cNvPr id="6" name="Footer Placeholder 5"/>
+          <p:cNvPr id="6" name="頁尾版面配置區 5"/>
           <p:cNvSpPr>
             <a:spLocks noGrp="1"/>
           </p:cNvSpPr>
@@ -1711,7 +1346,7 @@
       </p:sp>
       <p:sp>
         <p:nvSpPr>
-          <p:cNvPr id="7" name="Slide Number Placeholder 6"/>
+          <p:cNvPr id="7" name="投影片編號版面配置區 6"/>
           <p:cNvSpPr>
             <a:spLocks noGrp="1"/>
           </p:cNvSpPr>
@@ -1759,7 +1394,7 @@
       </p:grpSpPr>
       <p:sp>
         <p:nvSpPr>
-          <p:cNvPr id="2" name="Title 1"/>
+          <p:cNvPr id="2" name="標題 1"/>
           <p:cNvSpPr>
             <a:spLocks noGrp="1"/>
           </p:cNvSpPr>
@@ -1774,20 +1409,19 @@
             <a:lvl1pPr>
               <a:defRPr/>
             </a:lvl1pPr>
-            <a:extLst/>
           </a:lstStyle>
           <a:p>
             <a:r>
-              <a:rPr kumimoji="0" lang="zh-TW" altLang="en-US" smtClean="0"/>
-              <a:t>按一下以編輯母片標題樣式</a:t>
-            </a:r>
-            <a:endParaRPr kumimoji="0" lang="en-US"/>
-          </a:p>
-        </p:txBody>
-      </p:sp>
-      <p:sp>
-        <p:nvSpPr>
-          <p:cNvPr id="3" name="Text Placeholder 2"/>
+              <a:rPr lang="en-US" altLang="zh-TW" smtClean="0"/>
+              <a:t>Click to edit Master title style</a:t>
+            </a:r>
+            <a:endParaRPr lang="zh-TW" altLang="en-US"/>
+          </a:p>
+        </p:txBody>
+      </p:sp>
+      <p:sp>
+        <p:nvSpPr>
+          <p:cNvPr id="3" name="文字版面配置區 2"/>
           <p:cNvSpPr>
             <a:spLocks noGrp="1"/>
           </p:cNvSpPr>
@@ -1797,16 +1431,16 @@
         </p:nvSpPr>
         <p:spPr>
           <a:xfrm>
-            <a:off x="457200" y="1698987"/>
-            <a:ext cx="4040188" cy="715355"/>
+            <a:off x="457200" y="1151335"/>
+            <a:ext cx="4040188" cy="479822"/>
           </a:xfrm>
         </p:spPr>
         <p:txBody>
-          <a:bodyPr lIns="146304" anchor="ctr"/>
+          <a:bodyPr anchor="b"/>
           <a:lstStyle>
             <a:lvl1pPr marL="0" indent="0">
               <a:buNone/>
-              <a:defRPr sz="2300" b="1" cap="all" baseline="0"/>
+              <a:defRPr sz="2400" b="1"/>
             </a:lvl1pPr>
             <a:lvl2pPr marL="457200" indent="0">
               <a:buNone/>
@@ -1840,20 +1474,19 @@
               <a:buNone/>
               <a:defRPr sz="1600" b="1"/>
             </a:lvl9pPr>
-            <a:extLst/>
           </a:lstStyle>
           <a:p>
-            <a:pPr lvl="0" eaLnBrk="1" latinLnBrk="0" hangingPunct="1"/>
-            <a:r>
-              <a:rPr kumimoji="0" lang="zh-TW" altLang="en-US" smtClean="0"/>
-              <a:t>按一下以編輯母片文字樣式</a:t>
-            </a:r>
-          </a:p>
-        </p:txBody>
-      </p:sp>
-      <p:sp>
-        <p:nvSpPr>
-          <p:cNvPr id="4" name="Content Placeholder 3"/>
+            <a:pPr lvl="0"/>
+            <a:r>
+              <a:rPr lang="en-US" altLang="zh-TW" smtClean="0"/>
+              <a:t>Click to edit Master text styles</a:t>
+            </a:r>
+          </a:p>
+        </p:txBody>
+      </p:sp>
+      <p:sp>
+        <p:nvSpPr>
+          <p:cNvPr id="4" name="內容版面配置區 3"/>
           <p:cNvSpPr>
             <a:spLocks noGrp="1"/>
           </p:cNvSpPr>
@@ -1863,8 +1496,8 @@
         </p:nvSpPr>
         <p:spPr>
           <a:xfrm>
-            <a:off x="457200" y="2449512"/>
-            <a:ext cx="4040188" cy="3951288"/>
+            <a:off x="457200" y="1631156"/>
+            <a:ext cx="4040188" cy="2963466"/>
           </a:xfrm>
         </p:spPr>
         <p:txBody>
@@ -1897,49 +1530,48 @@
             <a:lvl9pPr>
               <a:defRPr sz="1600"/>
             </a:lvl9pPr>
-            <a:extLst/>
           </a:lstStyle>
           <a:p>
-            <a:pPr lvl="0" eaLnBrk="1" latinLnBrk="0" hangingPunct="1"/>
-            <a:r>
-              <a:rPr lang="zh-TW" altLang="en-US" smtClean="0"/>
-              <a:t>按一下以編輯母片文字樣式</a:t>
-            </a:r>
-          </a:p>
-          <a:p>
-            <a:pPr lvl="1" eaLnBrk="1" latinLnBrk="0" hangingPunct="1"/>
-            <a:r>
-              <a:rPr lang="zh-TW" altLang="en-US" smtClean="0"/>
-              <a:t>第二層</a:t>
-            </a:r>
-          </a:p>
-          <a:p>
-            <a:pPr lvl="2" eaLnBrk="1" latinLnBrk="0" hangingPunct="1"/>
-            <a:r>
-              <a:rPr lang="zh-TW" altLang="en-US" smtClean="0"/>
-              <a:t>第三層</a:t>
-            </a:r>
-          </a:p>
-          <a:p>
-            <a:pPr lvl="3" eaLnBrk="1" latinLnBrk="0" hangingPunct="1"/>
-            <a:r>
-              <a:rPr lang="zh-TW" altLang="en-US" smtClean="0"/>
-              <a:t>第四層</a:t>
-            </a:r>
-          </a:p>
-          <a:p>
-            <a:pPr lvl="4" eaLnBrk="1" latinLnBrk="0" hangingPunct="1"/>
-            <a:r>
-              <a:rPr lang="zh-TW" altLang="en-US" smtClean="0"/>
-              <a:t>第五層</a:t>
-            </a:r>
-            <a:endParaRPr kumimoji="0" lang="en-US"/>
-          </a:p>
-        </p:txBody>
-      </p:sp>
-      <p:sp>
-        <p:nvSpPr>
-          <p:cNvPr id="5" name="Text Placeholder 4"/>
+            <a:pPr lvl="0"/>
+            <a:r>
+              <a:rPr lang="en-US" altLang="zh-TW" smtClean="0"/>
+              <a:t>Click to edit Master text styles</a:t>
+            </a:r>
+          </a:p>
+          <a:p>
+            <a:pPr lvl="1"/>
+            <a:r>
+              <a:rPr lang="en-US" altLang="zh-TW" smtClean="0"/>
+              <a:t>Second level</a:t>
+            </a:r>
+          </a:p>
+          <a:p>
+            <a:pPr lvl="2"/>
+            <a:r>
+              <a:rPr lang="en-US" altLang="zh-TW" smtClean="0"/>
+              <a:t>Third level</a:t>
+            </a:r>
+          </a:p>
+          <a:p>
+            <a:pPr lvl="3"/>
+            <a:r>
+              <a:rPr lang="en-US" altLang="zh-TW" smtClean="0"/>
+              <a:t>Fourth level</a:t>
+            </a:r>
+          </a:p>
+          <a:p>
+            <a:pPr lvl="4"/>
+            <a:r>
+              <a:rPr lang="en-US" altLang="zh-TW" smtClean="0"/>
+              <a:t>Fifth level</a:t>
+            </a:r>
+            <a:endParaRPr lang="zh-TW" altLang="en-US"/>
+          </a:p>
+        </p:txBody>
+      </p:sp>
+      <p:sp>
+        <p:nvSpPr>
+          <p:cNvPr id="5" name="文字版面配置區 4"/>
           <p:cNvSpPr>
             <a:spLocks noGrp="1"/>
           </p:cNvSpPr>
@@ -1949,16 +1581,16 @@
         </p:nvSpPr>
         <p:spPr>
           <a:xfrm>
-            <a:off x="4645025" y="1698987"/>
-            <a:ext cx="4041775" cy="715355"/>
+            <a:off x="4645026" y="1151335"/>
+            <a:ext cx="4041775" cy="479822"/>
           </a:xfrm>
         </p:spPr>
         <p:txBody>
-          <a:bodyPr lIns="146304" anchor="ctr"/>
+          <a:bodyPr anchor="b"/>
           <a:lstStyle>
             <a:lvl1pPr marL="0" indent="0">
               <a:buNone/>
-              <a:defRPr sz="2300" b="1" cap="all" baseline="0"/>
+              <a:defRPr sz="2400" b="1"/>
             </a:lvl1pPr>
             <a:lvl2pPr marL="457200" indent="0">
               <a:buNone/>
@@ -1992,20 +1624,19 @@
               <a:buNone/>
               <a:defRPr sz="1600" b="1"/>
             </a:lvl9pPr>
-            <a:extLst/>
           </a:lstStyle>
           <a:p>
-            <a:pPr lvl="0" eaLnBrk="1" latinLnBrk="0" hangingPunct="1"/>
-            <a:r>
-              <a:rPr kumimoji="0" lang="zh-TW" altLang="en-US" smtClean="0"/>
-              <a:t>按一下以編輯母片文字樣式</a:t>
-            </a:r>
-          </a:p>
-        </p:txBody>
-      </p:sp>
-      <p:sp>
-        <p:nvSpPr>
-          <p:cNvPr id="6" name="Content Placeholder 5"/>
+            <a:pPr lvl="0"/>
+            <a:r>
+              <a:rPr lang="en-US" altLang="zh-TW" smtClean="0"/>
+              <a:t>Click to edit Master text styles</a:t>
+            </a:r>
+          </a:p>
+        </p:txBody>
+      </p:sp>
+      <p:sp>
+        <p:nvSpPr>
+          <p:cNvPr id="6" name="內容版面配置區 5"/>
           <p:cNvSpPr>
             <a:spLocks noGrp="1"/>
           </p:cNvSpPr>
@@ -2015,8 +1646,8 @@
         </p:nvSpPr>
         <p:spPr>
           <a:xfrm>
-            <a:off x="4645025" y="2449512"/>
-            <a:ext cx="4041775" cy="3951288"/>
+            <a:off x="4645026" y="1631156"/>
+            <a:ext cx="4041775" cy="2963466"/>
           </a:xfrm>
         </p:spPr>
         <p:txBody>
@@ -2049,49 +1680,48 @@
             <a:lvl9pPr>
               <a:defRPr sz="1600"/>
             </a:lvl9pPr>
-            <a:extLst/>
           </a:lstStyle>
           <a:p>
-            <a:pPr lvl="0" eaLnBrk="1" latinLnBrk="0" hangingPunct="1"/>
-            <a:r>
-              <a:rPr lang="zh-TW" altLang="en-US" smtClean="0"/>
-              <a:t>按一下以編輯母片文字樣式</a:t>
-            </a:r>
-          </a:p>
-          <a:p>
-            <a:pPr lvl="1" eaLnBrk="1" latinLnBrk="0" hangingPunct="1"/>
-            <a:r>
-              <a:rPr lang="zh-TW" altLang="en-US" smtClean="0"/>
-              <a:t>第二層</a:t>
-            </a:r>
-          </a:p>
-          <a:p>
-            <a:pPr lvl="2" eaLnBrk="1" latinLnBrk="0" hangingPunct="1"/>
-            <a:r>
-              <a:rPr lang="zh-TW" altLang="en-US" smtClean="0"/>
-              <a:t>第三層</a:t>
-            </a:r>
-          </a:p>
-          <a:p>
-            <a:pPr lvl="3" eaLnBrk="1" latinLnBrk="0" hangingPunct="1"/>
-            <a:r>
-              <a:rPr lang="zh-TW" altLang="en-US" smtClean="0"/>
-              <a:t>第四層</a:t>
-            </a:r>
-          </a:p>
-          <a:p>
-            <a:pPr lvl="4" eaLnBrk="1" latinLnBrk="0" hangingPunct="1"/>
-            <a:r>
-              <a:rPr lang="zh-TW" altLang="en-US" smtClean="0"/>
-              <a:t>第五層</a:t>
-            </a:r>
-            <a:endParaRPr kumimoji="0" lang="en-US"/>
-          </a:p>
-        </p:txBody>
-      </p:sp>
-      <p:sp>
-        <p:nvSpPr>
-          <p:cNvPr id="7" name="Date Placeholder 6"/>
+            <a:pPr lvl="0"/>
+            <a:r>
+              <a:rPr lang="en-US" altLang="zh-TW" smtClean="0"/>
+              <a:t>Click to edit Master text styles</a:t>
+            </a:r>
+          </a:p>
+          <a:p>
+            <a:pPr lvl="1"/>
+            <a:r>
+              <a:rPr lang="en-US" altLang="zh-TW" smtClean="0"/>
+              <a:t>Second level</a:t>
+            </a:r>
+          </a:p>
+          <a:p>
+            <a:pPr lvl="2"/>
+            <a:r>
+              <a:rPr lang="en-US" altLang="zh-TW" smtClean="0"/>
+              <a:t>Third level</a:t>
+            </a:r>
+          </a:p>
+          <a:p>
+            <a:pPr lvl="3"/>
+            <a:r>
+              <a:rPr lang="en-US" altLang="zh-TW" smtClean="0"/>
+              <a:t>Fourth level</a:t>
+            </a:r>
+          </a:p>
+          <a:p>
+            <a:pPr lvl="4"/>
+            <a:r>
+              <a:rPr lang="en-US" altLang="zh-TW" smtClean="0"/>
+              <a:t>Fifth level</a:t>
+            </a:r>
+            <a:endParaRPr lang="zh-TW" altLang="en-US"/>
+          </a:p>
+        </p:txBody>
+      </p:sp>
+      <p:sp>
+        <p:nvSpPr>
+          <p:cNvPr id="7" name="日期版面配置區 6"/>
           <p:cNvSpPr>
             <a:spLocks noGrp="1"/>
           </p:cNvSpPr>
@@ -2106,7 +1736,7 @@
           <a:p>
             <a:fld id="{EBD102E7-0E42-4A7C-B4A2-A42778F23A80}" type="datetimeFigureOut">
               <a:rPr lang="zh-TW" altLang="en-US" smtClean="0"/>
-              <a:t>2013/6/23</a:t>
+              <a:t>2019/7/20</a:t>
             </a:fld>
             <a:endParaRPr lang="zh-TW" altLang="en-US"/>
           </a:p>
@@ -2114,7 +1744,7 @@
       </p:sp>
       <p:sp>
         <p:nvSpPr>
-          <p:cNvPr id="8" name="Footer Placeholder 7"/>
+          <p:cNvPr id="8" name="頁尾版面配置區 7"/>
           <p:cNvSpPr>
             <a:spLocks noGrp="1"/>
           </p:cNvSpPr>
@@ -2133,7 +1763,7 @@
       </p:sp>
       <p:sp>
         <p:nvSpPr>
-          <p:cNvPr id="9" name="Slide Number Placeholder 8"/>
+          <p:cNvPr id="9" name="投影片編號版面配置區 8"/>
           <p:cNvSpPr>
             <a:spLocks noGrp="1"/>
           </p:cNvSpPr>
@@ -2181,7 +1811,7 @@
       </p:grpSpPr>
       <p:sp>
         <p:nvSpPr>
-          <p:cNvPr id="2" name="Title 1"/>
+          <p:cNvPr id="2" name="標題 1"/>
           <p:cNvSpPr>
             <a:spLocks noGrp="1"/>
           </p:cNvSpPr>
@@ -2192,21 +1822,19 @@
         <p:spPr/>
         <p:txBody>
           <a:bodyPr/>
-          <a:lstStyle>
-            <a:extLst/>
-          </a:lstStyle>
-          <a:p>
-            <a:r>
-              <a:rPr kumimoji="0" lang="zh-TW" altLang="en-US" smtClean="0"/>
-              <a:t>按一下以編輯母片標題樣式</a:t>
-            </a:r>
-            <a:endParaRPr kumimoji="0" lang="en-US"/>
-          </a:p>
-        </p:txBody>
-      </p:sp>
-      <p:sp>
-        <p:nvSpPr>
-          <p:cNvPr id="3" name="Date Placeholder 2"/>
+          <a:lstStyle/>
+          <a:p>
+            <a:r>
+              <a:rPr lang="en-US" altLang="zh-TW" smtClean="0"/>
+              <a:t>Click to edit Master title style</a:t>
+            </a:r>
+            <a:endParaRPr lang="zh-TW" altLang="en-US"/>
+          </a:p>
+        </p:txBody>
+      </p:sp>
+      <p:sp>
+        <p:nvSpPr>
+          <p:cNvPr id="3" name="日期版面配置區 2"/>
           <p:cNvSpPr>
             <a:spLocks noGrp="1"/>
           </p:cNvSpPr>
@@ -2221,7 +1849,7 @@
           <a:p>
             <a:fld id="{EBD102E7-0E42-4A7C-B4A2-A42778F23A80}" type="datetimeFigureOut">
               <a:rPr lang="zh-TW" altLang="en-US" smtClean="0"/>
-              <a:t>2013/6/23</a:t>
+              <a:t>2019/7/20</a:t>
             </a:fld>
             <a:endParaRPr lang="zh-TW" altLang="en-US"/>
           </a:p>
@@ -2229,7 +1857,7 @@
       </p:sp>
       <p:sp>
         <p:nvSpPr>
-          <p:cNvPr id="4" name="Footer Placeholder 3"/>
+          <p:cNvPr id="4" name="頁尾版面配置區 3"/>
           <p:cNvSpPr>
             <a:spLocks noGrp="1"/>
           </p:cNvSpPr>
@@ -2248,7 +1876,7 @@
       </p:sp>
       <p:sp>
         <p:nvSpPr>
-          <p:cNvPr id="5" name="Slide Number Placeholder 4"/>
+          <p:cNvPr id="5" name="投影片編號版面配置區 4"/>
           <p:cNvSpPr>
             <a:spLocks noGrp="1"/>
           </p:cNvSpPr>
@@ -2278,7 +1906,7 @@
 </file>
 
 <file path=ppt/slideLayouts/slideLayout7.xml><?xml version="1.0" encoding="utf-8"?>
-<p:sldLayout xmlns:a="http://schemas.openxmlformats.org/drawingml/2006/main" xmlns:r="http://schemas.openxmlformats.org/officeDocument/2006/relationships" xmlns:p="http://schemas.openxmlformats.org/presentationml/2006/main" showMasterSp="0" type="blank" preserve="1">
+<p:sldLayout xmlns:a="http://schemas.openxmlformats.org/drawingml/2006/main" xmlns:r="http://schemas.openxmlformats.org/officeDocument/2006/relationships" xmlns:p="http://schemas.openxmlformats.org/presentationml/2006/main" type="blank" preserve="1">
   <p:cSld name="空白">
     <p:spTree>
       <p:nvGrpSpPr>
@@ -2296,7 +1924,7 @@
       </p:grpSpPr>
       <p:sp>
         <p:nvSpPr>
-          <p:cNvPr id="2" name="Date Placeholder 1"/>
+          <p:cNvPr id="2" name="日期版面配置區 1"/>
           <p:cNvSpPr>
             <a:spLocks noGrp="1"/>
           </p:cNvSpPr>
@@ -2311,7 +1939,7 @@
           <a:p>
             <a:fld id="{EBD102E7-0E42-4A7C-B4A2-A42778F23A80}" type="datetimeFigureOut">
               <a:rPr lang="zh-TW" altLang="en-US" smtClean="0"/>
-              <a:t>2013/6/23</a:t>
+              <a:t>2019/7/20</a:t>
             </a:fld>
             <a:endParaRPr lang="zh-TW" altLang="en-US"/>
           </a:p>
@@ -2319,7 +1947,7 @@
       </p:sp>
       <p:sp>
         <p:nvSpPr>
-          <p:cNvPr id="3" name="Footer Placeholder 2"/>
+          <p:cNvPr id="3" name="頁尾版面配置區 2"/>
           <p:cNvSpPr>
             <a:spLocks noGrp="1"/>
           </p:cNvSpPr>
@@ -2338,7 +1966,7 @@
       </p:sp>
       <p:sp>
         <p:nvSpPr>
-          <p:cNvPr id="4" name="Slide Number Placeholder 3"/>
+          <p:cNvPr id="4" name="投影片編號版面配置區 3"/>
           <p:cNvSpPr>
             <a:spLocks noGrp="1"/>
           </p:cNvSpPr>
@@ -2386,7 +2014,7 @@
       </p:grpSpPr>
       <p:sp>
         <p:nvSpPr>
-          <p:cNvPr id="2" name="Title 1"/>
+          <p:cNvPr id="2" name="標題 1"/>
           <p:cNvSpPr>
             <a:spLocks noGrp="1"/>
           </p:cNvSpPr>
@@ -2396,33 +2024,29 @@
         </p:nvSpPr>
         <p:spPr>
           <a:xfrm>
-            <a:off x="167838" y="152400"/>
-            <a:ext cx="2523744" cy="978408"/>
+            <a:off x="457201" y="204787"/>
+            <a:ext cx="3008313" cy="871538"/>
           </a:xfrm>
         </p:spPr>
         <p:txBody>
-          <a:bodyPr vert="horz" lIns="73152" rIns="45720" bIns="0" rtlCol="0" anchor="b">
-            <a:normAutofit/>
-            <a:sp3d prstMaterial="matte"/>
-          </a:bodyPr>
+          <a:bodyPr anchor="b"/>
           <a:lstStyle>
             <a:lvl1pPr algn="l">
-              <a:defRPr sz="2000" b="0"/>
+              <a:defRPr sz="2000" b="1"/>
             </a:lvl1pPr>
-            <a:extLst/>
           </a:lstStyle>
           <a:p>
             <a:r>
-              <a:rPr kumimoji="0" lang="zh-TW" altLang="en-US" smtClean="0"/>
-              <a:t>按一下以編輯母片標題樣式</a:t>
-            </a:r>
-            <a:endParaRPr kumimoji="0" lang="en-US"/>
-          </a:p>
-        </p:txBody>
-      </p:sp>
-      <p:sp>
-        <p:nvSpPr>
-          <p:cNvPr id="3" name="Content Placeholder 2"/>
+              <a:rPr lang="en-US" altLang="zh-TW" smtClean="0"/>
+              <a:t>Click to edit Master title style</a:t>
+            </a:r>
+            <a:endParaRPr lang="zh-TW" altLang="en-US"/>
+          </a:p>
+        </p:txBody>
+      </p:sp>
+      <p:sp>
+        <p:nvSpPr>
+          <p:cNvPr id="3" name="內容版面配置區 2"/>
           <p:cNvSpPr>
             <a:spLocks noGrp="1"/>
           </p:cNvSpPr>
@@ -2432,8 +2056,8 @@
         </p:nvSpPr>
         <p:spPr>
           <a:xfrm>
-            <a:off x="3019377" y="1743133"/>
-            <a:ext cx="5920641" cy="4558885"/>
+            <a:off x="3575050" y="204788"/>
+            <a:ext cx="5111750" cy="4389835"/>
           </a:xfrm>
         </p:spPr>
         <p:txBody>
@@ -2466,49 +2090,48 @@
             <a:lvl9pPr>
               <a:defRPr sz="2000"/>
             </a:lvl9pPr>
-            <a:extLst/>
           </a:lstStyle>
           <a:p>
-            <a:pPr lvl="0" eaLnBrk="1" latinLnBrk="0" hangingPunct="1"/>
-            <a:r>
-              <a:rPr lang="zh-TW" altLang="en-US" smtClean="0"/>
-              <a:t>按一下以編輯母片文字樣式</a:t>
-            </a:r>
-          </a:p>
-          <a:p>
-            <a:pPr lvl="1" eaLnBrk="1" latinLnBrk="0" hangingPunct="1"/>
-            <a:r>
-              <a:rPr lang="zh-TW" altLang="en-US" smtClean="0"/>
-              <a:t>第二層</a:t>
-            </a:r>
-          </a:p>
-          <a:p>
-            <a:pPr lvl="2" eaLnBrk="1" latinLnBrk="0" hangingPunct="1"/>
-            <a:r>
-              <a:rPr lang="zh-TW" altLang="en-US" smtClean="0"/>
-              <a:t>第三層</a:t>
-            </a:r>
-          </a:p>
-          <a:p>
-            <a:pPr lvl="3" eaLnBrk="1" latinLnBrk="0" hangingPunct="1"/>
-            <a:r>
-              <a:rPr lang="zh-TW" altLang="en-US" smtClean="0"/>
-              <a:t>第四層</a:t>
-            </a:r>
-          </a:p>
-          <a:p>
-            <a:pPr lvl="4" eaLnBrk="1" latinLnBrk="0" hangingPunct="1"/>
-            <a:r>
-              <a:rPr lang="zh-TW" altLang="en-US" smtClean="0"/>
-              <a:t>第五層</a:t>
-            </a:r>
-            <a:endParaRPr kumimoji="0" lang="en-US"/>
-          </a:p>
-        </p:txBody>
-      </p:sp>
-      <p:sp>
-        <p:nvSpPr>
-          <p:cNvPr id="4" name="Text Placeholder 3"/>
+            <a:pPr lvl="0"/>
+            <a:r>
+              <a:rPr lang="en-US" altLang="zh-TW" smtClean="0"/>
+              <a:t>Click to edit Master text styles</a:t>
+            </a:r>
+          </a:p>
+          <a:p>
+            <a:pPr lvl="1"/>
+            <a:r>
+              <a:rPr lang="en-US" altLang="zh-TW" smtClean="0"/>
+              <a:t>Second level</a:t>
+            </a:r>
+          </a:p>
+          <a:p>
+            <a:pPr lvl="2"/>
+            <a:r>
+              <a:rPr lang="en-US" altLang="zh-TW" smtClean="0"/>
+              <a:t>Third level</a:t>
+            </a:r>
+          </a:p>
+          <a:p>
+            <a:pPr lvl="3"/>
+            <a:r>
+              <a:rPr lang="en-US" altLang="zh-TW" smtClean="0"/>
+              <a:t>Fourth level</a:t>
+            </a:r>
+          </a:p>
+          <a:p>
+            <a:pPr lvl="4"/>
+            <a:r>
+              <a:rPr lang="en-US" altLang="zh-TW" smtClean="0"/>
+              <a:t>Fifth level</a:t>
+            </a:r>
+            <a:endParaRPr lang="zh-TW" altLang="en-US"/>
+          </a:p>
+        </p:txBody>
+      </p:sp>
+      <p:sp>
+        <p:nvSpPr>
+          <p:cNvPr id="4" name="文字版面配置區 3"/>
           <p:cNvSpPr>
             <a:spLocks noGrp="1"/>
           </p:cNvSpPr>
@@ -2518,8 +2141,8 @@
         </p:nvSpPr>
         <p:spPr>
           <a:xfrm>
-            <a:off x="167838" y="1730018"/>
-            <a:ext cx="2468880" cy="4572000"/>
+            <a:off x="457201" y="1076326"/>
+            <a:ext cx="3008313" cy="3518297"/>
           </a:xfrm>
         </p:spPr>
         <p:txBody>
@@ -2561,20 +2184,19 @@
               <a:buNone/>
               <a:defRPr sz="900"/>
             </a:lvl9pPr>
-            <a:extLst/>
           </a:lstStyle>
           <a:p>
-            <a:pPr lvl="0" eaLnBrk="1" latinLnBrk="0" hangingPunct="1"/>
-            <a:r>
-              <a:rPr kumimoji="0" lang="zh-TW" altLang="en-US" smtClean="0"/>
-              <a:t>按一下以編輯母片文字樣式</a:t>
-            </a:r>
-          </a:p>
-        </p:txBody>
-      </p:sp>
-      <p:sp>
-        <p:nvSpPr>
-          <p:cNvPr id="5" name="Date Placeholder 4"/>
+            <a:pPr lvl="0"/>
+            <a:r>
+              <a:rPr lang="en-US" altLang="zh-TW" smtClean="0"/>
+              <a:t>Click to edit Master text styles</a:t>
+            </a:r>
+          </a:p>
+        </p:txBody>
+      </p:sp>
+      <p:sp>
+        <p:nvSpPr>
+          <p:cNvPr id="5" name="日期版面配置區 4"/>
           <p:cNvSpPr>
             <a:spLocks noGrp="1"/>
           </p:cNvSpPr>
@@ -2589,7 +2211,7 @@
           <a:p>
             <a:fld id="{EBD102E7-0E42-4A7C-B4A2-A42778F23A80}" type="datetimeFigureOut">
               <a:rPr lang="zh-TW" altLang="en-US" smtClean="0"/>
-              <a:t>2013/6/23</a:t>
+              <a:t>2019/7/20</a:t>
             </a:fld>
             <a:endParaRPr lang="zh-TW" altLang="en-US"/>
           </a:p>
@@ -2597,7 +2219,7 @@
       </p:sp>
       <p:sp>
         <p:nvSpPr>
-          <p:cNvPr id="6" name="Footer Placeholder 5"/>
+          <p:cNvPr id="6" name="頁尾版面配置區 5"/>
           <p:cNvSpPr>
             <a:spLocks noGrp="1"/>
           </p:cNvSpPr>
@@ -2616,7 +2238,7 @@
       </p:sp>
       <p:sp>
         <p:nvSpPr>
-          <p:cNvPr id="7" name="Slide Number Placeholder 6"/>
+          <p:cNvPr id="7" name="投影片編號版面配置區 6"/>
           <p:cNvSpPr>
             <a:spLocks noGrp="1"/>
           </p:cNvSpPr>
@@ -2634,100 +2256,6 @@
               <a:t>‹#›</a:t>
             </a:fld>
             <a:endParaRPr lang="zh-TW" altLang="en-US"/>
-          </a:p>
-        </p:txBody>
-      </p:sp>
-      <p:sp>
-        <p:nvSpPr>
-          <p:cNvPr id="12" name="Rectangle 11"/>
-          <p:cNvSpPr/>
-          <p:nvPr/>
-        </p:nvSpPr>
-        <p:spPr bwMode="invGray">
-          <a:xfrm>
-            <a:off x="2855737" y="0"/>
-            <a:ext cx="45720" cy="1453896"/>
-          </a:xfrm>
-          <a:prstGeom prst="rect">
-            <a:avLst/>
-          </a:prstGeom>
-          <a:solidFill>
-            <a:srgbClr val="FFFFFF"/>
-          </a:solidFill>
-          <a:ln w="48000" cap="flat" cmpd="thickThin" algn="ctr">
-            <a:noFill/>
-            <a:prstDash val="solid"/>
-          </a:ln>
-        </p:spPr>
-        <p:style>
-          <a:lnRef idx="2">
-            <a:schemeClr val="accent1"/>
-          </a:lnRef>
-          <a:fillRef idx="1">
-            <a:schemeClr val="accent1"/>
-          </a:fillRef>
-          <a:effectRef idx="0">
-            <a:schemeClr val="accent1"/>
-          </a:effectRef>
-          <a:fontRef idx="minor">
-            <a:schemeClr val="lt1"/>
-          </a:fontRef>
-        </p:style>
-        <p:txBody>
-          <a:bodyPr rtlCol="0" anchor="ctr"/>
-          <a:lstStyle>
-            <a:extLst/>
-          </a:lstStyle>
-          <a:p>
-            <a:pPr algn="ctr" eaLnBrk="1" latinLnBrk="0" hangingPunct="1"/>
-            <a:endParaRPr kumimoji="0" lang="en-US"/>
-          </a:p>
-        </p:txBody>
-      </p:sp>
-      <p:sp>
-        <p:nvSpPr>
-          <p:cNvPr id="9" name="Rectangle 8"/>
-          <p:cNvSpPr/>
-          <p:nvPr/>
-        </p:nvSpPr>
-        <p:spPr bwMode="invGray">
-          <a:xfrm>
-            <a:off x="2855737" y="0"/>
-            <a:ext cx="45720" cy="1453896"/>
-          </a:xfrm>
-          <a:prstGeom prst="rect">
-            <a:avLst/>
-          </a:prstGeom>
-          <a:solidFill>
-            <a:srgbClr val="FFFFFF"/>
-          </a:solidFill>
-          <a:ln w="48000" cap="flat" cmpd="thickThin" algn="ctr">
-            <a:noFill/>
-            <a:prstDash val="solid"/>
-          </a:ln>
-        </p:spPr>
-        <p:style>
-          <a:lnRef idx="2">
-            <a:schemeClr val="accent1"/>
-          </a:lnRef>
-          <a:fillRef idx="1">
-            <a:schemeClr val="accent1"/>
-          </a:fillRef>
-          <a:effectRef idx="0">
-            <a:schemeClr val="accent1"/>
-          </a:effectRef>
-          <a:fontRef idx="minor">
-            <a:schemeClr val="lt1"/>
-          </a:fontRef>
-        </p:style>
-        <p:txBody>
-          <a:bodyPr rtlCol="0" anchor="ctr"/>
-          <a:lstStyle>
-            <a:extLst/>
-          </a:lstStyle>
-          <a:p>
-            <a:pPr algn="ctr" eaLnBrk="1" latinLnBrk="0" hangingPunct="1"/>
-            <a:endParaRPr kumimoji="0" lang="en-US"/>
           </a:p>
         </p:txBody>
       </p:sp>
@@ -2742,10 +2270,267 @@
 <file path=ppt/slideLayouts/slideLayout9.xml><?xml version="1.0" encoding="utf-8"?>
 <p:sldLayout xmlns:a="http://schemas.openxmlformats.org/drawingml/2006/main" xmlns:r="http://schemas.openxmlformats.org/officeDocument/2006/relationships" xmlns:p="http://schemas.openxmlformats.org/presentationml/2006/main" type="picTx" preserve="1">
   <p:cSld name="含標題的圖片">
+    <p:spTree>
+      <p:nvGrpSpPr>
+        <p:cNvPr id="1" name=""/>
+        <p:cNvGrpSpPr/>
+        <p:nvPr/>
+      </p:nvGrpSpPr>
+      <p:grpSpPr>
+        <a:xfrm>
+          <a:off x="0" y="0"/>
+          <a:ext cx="0" cy="0"/>
+          <a:chOff x="0" y="0"/>
+          <a:chExt cx="0" cy="0"/>
+        </a:xfrm>
+      </p:grpSpPr>
+      <p:sp>
+        <p:nvSpPr>
+          <p:cNvPr id="2" name="標題 1"/>
+          <p:cNvSpPr>
+            <a:spLocks noGrp="1"/>
+          </p:cNvSpPr>
+          <p:nvPr>
+            <p:ph type="title"/>
+          </p:nvPr>
+        </p:nvSpPr>
+        <p:spPr>
+          <a:xfrm>
+            <a:off x="1792288" y="3600450"/>
+            <a:ext cx="5486400" cy="425054"/>
+          </a:xfrm>
+        </p:spPr>
+        <p:txBody>
+          <a:bodyPr anchor="b"/>
+          <a:lstStyle>
+            <a:lvl1pPr algn="l">
+              <a:defRPr sz="2000" b="1"/>
+            </a:lvl1pPr>
+          </a:lstStyle>
+          <a:p>
+            <a:r>
+              <a:rPr lang="en-US" altLang="zh-TW" smtClean="0"/>
+              <a:t>Click to edit Master title style</a:t>
+            </a:r>
+            <a:endParaRPr lang="zh-TW" altLang="en-US"/>
+          </a:p>
+        </p:txBody>
+      </p:sp>
+      <p:sp>
+        <p:nvSpPr>
+          <p:cNvPr id="3" name="圖片版面配置區 2"/>
+          <p:cNvSpPr>
+            <a:spLocks noGrp="1"/>
+          </p:cNvSpPr>
+          <p:nvPr>
+            <p:ph type="pic" idx="1"/>
+          </p:nvPr>
+        </p:nvSpPr>
+        <p:spPr>
+          <a:xfrm>
+            <a:off x="1792288" y="459581"/>
+            <a:ext cx="5486400" cy="3086100"/>
+          </a:xfrm>
+        </p:spPr>
+        <p:txBody>
+          <a:bodyPr/>
+          <a:lstStyle>
+            <a:lvl1pPr marL="0" indent="0">
+              <a:buNone/>
+              <a:defRPr sz="3200"/>
+            </a:lvl1pPr>
+            <a:lvl2pPr marL="457200" indent="0">
+              <a:buNone/>
+              <a:defRPr sz="2800"/>
+            </a:lvl2pPr>
+            <a:lvl3pPr marL="914400" indent="0">
+              <a:buNone/>
+              <a:defRPr sz="2400"/>
+            </a:lvl3pPr>
+            <a:lvl4pPr marL="1371600" indent="0">
+              <a:buNone/>
+              <a:defRPr sz="2000"/>
+            </a:lvl4pPr>
+            <a:lvl5pPr marL="1828800" indent="0">
+              <a:buNone/>
+              <a:defRPr sz="2000"/>
+            </a:lvl5pPr>
+            <a:lvl6pPr marL="2286000" indent="0">
+              <a:buNone/>
+              <a:defRPr sz="2000"/>
+            </a:lvl6pPr>
+            <a:lvl7pPr marL="2743200" indent="0">
+              <a:buNone/>
+              <a:defRPr sz="2000"/>
+            </a:lvl7pPr>
+            <a:lvl8pPr marL="3200400" indent="0">
+              <a:buNone/>
+              <a:defRPr sz="2000"/>
+            </a:lvl8pPr>
+            <a:lvl9pPr marL="3657600" indent="0">
+              <a:buNone/>
+              <a:defRPr sz="2000"/>
+            </a:lvl9pPr>
+          </a:lstStyle>
+          <a:p>
+            <a:r>
+              <a:rPr lang="en-US" altLang="zh-TW" smtClean="0"/>
+              <a:t>Click icon to add picture</a:t>
+            </a:r>
+            <a:endParaRPr lang="zh-TW" altLang="en-US"/>
+          </a:p>
+        </p:txBody>
+      </p:sp>
+      <p:sp>
+        <p:nvSpPr>
+          <p:cNvPr id="4" name="文字版面配置區 3"/>
+          <p:cNvSpPr>
+            <a:spLocks noGrp="1"/>
+          </p:cNvSpPr>
+          <p:nvPr>
+            <p:ph type="body" sz="half" idx="2"/>
+          </p:nvPr>
+        </p:nvSpPr>
+        <p:spPr>
+          <a:xfrm>
+            <a:off x="1792288" y="4025503"/>
+            <a:ext cx="5486400" cy="603647"/>
+          </a:xfrm>
+        </p:spPr>
+        <p:txBody>
+          <a:bodyPr/>
+          <a:lstStyle>
+            <a:lvl1pPr marL="0" indent="0">
+              <a:buNone/>
+              <a:defRPr sz="1400"/>
+            </a:lvl1pPr>
+            <a:lvl2pPr marL="457200" indent="0">
+              <a:buNone/>
+              <a:defRPr sz="1200"/>
+            </a:lvl2pPr>
+            <a:lvl3pPr marL="914400" indent="0">
+              <a:buNone/>
+              <a:defRPr sz="1000"/>
+            </a:lvl3pPr>
+            <a:lvl4pPr marL="1371600" indent="0">
+              <a:buNone/>
+              <a:defRPr sz="900"/>
+            </a:lvl4pPr>
+            <a:lvl5pPr marL="1828800" indent="0">
+              <a:buNone/>
+              <a:defRPr sz="900"/>
+            </a:lvl5pPr>
+            <a:lvl6pPr marL="2286000" indent="0">
+              <a:buNone/>
+              <a:defRPr sz="900"/>
+            </a:lvl6pPr>
+            <a:lvl7pPr marL="2743200" indent="0">
+              <a:buNone/>
+              <a:defRPr sz="900"/>
+            </a:lvl7pPr>
+            <a:lvl8pPr marL="3200400" indent="0">
+              <a:buNone/>
+              <a:defRPr sz="900"/>
+            </a:lvl8pPr>
+            <a:lvl9pPr marL="3657600" indent="0">
+              <a:buNone/>
+              <a:defRPr sz="900"/>
+            </a:lvl9pPr>
+          </a:lstStyle>
+          <a:p>
+            <a:pPr lvl="0"/>
+            <a:r>
+              <a:rPr lang="en-US" altLang="zh-TW" smtClean="0"/>
+              <a:t>Click to edit Master text styles</a:t>
+            </a:r>
+          </a:p>
+        </p:txBody>
+      </p:sp>
+      <p:sp>
+        <p:nvSpPr>
+          <p:cNvPr id="5" name="日期版面配置區 4"/>
+          <p:cNvSpPr>
+            <a:spLocks noGrp="1"/>
+          </p:cNvSpPr>
+          <p:nvPr>
+            <p:ph type="dt" sz="half" idx="10"/>
+          </p:nvPr>
+        </p:nvSpPr>
+        <p:spPr/>
+        <p:txBody>
+          <a:bodyPr/>
+          <a:lstStyle/>
+          <a:p>
+            <a:fld id="{EBD102E7-0E42-4A7C-B4A2-A42778F23A80}" type="datetimeFigureOut">
+              <a:rPr lang="zh-TW" altLang="en-US" smtClean="0"/>
+              <a:t>2019/7/20</a:t>
+            </a:fld>
+            <a:endParaRPr lang="zh-TW" altLang="en-US"/>
+          </a:p>
+        </p:txBody>
+      </p:sp>
+      <p:sp>
+        <p:nvSpPr>
+          <p:cNvPr id="6" name="頁尾版面配置區 5"/>
+          <p:cNvSpPr>
+            <a:spLocks noGrp="1"/>
+          </p:cNvSpPr>
+          <p:nvPr>
+            <p:ph type="ftr" sz="quarter" idx="11"/>
+          </p:nvPr>
+        </p:nvSpPr>
+        <p:spPr/>
+        <p:txBody>
+          <a:bodyPr/>
+          <a:lstStyle/>
+          <a:p>
+            <a:endParaRPr lang="zh-TW" altLang="en-US"/>
+          </a:p>
+        </p:txBody>
+      </p:sp>
+      <p:sp>
+        <p:nvSpPr>
+          <p:cNvPr id="7" name="投影片編號版面配置區 6"/>
+          <p:cNvSpPr>
+            <a:spLocks noGrp="1"/>
+          </p:cNvSpPr>
+          <p:nvPr>
+            <p:ph type="sldNum" sz="quarter" idx="12"/>
+          </p:nvPr>
+        </p:nvSpPr>
+        <p:spPr/>
+        <p:txBody>
+          <a:bodyPr/>
+          <a:lstStyle/>
+          <a:p>
+            <a:fld id="{E2EF285F-2CA6-43DE-8567-E8A236F24F36}" type="slidenum">
+              <a:rPr lang="zh-TW" altLang="en-US" smtClean="0"/>
+              <a:t>‹#›</a:t>
+            </a:fld>
+            <a:endParaRPr lang="zh-TW" altLang="en-US"/>
+          </a:p>
+        </p:txBody>
+      </p:sp>
+    </p:spTree>
+  </p:cSld>
+  <p:clrMapOvr>
+    <a:masterClrMapping/>
+  </p:clrMapOvr>
+</p:sldLayout>
+</file>
+
+<file path=ppt/slideMasters/slideMaster1.xml><?xml version="1.0" encoding="utf-8"?>
+<p:sldMaster xmlns:a="http://schemas.openxmlformats.org/drawingml/2006/main" xmlns:r="http://schemas.openxmlformats.org/officeDocument/2006/relationships" xmlns:p="http://schemas.openxmlformats.org/presentationml/2006/main">
+  <p:cSld>
     <p:bg>
-      <p:bgRef idx="1001">
-        <a:schemeClr val="bg2"/>
-      </p:bgRef>
+      <p:bgPr>
+        <a:blipFill dpi="0" rotWithShape="1">
+          <a:blip r:embed="rId13"/>
+          <a:srcRect/>
+          <a:tile tx="0" ty="0" sx="100000" sy="100000" flip="none" algn="tl"/>
+        </a:blipFill>
+        <a:effectLst/>
+      </p:bgPr>
     </p:bg>
     <p:spTree>
       <p:nvGrpSpPr>
@@ -2763,7 +2548,7 @@
       </p:grpSpPr>
       <p:sp>
         <p:nvSpPr>
-          <p:cNvPr id="2" name="Title 1"/>
+          <p:cNvPr id="2" name="標題版面配置區 1"/>
           <p:cNvSpPr>
             <a:spLocks noGrp="1"/>
           </p:cNvSpPr>
@@ -2773,701 +2558,198 @@
         </p:nvSpPr>
         <p:spPr>
           <a:xfrm>
-            <a:off x="164592" y="155448"/>
-            <a:ext cx="2525150" cy="978408"/>
-          </a:xfrm>
-        </p:spPr>
-        <p:txBody>
-          <a:bodyPr lIns="73152" bIns="0" anchor="b">
-            <a:sp3d prstMaterial="matte"/>
-          </a:bodyPr>
-          <a:lstStyle>
-            <a:lvl1pPr algn="l">
-              <a:defRPr sz="2000" b="0"/>
-            </a:lvl1pPr>
-            <a:extLst/>
-          </a:lstStyle>
-          <a:p>
-            <a:r>
-              <a:rPr kumimoji="0" lang="zh-TW" altLang="en-US" smtClean="0"/>
-              <a:t>按一下以編輯母片標題樣式</a:t>
-            </a:r>
-            <a:endParaRPr kumimoji="0" lang="en-US"/>
-          </a:p>
-        </p:txBody>
-      </p:sp>
-      <p:sp>
-        <p:nvSpPr>
-          <p:cNvPr id="3" name="Picture Placeholder 2"/>
-          <p:cNvSpPr>
-            <a:spLocks noGrp="1"/>
-          </p:cNvSpPr>
-          <p:nvPr>
-            <p:ph type="pic" idx="1"/>
-          </p:nvPr>
-        </p:nvSpPr>
-        <p:spPr>
-          <a:xfrm>
-            <a:off x="2903805" y="1484808"/>
-            <a:ext cx="6247397" cy="5373192"/>
-          </a:xfrm>
-          <a:solidFill>
-            <a:schemeClr val="bg2">
-              <a:shade val="75000"/>
-            </a:schemeClr>
-          </a:solidFill>
-        </p:spPr>
-        <p:txBody>
-          <a:bodyPr/>
-          <a:lstStyle>
-            <a:lvl1pPr marL="0" indent="0">
-              <a:buNone/>
-              <a:defRPr sz="3200"/>
-            </a:lvl1pPr>
-            <a:lvl2pPr marL="457200" indent="0">
-              <a:buNone/>
-              <a:defRPr sz="2800"/>
-            </a:lvl2pPr>
-            <a:lvl3pPr marL="914400" indent="0">
-              <a:buNone/>
-              <a:defRPr sz="2400"/>
-            </a:lvl3pPr>
-            <a:lvl4pPr marL="1371600" indent="0">
-              <a:buNone/>
-              <a:defRPr sz="2000"/>
-            </a:lvl4pPr>
-            <a:lvl5pPr marL="1828800" indent="0">
-              <a:buNone/>
-              <a:defRPr sz="2000"/>
-            </a:lvl5pPr>
-            <a:lvl6pPr marL="2286000" indent="0">
-              <a:buNone/>
-              <a:defRPr sz="2000"/>
-            </a:lvl6pPr>
-            <a:lvl7pPr marL="2743200" indent="0">
-              <a:buNone/>
-              <a:defRPr sz="2000"/>
-            </a:lvl7pPr>
-            <a:lvl8pPr marL="3200400" indent="0">
-              <a:buNone/>
-              <a:defRPr sz="2000"/>
-            </a:lvl8pPr>
-            <a:lvl9pPr marL="3657600" indent="0">
-              <a:buNone/>
-              <a:defRPr sz="2000"/>
-            </a:lvl9pPr>
-            <a:extLst/>
-          </a:lstStyle>
-          <a:p>
-            <a:r>
-              <a:rPr kumimoji="0" lang="zh-TW" altLang="en-US" smtClean="0"/>
-              <a:t>按一下圖示以新增圖片</a:t>
-            </a:r>
-            <a:endParaRPr kumimoji="0" lang="en-US" dirty="0"/>
-          </a:p>
-        </p:txBody>
-      </p:sp>
-      <p:sp>
-        <p:nvSpPr>
-          <p:cNvPr id="4" name="Text Placeholder 3"/>
-          <p:cNvSpPr>
-            <a:spLocks noGrp="1"/>
-          </p:cNvSpPr>
-          <p:nvPr>
-            <p:ph type="body" sz="half" idx="2"/>
-          </p:nvPr>
-        </p:nvSpPr>
-        <p:spPr>
-          <a:xfrm>
-            <a:off x="164592" y="1728216"/>
-            <a:ext cx="2468880" cy="4572000"/>
-          </a:xfrm>
-        </p:spPr>
-        <p:txBody>
-          <a:bodyPr/>
-          <a:lstStyle>
-            <a:lvl1pPr marL="0" indent="0">
-              <a:buNone/>
-              <a:defRPr sz="1400"/>
-            </a:lvl1pPr>
-            <a:lvl2pPr marL="457200" indent="0">
-              <a:buNone/>
-              <a:defRPr sz="1200"/>
-            </a:lvl2pPr>
-            <a:lvl3pPr marL="914400" indent="0">
-              <a:buNone/>
-              <a:defRPr sz="1000"/>
-            </a:lvl3pPr>
-            <a:lvl4pPr marL="1371600" indent="0">
-              <a:buNone/>
-              <a:defRPr sz="900"/>
-            </a:lvl4pPr>
-            <a:lvl5pPr marL="1828800" indent="0">
-              <a:buNone/>
-              <a:defRPr sz="900"/>
-            </a:lvl5pPr>
-            <a:lvl6pPr marL="2286000" indent="0">
-              <a:buNone/>
-              <a:defRPr sz="900"/>
-            </a:lvl6pPr>
-            <a:lvl7pPr marL="2743200" indent="0">
-              <a:buNone/>
-              <a:defRPr sz="900"/>
-            </a:lvl7pPr>
-            <a:lvl8pPr marL="3200400" indent="0">
-              <a:buNone/>
-              <a:defRPr sz="900"/>
-            </a:lvl8pPr>
-            <a:lvl9pPr marL="3657600" indent="0">
-              <a:buNone/>
-              <a:defRPr sz="900"/>
-            </a:lvl9pPr>
-            <a:extLst/>
-          </a:lstStyle>
-          <a:p>
-            <a:pPr lvl="0" eaLnBrk="1" latinLnBrk="0" hangingPunct="1"/>
-            <a:r>
-              <a:rPr kumimoji="0" lang="zh-TW" altLang="en-US" smtClean="0"/>
-              <a:t>按一下以編輯母片文字樣式</a:t>
-            </a:r>
-          </a:p>
-        </p:txBody>
-      </p:sp>
-      <p:sp>
-        <p:nvSpPr>
-          <p:cNvPr id="5" name="Date Placeholder 4"/>
-          <p:cNvSpPr>
-            <a:spLocks noGrp="1"/>
-          </p:cNvSpPr>
-          <p:nvPr>
-            <p:ph type="dt" sz="half" idx="10"/>
-          </p:nvPr>
-        </p:nvSpPr>
-        <p:spPr>
-          <a:xfrm>
-            <a:off x="164592" y="1170432"/>
-            <a:ext cx="2523744" cy="201168"/>
-          </a:xfrm>
-        </p:spPr>
-        <p:txBody>
-          <a:bodyPr/>
-          <a:lstStyle/>
-          <a:p>
-            <a:fld id="{EBD102E7-0E42-4A7C-B4A2-A42778F23A80}" type="datetimeFigureOut">
-              <a:rPr lang="zh-TW" altLang="en-US" smtClean="0"/>
-              <a:t>2013/6/23</a:t>
-            </a:fld>
-            <a:endParaRPr lang="zh-TW" altLang="en-US"/>
-          </a:p>
-        </p:txBody>
-      </p:sp>
-      <p:sp>
-        <p:nvSpPr>
-          <p:cNvPr id="11" name="Rectangle 10"/>
-          <p:cNvSpPr/>
-          <p:nvPr/>
-        </p:nvSpPr>
-        <p:spPr>
-          <a:xfrm>
-            <a:off x="2855737" y="0"/>
-            <a:ext cx="45720" cy="6858000"/>
+            <a:off x="457200" y="205979"/>
+            <a:ext cx="8229600" cy="857250"/>
           </a:xfrm>
           <a:prstGeom prst="rect">
             <a:avLst/>
           </a:prstGeom>
-          <a:solidFill>
-            <a:srgbClr val="FFFFFF"/>
-          </a:solidFill>
-          <a:ln w="48000" cap="flat" cmpd="thickThin" algn="ctr">
-            <a:noFill/>
-            <a:prstDash val="solid"/>
-          </a:ln>
         </p:spPr>
-        <p:style>
-          <a:lnRef idx="2">
-            <a:schemeClr val="accent1"/>
-          </a:lnRef>
-          <a:fillRef idx="1">
-            <a:schemeClr val="accent1"/>
-          </a:fillRef>
-          <a:effectRef idx="0">
-            <a:schemeClr val="accent1"/>
-          </a:effectRef>
-          <a:fontRef idx="minor">
-            <a:schemeClr val="lt1"/>
-          </a:fontRef>
-        </p:style>
-        <p:txBody>
-          <a:bodyPr rtlCol="0" anchor="ctr"/>
-          <a:lstStyle>
-            <a:extLst/>
-          </a:lstStyle>
-          <a:p>
-            <a:pPr algn="ctr" eaLnBrk="1" latinLnBrk="0" hangingPunct="1"/>
-            <a:endParaRPr kumimoji="0" lang="en-US"/>
-          </a:p>
-        </p:txBody>
-      </p:sp>
-      <p:sp>
-        <p:nvSpPr>
-          <p:cNvPr id="9" name="Rectangle 8"/>
-          <p:cNvSpPr/>
-          <p:nvPr/>
-        </p:nvSpPr>
-        <p:spPr bwMode="invGray">
+        <p:txBody>
+          <a:bodyPr vert="horz" lIns="91440" tIns="45720" rIns="91440" bIns="45720" rtlCol="0" anchor="ctr">
+            <a:normAutofit/>
+          </a:bodyPr>
+          <a:lstStyle/>
+          <a:p>
+            <a:r>
+              <a:rPr lang="zh-TW" altLang="en-US" smtClean="0"/>
+              <a:t>按一下以編輯母片標題樣式</a:t>
+            </a:r>
+            <a:endParaRPr lang="zh-TW" altLang="en-US"/>
+          </a:p>
+        </p:txBody>
+      </p:sp>
+      <p:sp>
+        <p:nvSpPr>
+          <p:cNvPr id="3" name="文字版面配置區 2"/>
+          <p:cNvSpPr>
+            <a:spLocks noGrp="1"/>
+          </p:cNvSpPr>
+          <p:nvPr>
+            <p:ph type="body" idx="1"/>
+          </p:nvPr>
+        </p:nvSpPr>
+        <p:spPr>
           <a:xfrm>
-            <a:off x="2855737" y="0"/>
-            <a:ext cx="45720" cy="6858000"/>
+            <a:off x="457200" y="1200151"/>
+            <a:ext cx="8229600" cy="3394472"/>
           </a:xfrm>
           <a:prstGeom prst="rect">
             <a:avLst/>
           </a:prstGeom>
-          <a:solidFill>
-            <a:srgbClr val="FFFFFF"/>
-          </a:solidFill>
-          <a:ln w="48000" cap="flat" cmpd="thickThin" algn="ctr">
-            <a:noFill/>
-            <a:prstDash val="solid"/>
-          </a:ln>
         </p:spPr>
-        <p:style>
-          <a:lnRef idx="2">
-            <a:schemeClr val="accent1"/>
-          </a:lnRef>
-          <a:fillRef idx="1">
-            <a:schemeClr val="accent1"/>
-          </a:fillRef>
-          <a:effectRef idx="0">
-            <a:schemeClr val="accent1"/>
-          </a:effectRef>
-          <a:fontRef idx="minor">
-            <a:schemeClr val="lt1"/>
-          </a:fontRef>
-        </p:style>
-        <p:txBody>
-          <a:bodyPr rtlCol="0" anchor="ctr"/>
-          <a:lstStyle>
-            <a:extLst/>
-          </a:lstStyle>
-          <a:p>
-            <a:pPr algn="ctr" eaLnBrk="1" latinLnBrk="0" hangingPunct="1"/>
-            <a:endParaRPr kumimoji="0" lang="en-US"/>
-          </a:p>
-        </p:txBody>
-      </p:sp>
-      <p:sp>
-        <p:nvSpPr>
-          <p:cNvPr id="6" name="Footer Placeholder 5"/>
-          <p:cNvSpPr>
-            <a:spLocks noGrp="1"/>
-          </p:cNvSpPr>
-          <p:nvPr>
-            <p:ph type="ftr" sz="quarter" idx="11"/>
+        <p:txBody>
+          <a:bodyPr vert="horz" lIns="91440" tIns="45720" rIns="91440" bIns="45720" rtlCol="0">
+            <a:normAutofit/>
+          </a:bodyPr>
+          <a:lstStyle/>
+          <a:p>
+            <a:pPr lvl="0"/>
+            <a:r>
+              <a:rPr lang="zh-TW" altLang="en-US" smtClean="0"/>
+              <a:t>按一下以編輯母片文字樣式</a:t>
+            </a:r>
+          </a:p>
+          <a:p>
+            <a:pPr lvl="1"/>
+            <a:r>
+              <a:rPr lang="zh-TW" altLang="en-US" smtClean="0"/>
+              <a:t>第二層</a:t>
+            </a:r>
+          </a:p>
+          <a:p>
+            <a:pPr lvl="2"/>
+            <a:r>
+              <a:rPr lang="zh-TW" altLang="en-US" smtClean="0"/>
+              <a:t>第三層</a:t>
+            </a:r>
+          </a:p>
+          <a:p>
+            <a:pPr lvl="3"/>
+            <a:r>
+              <a:rPr lang="zh-TW" altLang="en-US" smtClean="0"/>
+              <a:t>第四層</a:t>
+            </a:r>
+          </a:p>
+          <a:p>
+            <a:pPr lvl="4"/>
+            <a:r>
+              <a:rPr lang="zh-TW" altLang="en-US" smtClean="0"/>
+              <a:t>第五層</a:t>
+            </a:r>
+            <a:endParaRPr lang="zh-TW" altLang="en-US"/>
+          </a:p>
+        </p:txBody>
+      </p:sp>
+      <p:sp>
+        <p:nvSpPr>
+          <p:cNvPr id="4" name="日期版面配置區 3"/>
+          <p:cNvSpPr>
+            <a:spLocks noGrp="1"/>
+          </p:cNvSpPr>
+          <p:nvPr>
+            <p:ph type="dt" sz="half" idx="2"/>
           </p:nvPr>
         </p:nvSpPr>
         <p:spPr>
           <a:xfrm>
-            <a:off x="3035808" y="1170432"/>
-            <a:ext cx="5193792" cy="201168"/>
+            <a:off x="457200" y="4767263"/>
+            <a:ext cx="2133600" cy="273844"/>
           </a:xfrm>
+          <a:prstGeom prst="rect">
+            <a:avLst/>
+          </a:prstGeom>
         </p:spPr>
         <p:txBody>
-          <a:bodyPr/>
+          <a:bodyPr vert="horz" lIns="91440" tIns="45720" rIns="91440" bIns="45720" rtlCol="0" anchor="ctr"/>
           <a:lstStyle>
-            <a:lvl1pPr>
-              <a:defRPr>
+            <a:lvl1pPr algn="l">
+              <a:defRPr sz="1200">
                 <a:solidFill>
-                  <a:schemeClr val="bg1">
-                    <a:shade val="50000"/>
+                  <a:schemeClr val="tx1">
+                    <a:tint val="75000"/>
                   </a:schemeClr>
                 </a:solidFill>
               </a:defRPr>
             </a:lvl1pPr>
           </a:lstStyle>
           <a:p>
-            <a:endParaRPr lang="zh-TW" altLang="en-US"/>
-          </a:p>
-        </p:txBody>
-      </p:sp>
-      <p:sp>
-        <p:nvSpPr>
-          <p:cNvPr id="7" name="Slide Number Placeholder 6"/>
-          <p:cNvSpPr>
-            <a:spLocks noGrp="1"/>
-          </p:cNvSpPr>
-          <p:nvPr>
-            <p:ph type="sldNum" sz="quarter" idx="12"/>
+            <a:fld id="{EBD102E7-0E42-4A7C-B4A2-A42778F23A80}" type="datetimeFigureOut">
+              <a:rPr lang="zh-TW" altLang="en-US" smtClean="0"/>
+              <a:t>2019/7/20</a:t>
+            </a:fld>
+            <a:endParaRPr lang="zh-TW" altLang="en-US"/>
+          </a:p>
+        </p:txBody>
+      </p:sp>
+      <p:sp>
+        <p:nvSpPr>
+          <p:cNvPr id="5" name="頁尾版面配置區 4"/>
+          <p:cNvSpPr>
+            <a:spLocks noGrp="1"/>
+          </p:cNvSpPr>
+          <p:nvPr>
+            <p:ph type="ftr" sz="quarter" idx="3"/>
           </p:nvPr>
         </p:nvSpPr>
         <p:spPr>
           <a:xfrm>
-            <a:off x="8339328" y="1170432"/>
-            <a:ext cx="733864" cy="201168"/>
-          </a:xfrm>
-        </p:spPr>
-        <p:txBody>
-          <a:bodyPr/>
-          <a:lstStyle/>
-          <a:p>
-            <a:fld id="{E2EF285F-2CA6-43DE-8567-E8A236F24F36}" type="slidenum">
-              <a:rPr lang="zh-TW" altLang="en-US" smtClean="0"/>
-              <a:t>‹#›</a:t>
-            </a:fld>
-            <a:endParaRPr lang="zh-TW" altLang="en-US"/>
-          </a:p>
-        </p:txBody>
-      </p:sp>
-    </p:spTree>
-  </p:cSld>
-  <p:clrMapOvr>
-    <a:overrideClrMapping bg1="lt1" tx1="dk1" bg2="lt2" tx2="dk2" accent1="accent1" accent2="accent2" accent3="accent3" accent4="accent4" accent5="accent5" accent6="accent6" hlink="hlink" folHlink="folHlink"/>
-  </p:clrMapOvr>
-</p:sldLayout>
-</file>
-
-<file path=ppt/slideMasters/slideMaster1.xml><?xml version="1.0" encoding="utf-8"?>
-<p:sldMaster xmlns:a="http://schemas.openxmlformats.org/drawingml/2006/main" xmlns:r="http://schemas.openxmlformats.org/officeDocument/2006/relationships" xmlns:p="http://schemas.openxmlformats.org/presentationml/2006/main">
-  <p:cSld>
-    <p:bg>
-      <p:bgRef idx="1001">
-        <a:schemeClr val="bg1"/>
-      </p:bgRef>
-    </p:bg>
-    <p:spTree>
-      <p:nvGrpSpPr>
-        <p:cNvPr id="1" name=""/>
-        <p:cNvGrpSpPr/>
-        <p:nvPr/>
-      </p:nvGrpSpPr>
-      <p:grpSpPr>
-        <a:xfrm>
-          <a:off x="0" y="0"/>
-          <a:ext cx="0" cy="0"/>
-          <a:chOff x="0" y="0"/>
-          <a:chExt cx="0" cy="0"/>
-        </a:xfrm>
-      </p:grpSpPr>
-      <p:sp>
-        <p:nvSpPr>
-          <p:cNvPr id="10" name="Rectangle 9"/>
-          <p:cNvSpPr/>
-          <p:nvPr/>
-        </p:nvSpPr>
-        <p:spPr bwMode="invGray">
-          <a:xfrm>
-            <a:off x="0" y="1435895"/>
-            <a:ext cx="9144000" cy="45720"/>
-          </a:xfrm>
-          <a:prstGeom prst="rect">
-            <a:avLst/>
-          </a:prstGeom>
-          <a:solidFill>
-            <a:srgbClr val="FFFFFF"/>
-          </a:solidFill>
-          <a:ln w="48000" cap="flat" cmpd="thickThin" algn="ctr">
-            <a:noFill/>
-            <a:prstDash val="solid"/>
-          </a:ln>
-          <a:effectLst>
-            <a:outerShdw blurRad="31750" dist="10160" dir="5400000" algn="tl" rotWithShape="0">
-              <a:srgbClr val="000000">
-                <a:alpha val="60000"/>
-              </a:srgbClr>
-            </a:outerShdw>
-          </a:effectLst>
-        </p:spPr>
-        <p:style>
-          <a:lnRef idx="2">
-            <a:schemeClr val="accent1"/>
-          </a:lnRef>
-          <a:fillRef idx="1">
-            <a:schemeClr val="accent1"/>
-          </a:fillRef>
-          <a:effectRef idx="0">
-            <a:schemeClr val="accent1"/>
-          </a:effectRef>
-          <a:fontRef idx="minor">
-            <a:schemeClr val="lt1"/>
-          </a:fontRef>
-        </p:style>
-        <p:txBody>
-          <a:bodyPr rtlCol="0" anchor="ctr"/>
-          <a:lstStyle>
-            <a:extLst/>
-          </a:lstStyle>
-          <a:p>
-            <a:pPr algn="ctr" eaLnBrk="1" latinLnBrk="0" hangingPunct="1"/>
-            <a:endParaRPr kumimoji="0" lang="en-US"/>
-          </a:p>
-        </p:txBody>
-      </p:sp>
-      <p:sp>
-        <p:nvSpPr>
-          <p:cNvPr id="7" name="Rectangle 6"/>
-          <p:cNvSpPr/>
-          <p:nvPr/>
-        </p:nvSpPr>
-        <p:spPr bwMode="ltGray">
-          <a:xfrm>
-            <a:off x="0" y="0"/>
-            <a:ext cx="9143999" cy="1433733"/>
-          </a:xfrm>
-          <a:prstGeom prst="rect">
-            <a:avLst/>
-          </a:prstGeom>
-          <a:solidFill>
-            <a:srgbClr val="000000"/>
-          </a:solidFill>
-          <a:ln w="48000" cap="flat" cmpd="thickThin" algn="ctr">
-            <a:noFill/>
-            <a:prstDash val="solid"/>
-          </a:ln>
-        </p:spPr>
-        <p:style>
-          <a:lnRef idx="2">
-            <a:schemeClr val="accent1"/>
-          </a:lnRef>
-          <a:fillRef idx="1">
-            <a:schemeClr val="accent1"/>
-          </a:fillRef>
-          <a:effectRef idx="0">
-            <a:schemeClr val="accent1"/>
-          </a:effectRef>
-          <a:fontRef idx="minor">
-            <a:schemeClr val="lt1"/>
-          </a:fontRef>
-        </p:style>
-        <p:txBody>
-          <a:bodyPr rtlCol="0" anchor="ctr"/>
-          <a:lstStyle>
-            <a:extLst/>
-          </a:lstStyle>
-          <a:p>
-            <a:pPr algn="ctr" eaLnBrk="1" latinLnBrk="0" hangingPunct="1"/>
-            <a:endParaRPr kumimoji="0" lang="en-US"/>
-          </a:p>
-        </p:txBody>
-      </p:sp>
-      <p:sp>
-        <p:nvSpPr>
-          <p:cNvPr id="2" name="Title Placeholder 1"/>
-          <p:cNvSpPr>
-            <a:spLocks noGrp="1"/>
-          </p:cNvSpPr>
-          <p:nvPr>
-            <p:ph type="title"/>
-          </p:nvPr>
-        </p:nvSpPr>
-        <p:spPr>
-          <a:xfrm>
-            <a:off x="457200" y="152400"/>
-            <a:ext cx="8229600" cy="1251062"/>
+            <a:off x="3124200" y="4767263"/>
+            <a:ext cx="2895600" cy="273844"/>
           </a:xfrm>
           <a:prstGeom prst="rect">
             <a:avLst/>
           </a:prstGeom>
         </p:spPr>
         <p:txBody>
-          <a:bodyPr vert="horz" lIns="91440" rIns="45720" rtlCol="0" anchor="ctr">
-            <a:normAutofit/>
-            <a:scene3d>
-              <a:camera prst="orthographicFront"/>
-              <a:lightRig rig="threePt" dir="t">
-                <a:rot lat="0" lon="0" rev="4800000"/>
-              </a:lightRig>
-            </a:scene3d>
-            <a:sp3d prstMaterial="matte">
-              <a:bevelT w="50800" h="10160"/>
-            </a:sp3d>
-          </a:bodyPr>
+          <a:bodyPr vert="horz" lIns="91440" tIns="45720" rIns="91440" bIns="45720" rtlCol="0" anchor="ctr"/>
           <a:lstStyle>
-            <a:extLst/>
+            <a:lvl1pPr algn="ctr">
+              <a:defRPr sz="1200">
+                <a:solidFill>
+                  <a:schemeClr val="tx1">
+                    <a:tint val="75000"/>
+                  </a:schemeClr>
+                </a:solidFill>
+              </a:defRPr>
+            </a:lvl1pPr>
           </a:lstStyle>
           <a:p>
-            <a:r>
-              <a:rPr kumimoji="0" lang="zh-TW" altLang="en-US" smtClean="0"/>
-              <a:t>按一下以編輯母片標題樣式</a:t>
-            </a:r>
-            <a:endParaRPr kumimoji="0" lang="en-US"/>
-          </a:p>
-        </p:txBody>
-      </p:sp>
-      <p:sp>
-        <p:nvSpPr>
-          <p:cNvPr id="3" name="Text Placeholder 2"/>
-          <p:cNvSpPr>
-            <a:spLocks noGrp="1"/>
-          </p:cNvSpPr>
-          <p:nvPr>
-            <p:ph type="body" idx="1"/>
+            <a:endParaRPr lang="zh-TW" altLang="en-US"/>
+          </a:p>
+        </p:txBody>
+      </p:sp>
+      <p:sp>
+        <p:nvSpPr>
+          <p:cNvPr id="6" name="投影片編號版面配置區 5"/>
+          <p:cNvSpPr>
+            <a:spLocks noGrp="1"/>
+          </p:cNvSpPr>
+          <p:nvPr>
+            <p:ph type="sldNum" sz="quarter" idx="4"/>
           </p:nvPr>
         </p:nvSpPr>
         <p:spPr>
           <a:xfrm>
-            <a:off x="457200" y="1775191"/>
-            <a:ext cx="8229600" cy="4625609"/>
+            <a:off x="6553200" y="4767263"/>
+            <a:ext cx="2133600" cy="273844"/>
           </a:xfrm>
           <a:prstGeom prst="rect">
             <a:avLst/>
           </a:prstGeom>
         </p:spPr>
         <p:txBody>
-          <a:bodyPr vert="horz" lIns="54864" tIns="91440" rtlCol="0">
-            <a:normAutofit/>
-          </a:bodyPr>
+          <a:bodyPr vert="horz" lIns="91440" tIns="45720" rIns="91440" bIns="45720" rtlCol="0" anchor="ctr"/>
           <a:lstStyle>
-            <a:extLst/>
-          </a:lstStyle>
-          <a:p>
-            <a:pPr lvl="0" eaLnBrk="1" latinLnBrk="0" hangingPunct="1"/>
-            <a:r>
-              <a:rPr kumimoji="0" lang="zh-TW" altLang="en-US" smtClean="0"/>
-              <a:t>按一下以編輯母片文字樣式</a:t>
-            </a:r>
-          </a:p>
-          <a:p>
-            <a:pPr lvl="1" eaLnBrk="1" latinLnBrk="0" hangingPunct="1"/>
-            <a:r>
-              <a:rPr kumimoji="0" lang="zh-TW" altLang="en-US" smtClean="0"/>
-              <a:t>第二層</a:t>
-            </a:r>
-          </a:p>
-          <a:p>
-            <a:pPr lvl="2" eaLnBrk="1" latinLnBrk="0" hangingPunct="1"/>
-            <a:r>
-              <a:rPr kumimoji="0" lang="zh-TW" altLang="en-US" smtClean="0"/>
-              <a:t>第三層</a:t>
-            </a:r>
-          </a:p>
-          <a:p>
-            <a:pPr lvl="3" eaLnBrk="1" latinLnBrk="0" hangingPunct="1"/>
-            <a:r>
-              <a:rPr kumimoji="0" lang="zh-TW" altLang="en-US" smtClean="0"/>
-              <a:t>第四層</a:t>
-            </a:r>
-          </a:p>
-          <a:p>
-            <a:pPr lvl="4" eaLnBrk="1" latinLnBrk="0" hangingPunct="1"/>
-            <a:r>
-              <a:rPr kumimoji="0" lang="zh-TW" altLang="en-US" smtClean="0"/>
-              <a:t>第五層</a:t>
-            </a:r>
-            <a:endParaRPr kumimoji="0" lang="en-US"/>
-          </a:p>
-        </p:txBody>
-      </p:sp>
-      <p:sp>
-        <p:nvSpPr>
-          <p:cNvPr id="4" name="Date Placeholder 3"/>
-          <p:cNvSpPr>
-            <a:spLocks noGrp="1"/>
-          </p:cNvSpPr>
-          <p:nvPr>
-            <p:ph type="dt" sz="half" idx="2"/>
-          </p:nvPr>
-        </p:nvSpPr>
-        <p:spPr>
-          <a:xfrm>
-            <a:off x="457200" y="6476999"/>
-            <a:ext cx="2133600" cy="274320"/>
-          </a:xfrm>
-          <a:prstGeom prst="rect">
-            <a:avLst/>
-          </a:prstGeom>
-        </p:spPr>
-        <p:txBody>
-          <a:bodyPr vert="horz" lIns="109728" rIns="45720" bIns="0" rtlCol="0" anchor="b"/>
-          <a:lstStyle>
-            <a:lvl1pPr algn="l" eaLnBrk="1" latinLnBrk="0" hangingPunct="1">
-              <a:defRPr kumimoji="0" sz="1200">
+            <a:lvl1pPr algn="r">
+              <a:defRPr sz="1200">
                 <a:solidFill>
                   <a:schemeClr val="tx1">
-                    <a:tint val="95000"/>
+                    <a:tint val="75000"/>
                   </a:schemeClr>
                 </a:solidFill>
               </a:defRPr>
             </a:lvl1pPr>
-            <a:extLst/>
-          </a:lstStyle>
-          <a:p>
-            <a:fld id="{EBD102E7-0E42-4A7C-B4A2-A42778F23A80}" type="datetimeFigureOut">
-              <a:rPr lang="zh-TW" altLang="en-US" smtClean="0"/>
-              <a:t>2013/6/23</a:t>
-            </a:fld>
-            <a:endParaRPr lang="zh-TW" altLang="en-US"/>
-          </a:p>
-        </p:txBody>
-      </p:sp>
-      <p:sp>
-        <p:nvSpPr>
-          <p:cNvPr id="5" name="Footer Placeholder 4"/>
-          <p:cNvSpPr>
-            <a:spLocks noGrp="1"/>
-          </p:cNvSpPr>
-          <p:nvPr>
-            <p:ph type="ftr" sz="quarter" idx="3"/>
-          </p:nvPr>
-        </p:nvSpPr>
-        <p:spPr>
-          <a:xfrm>
-            <a:off x="2640596" y="6476999"/>
-            <a:ext cx="5507719" cy="274320"/>
-          </a:xfrm>
-          <a:prstGeom prst="rect">
-            <a:avLst/>
-          </a:prstGeom>
-        </p:spPr>
-        <p:txBody>
-          <a:bodyPr vert="horz" lIns="45720" rIns="45720" bIns="0" rtlCol="0" anchor="b"/>
-          <a:lstStyle>
-            <a:lvl1pPr algn="l" eaLnBrk="1" latinLnBrk="0" hangingPunct="1">
-              <a:defRPr kumimoji="0" sz="1200">
-                <a:solidFill>
-                  <a:schemeClr val="tx1">
-                    <a:tint val="95000"/>
-                  </a:schemeClr>
-                </a:solidFill>
-              </a:defRPr>
-            </a:lvl1pPr>
-            <a:extLst/>
-          </a:lstStyle>
-          <a:p>
-            <a:endParaRPr lang="zh-TW" altLang="en-US"/>
-          </a:p>
-        </p:txBody>
-      </p:sp>
-      <p:sp>
-        <p:nvSpPr>
-          <p:cNvPr id="6" name="Slide Number Placeholder 5"/>
-          <p:cNvSpPr>
-            <a:spLocks noGrp="1"/>
-          </p:cNvSpPr>
-          <p:nvPr>
-            <p:ph type="sldNum" sz="quarter" idx="4"/>
-          </p:nvPr>
-        </p:nvSpPr>
-        <p:spPr>
-          <a:xfrm>
-            <a:off x="8204396" y="6476999"/>
-            <a:ext cx="733864" cy="274320"/>
-          </a:xfrm>
-          <a:prstGeom prst="rect">
-            <a:avLst/>
-          </a:prstGeom>
-        </p:spPr>
-        <p:txBody>
-          <a:bodyPr vert="horz" bIns="0" rtlCol="0" anchor="b"/>
-          <a:lstStyle>
-            <a:lvl1pPr algn="r" eaLnBrk="1" latinLnBrk="0" hangingPunct="1">
-              <a:defRPr kumimoji="0" sz="1200">
-                <a:solidFill>
-                  <a:schemeClr val="tx1">
-                    <a:tint val="95000"/>
-                  </a:schemeClr>
-                </a:solidFill>
-              </a:defRPr>
-            </a:lvl1pPr>
-            <a:extLst/>
           </a:lstStyle>
           <a:p>
             <a:fld id="{E2EF285F-2CA6-43DE-8567-E8A236F24F36}" type="slidenum">
@@ -3482,51 +2764,43 @@
   </p:cSld>
   <p:clrMap bg1="lt1" tx1="dk1" bg2="lt2" tx2="dk2" accent1="accent1" accent2="accent2" accent3="accent3" accent4="accent4" accent5="accent5" accent6="accent6" hlink="hlink" folHlink="folHlink"/>
   <p:sldLayoutIdLst>
-    <p:sldLayoutId id="2147483661" r:id="rId1"/>
-    <p:sldLayoutId id="2147483662" r:id="rId2"/>
-    <p:sldLayoutId id="2147483663" r:id="rId3"/>
-    <p:sldLayoutId id="2147483664" r:id="rId4"/>
-    <p:sldLayoutId id="2147483665" r:id="rId5"/>
-    <p:sldLayoutId id="2147483666" r:id="rId6"/>
-    <p:sldLayoutId id="2147483667" r:id="rId7"/>
-    <p:sldLayoutId id="2147483668" r:id="rId8"/>
-    <p:sldLayoutId id="2147483669" r:id="rId9"/>
-    <p:sldLayoutId id="2147483670" r:id="rId10"/>
-    <p:sldLayoutId id="2147483671" r:id="rId11"/>
+    <p:sldLayoutId id="2147483673" r:id="rId1"/>
+    <p:sldLayoutId id="2147483674" r:id="rId2"/>
+    <p:sldLayoutId id="2147483675" r:id="rId3"/>
+    <p:sldLayoutId id="2147483676" r:id="rId4"/>
+    <p:sldLayoutId id="2147483677" r:id="rId5"/>
+    <p:sldLayoutId id="2147483678" r:id="rId6"/>
+    <p:sldLayoutId id="2147483679" r:id="rId7"/>
+    <p:sldLayoutId id="2147483680" r:id="rId8"/>
+    <p:sldLayoutId id="2147483681" r:id="rId9"/>
+    <p:sldLayoutId id="2147483682" r:id="rId10"/>
+    <p:sldLayoutId id="2147483683" r:id="rId11"/>
   </p:sldLayoutIdLst>
   <p:txStyles>
     <p:titleStyle>
-      <a:lvl1pPr algn="l" rtl="0" eaLnBrk="1" latinLnBrk="0" hangingPunct="1">
+      <a:lvl1pPr algn="ctr" defTabSz="914400" rtl="0" eaLnBrk="1" latinLnBrk="0" hangingPunct="1">
         <a:spcBef>
           <a:spcPct val="0"/>
         </a:spcBef>
         <a:buNone/>
-        <a:defRPr kumimoji="0" sz="4500" b="1" kern="1200">
+        <a:defRPr sz="4400" kern="1200">
           <a:solidFill>
-            <a:schemeClr val="accent1">
-              <a:satMod val="150000"/>
-            </a:schemeClr>
+            <a:schemeClr val="tx1"/>
           </a:solidFill>
-          <a:effectLst/>
           <a:latin typeface="+mj-lt"/>
           <a:ea typeface="+mj-ea"/>
           <a:cs typeface="+mj-cs"/>
         </a:defRPr>
       </a:lvl1pPr>
-      <a:extLst/>
     </p:titleStyle>
     <p:bodyStyle>
-      <a:lvl1pPr marL="438912" indent="-320040" algn="l" rtl="0" eaLnBrk="1" latinLnBrk="0" hangingPunct="1">
+      <a:lvl1pPr marL="342900" indent="-342900" algn="l" defTabSz="914400" rtl="0" eaLnBrk="1" latinLnBrk="0" hangingPunct="1">
         <a:spcBef>
-          <a:spcPts val="0"/>
+          <a:spcPct val="20000"/>
         </a:spcBef>
-        <a:buClr>
-          <a:schemeClr val="accent1"/>
-        </a:buClr>
-        <a:buSzPct val="80000"/>
-        <a:buFont typeface="Wingdings 2"/>
-        <a:buChar char=""/>
-        <a:defRPr kumimoji="0" sz="3200" kern="1200">
+        <a:buFont typeface="Arial" pitchFamily="34" charset="0"/>
+        <a:buChar char="•"/>
+        <a:defRPr sz="3200" kern="1200">
           <a:solidFill>
             <a:schemeClr val="tx1"/>
           </a:solidFill>
@@ -3535,17 +2809,13 @@
           <a:cs typeface="+mn-cs"/>
         </a:defRPr>
       </a:lvl1pPr>
-      <a:lvl2pPr marL="731520" indent="-274320" algn="l" rtl="0" eaLnBrk="1" latinLnBrk="0" hangingPunct="1">
+      <a:lvl2pPr marL="742950" indent="-285750" algn="l" defTabSz="914400" rtl="0" eaLnBrk="1" latinLnBrk="0" hangingPunct="1">
         <a:spcBef>
           <a:spcPct val="20000"/>
         </a:spcBef>
-        <a:buClr>
-          <a:schemeClr val="accent2"/>
-        </a:buClr>
-        <a:buSzPct val="90000"/>
-        <a:buFont typeface="Wingdings"/>
-        <a:buChar char=""/>
-        <a:defRPr kumimoji="0" sz="2800" kern="1200">
+        <a:buFont typeface="Arial" pitchFamily="34" charset="0"/>
+        <a:buChar char="–"/>
+        <a:defRPr sz="2800" kern="1200">
           <a:solidFill>
             <a:schemeClr val="tx1"/>
           </a:solidFill>
@@ -3554,16 +2824,13 @@
           <a:cs typeface="+mn-cs"/>
         </a:defRPr>
       </a:lvl2pPr>
-      <a:lvl3pPr marL="996696" indent="-228600" algn="l" rtl="0" eaLnBrk="1" latinLnBrk="0" hangingPunct="1">
+      <a:lvl3pPr marL="1143000" indent="-228600" algn="l" defTabSz="914400" rtl="0" eaLnBrk="1" latinLnBrk="0" hangingPunct="1">
         <a:spcBef>
           <a:spcPct val="20000"/>
         </a:spcBef>
-        <a:buClr>
-          <a:schemeClr val="accent3"/>
-        </a:buClr>
-        <a:buFont typeface="Arial"/>
-        <a:buChar char="▪"/>
-        <a:defRPr kumimoji="0" sz="2400" kern="1200">
+        <a:buFont typeface="Arial" pitchFamily="34" charset="0"/>
+        <a:buChar char="•"/>
+        <a:defRPr sz="2400" kern="1200">
           <a:solidFill>
             <a:schemeClr val="tx1"/>
           </a:solidFill>
@@ -3572,16 +2839,13 @@
           <a:cs typeface="+mn-cs"/>
         </a:defRPr>
       </a:lvl3pPr>
-      <a:lvl4pPr marL="1216152" indent="-182880" algn="l" rtl="0" eaLnBrk="1" latinLnBrk="0" hangingPunct="1">
+      <a:lvl4pPr marL="1600200" indent="-228600" algn="l" defTabSz="914400" rtl="0" eaLnBrk="1" latinLnBrk="0" hangingPunct="1">
         <a:spcBef>
           <a:spcPct val="20000"/>
         </a:spcBef>
-        <a:buClr>
-          <a:schemeClr val="accent4"/>
-        </a:buClr>
-        <a:buFont typeface="Arial"/>
-        <a:buChar char="▪"/>
-        <a:defRPr kumimoji="0" sz="2000" kern="1200">
+        <a:buFont typeface="Arial" pitchFamily="34" charset="0"/>
+        <a:buChar char="–"/>
+        <a:defRPr sz="2000" kern="1200">
           <a:solidFill>
             <a:schemeClr val="tx1"/>
           </a:solidFill>
@@ -3590,16 +2854,13 @@
           <a:cs typeface="+mn-cs"/>
         </a:defRPr>
       </a:lvl4pPr>
-      <a:lvl5pPr marL="1426464" indent="-182880" algn="l" rtl="0" eaLnBrk="1" latinLnBrk="0" hangingPunct="1">
+      <a:lvl5pPr marL="2057400" indent="-228600" algn="l" defTabSz="914400" rtl="0" eaLnBrk="1" latinLnBrk="0" hangingPunct="1">
         <a:spcBef>
           <a:spcPct val="20000"/>
         </a:spcBef>
-        <a:buClr>
-          <a:schemeClr val="accent5"/>
-        </a:buClr>
-        <a:buFont typeface="Wingdings 3"/>
-        <a:buChar char=""/>
-        <a:defRPr kumimoji="0" lang="en-US" sz="2000" kern="1200" smtClean="0">
+        <a:buFont typeface="Arial" pitchFamily="34" charset="0"/>
+        <a:buChar char="»"/>
+        <a:defRPr sz="2000" kern="1200">
           <a:solidFill>
             <a:schemeClr val="tx1"/>
           </a:solidFill>
@@ -3608,17 +2869,13 @@
           <a:cs typeface="+mn-cs"/>
         </a:defRPr>
       </a:lvl5pPr>
-      <a:lvl6pPr marL="1627632" indent="-182880" algn="l" rtl="0" eaLnBrk="1" latinLnBrk="0" hangingPunct="1">
+      <a:lvl6pPr marL="2514600" indent="-228600" algn="l" defTabSz="914400" rtl="0" eaLnBrk="1" latinLnBrk="0" hangingPunct="1">
         <a:spcBef>
           <a:spcPct val="20000"/>
         </a:spcBef>
-        <a:buClr>
-          <a:schemeClr val="accent6"/>
-        </a:buClr>
-        <a:buSzPct val="100000"/>
-        <a:buFont typeface="Wingdings 2"/>
-        <a:buChar char=""/>
-        <a:defRPr kumimoji="0" sz="2000" kern="1200">
+        <a:buFont typeface="Arial" pitchFamily="34" charset="0"/>
+        <a:buChar char="•"/>
+        <a:defRPr sz="2000" kern="1200">
           <a:solidFill>
             <a:schemeClr val="tx1"/>
           </a:solidFill>
@@ -3627,17 +2884,13 @@
           <a:cs typeface="+mn-cs"/>
         </a:defRPr>
       </a:lvl6pPr>
-      <a:lvl7pPr marL="1828800" indent="-182880" algn="l" rtl="0" eaLnBrk="1" latinLnBrk="0" hangingPunct="1">
+      <a:lvl7pPr marL="2971800" indent="-228600" algn="l" defTabSz="914400" rtl="0" eaLnBrk="1" latinLnBrk="0" hangingPunct="1">
         <a:spcBef>
           <a:spcPct val="20000"/>
         </a:spcBef>
-        <a:buClr>
-          <a:schemeClr val="accent1"/>
-        </a:buClr>
-        <a:buSzPct val="100000"/>
-        <a:buFont typeface="Wingdings 2"/>
-        <a:buChar char=""/>
-        <a:defRPr kumimoji="0" sz="1800" kern="1200">
+        <a:buFont typeface="Arial" pitchFamily="34" charset="0"/>
+        <a:buChar char="•"/>
+        <a:defRPr sz="2000" kern="1200">
           <a:solidFill>
             <a:schemeClr val="tx1"/>
           </a:solidFill>
@@ -3646,16 +2899,13 @@
           <a:cs typeface="+mn-cs"/>
         </a:defRPr>
       </a:lvl7pPr>
-      <a:lvl8pPr marL="2029968" indent="-182880" algn="l" rtl="0" eaLnBrk="1" latinLnBrk="0" hangingPunct="1">
+      <a:lvl8pPr marL="3429000" indent="-228600" algn="l" defTabSz="914400" rtl="0" eaLnBrk="1" latinLnBrk="0" hangingPunct="1">
         <a:spcBef>
           <a:spcPct val="20000"/>
         </a:spcBef>
-        <a:buClr>
-          <a:schemeClr val="accent2"/>
-        </a:buClr>
-        <a:buFont typeface="Wingdings 2" pitchFamily="18" charset="2"/>
-        <a:buChar char=""/>
-        <a:defRPr kumimoji="0" sz="1800" kern="1200">
+        <a:buFont typeface="Arial" pitchFamily="34" charset="0"/>
+        <a:buChar char="•"/>
+        <a:defRPr sz="2000" kern="1200">
           <a:solidFill>
             <a:schemeClr val="tx1"/>
           </a:solidFill>
@@ -3664,16 +2914,13 @@
           <a:cs typeface="+mn-cs"/>
         </a:defRPr>
       </a:lvl8pPr>
-      <a:lvl9pPr marL="2231136" indent="-182880" algn="l" rtl="0" eaLnBrk="1" latinLnBrk="0" hangingPunct="1">
+      <a:lvl9pPr marL="3886200" indent="-228600" algn="l" defTabSz="914400" rtl="0" eaLnBrk="1" latinLnBrk="0" hangingPunct="1">
         <a:spcBef>
           <a:spcPct val="20000"/>
         </a:spcBef>
-        <a:buClr>
-          <a:schemeClr val="accent3"/>
-        </a:buClr>
-        <a:buFont typeface="Wingdings 2" pitchFamily="18" charset="2"/>
-        <a:buChar char=""/>
-        <a:defRPr kumimoji="0" sz="1800" kern="1200" baseline="0">
+        <a:buFont typeface="Arial" pitchFamily="34" charset="0"/>
+        <a:buChar char="•"/>
+        <a:defRPr sz="2000" kern="1200">
           <a:solidFill>
             <a:schemeClr val="tx1"/>
           </a:solidFill>
@@ -3682,11 +2929,13 @@
           <a:cs typeface="+mn-cs"/>
         </a:defRPr>
       </a:lvl9pPr>
-      <a:extLst/>
     </p:bodyStyle>
     <p:otherStyle>
-      <a:lvl1pPr marL="0" algn="l" rtl="0" eaLnBrk="1" latinLnBrk="0" hangingPunct="1">
-        <a:defRPr kumimoji="0" kern="1200">
+      <a:defPPr>
+        <a:defRPr lang="zh-TW"/>
+      </a:defPPr>
+      <a:lvl1pPr marL="0" algn="l" defTabSz="914400" rtl="0" eaLnBrk="1" latinLnBrk="0" hangingPunct="1">
+        <a:defRPr sz="1800" kern="1200">
           <a:solidFill>
             <a:schemeClr val="tx1"/>
           </a:solidFill>
@@ -3695,8 +2944,8 @@
           <a:cs typeface="+mn-cs"/>
         </a:defRPr>
       </a:lvl1pPr>
-      <a:lvl2pPr marL="457200" algn="l" rtl="0" eaLnBrk="1" latinLnBrk="0" hangingPunct="1">
-        <a:defRPr kumimoji="0" kern="1200">
+      <a:lvl2pPr marL="457200" algn="l" defTabSz="914400" rtl="0" eaLnBrk="1" latinLnBrk="0" hangingPunct="1">
+        <a:defRPr sz="1800" kern="1200">
           <a:solidFill>
             <a:schemeClr val="tx1"/>
           </a:solidFill>
@@ -3705,8 +2954,8 @@
           <a:cs typeface="+mn-cs"/>
         </a:defRPr>
       </a:lvl2pPr>
-      <a:lvl3pPr marL="914400" algn="l" rtl="0" eaLnBrk="1" latinLnBrk="0" hangingPunct="1">
-        <a:defRPr kumimoji="0" kern="1200">
+      <a:lvl3pPr marL="914400" algn="l" defTabSz="914400" rtl="0" eaLnBrk="1" latinLnBrk="0" hangingPunct="1">
+        <a:defRPr sz="1800" kern="1200">
           <a:solidFill>
             <a:schemeClr val="tx1"/>
           </a:solidFill>
@@ -3715,8 +2964,8 @@
           <a:cs typeface="+mn-cs"/>
         </a:defRPr>
       </a:lvl3pPr>
-      <a:lvl4pPr marL="1371600" algn="l" rtl="0" eaLnBrk="1" latinLnBrk="0" hangingPunct="1">
-        <a:defRPr kumimoji="0" kern="1200">
+      <a:lvl4pPr marL="1371600" algn="l" defTabSz="914400" rtl="0" eaLnBrk="1" latinLnBrk="0" hangingPunct="1">
+        <a:defRPr sz="1800" kern="1200">
           <a:solidFill>
             <a:schemeClr val="tx1"/>
           </a:solidFill>
@@ -3725,8 +2974,8 @@
           <a:cs typeface="+mn-cs"/>
         </a:defRPr>
       </a:lvl4pPr>
-      <a:lvl5pPr marL="1828800" algn="l" rtl="0" eaLnBrk="1" latinLnBrk="0" hangingPunct="1">
-        <a:defRPr kumimoji="0" kern="1200">
+      <a:lvl5pPr marL="1828800" algn="l" defTabSz="914400" rtl="0" eaLnBrk="1" latinLnBrk="0" hangingPunct="1">
+        <a:defRPr sz="1800" kern="1200">
           <a:solidFill>
             <a:schemeClr val="tx1"/>
           </a:solidFill>
@@ -3735,8 +2984,8 @@
           <a:cs typeface="+mn-cs"/>
         </a:defRPr>
       </a:lvl5pPr>
-      <a:lvl6pPr marL="2286000" algn="l" rtl="0" eaLnBrk="1" latinLnBrk="0" hangingPunct="1">
-        <a:defRPr kumimoji="0" kern="1200">
+      <a:lvl6pPr marL="2286000" algn="l" defTabSz="914400" rtl="0" eaLnBrk="1" latinLnBrk="0" hangingPunct="1">
+        <a:defRPr sz="1800" kern="1200">
           <a:solidFill>
             <a:schemeClr val="tx1"/>
           </a:solidFill>
@@ -3745,8 +2994,8 @@
           <a:cs typeface="+mn-cs"/>
         </a:defRPr>
       </a:lvl6pPr>
-      <a:lvl7pPr marL="2743200" algn="l" rtl="0" eaLnBrk="1" latinLnBrk="0" hangingPunct="1">
-        <a:defRPr kumimoji="0" kern="1200">
+      <a:lvl7pPr marL="2743200" algn="l" defTabSz="914400" rtl="0" eaLnBrk="1" latinLnBrk="0" hangingPunct="1">
+        <a:defRPr sz="1800" kern="1200">
           <a:solidFill>
             <a:schemeClr val="tx1"/>
           </a:solidFill>
@@ -3755,8 +3004,8 @@
           <a:cs typeface="+mn-cs"/>
         </a:defRPr>
       </a:lvl7pPr>
-      <a:lvl8pPr marL="3200400" algn="l" rtl="0" eaLnBrk="1" latinLnBrk="0" hangingPunct="1">
-        <a:defRPr kumimoji="0" kern="1200">
+      <a:lvl8pPr marL="3200400" algn="l" defTabSz="914400" rtl="0" eaLnBrk="1" latinLnBrk="0" hangingPunct="1">
+        <a:defRPr sz="1800" kern="1200">
           <a:solidFill>
             <a:schemeClr val="tx1"/>
           </a:solidFill>
@@ -3765,8 +3014,8 @@
           <a:cs typeface="+mn-cs"/>
         </a:defRPr>
       </a:lvl8pPr>
-      <a:lvl9pPr marL="3657600" algn="l" rtl="0" eaLnBrk="1" latinLnBrk="0" hangingPunct="1">
-        <a:defRPr kumimoji="0" kern="1200">
+      <a:lvl9pPr marL="3657600" algn="l" defTabSz="914400" rtl="0" eaLnBrk="1" latinLnBrk="0" hangingPunct="1">
+        <a:defRPr sz="1800" kern="1200">
           <a:solidFill>
             <a:schemeClr val="tx1"/>
           </a:solidFill>
@@ -3775,7 +3024,6 @@
           <a:cs typeface="+mn-cs"/>
         </a:defRPr>
       </a:lvl9pPr>
-      <a:extLst/>
     </p:otherStyle>
   </p:txStyles>
 </p:sldMaster>
@@ -3810,40 +3058,45 @@
         </p:nvSpPr>
         <p:spPr/>
         <p:txBody>
-          <a:bodyPr/>
-          <a:lstStyle/>
-          <a:p>
-            <a:r>
-              <a:rPr lang="zh-TW" altLang="en-US" dirty="0"/>
-              <a:t>每當我瞻仰你</a:t>
-            </a:r>
-          </a:p>
-        </p:txBody>
-      </p:sp>
-      <p:sp>
-        <p:nvSpPr>
-          <p:cNvPr id="5" name="內容版面配置區 4"/>
-          <p:cNvSpPr>
-            <a:spLocks noGrp="1"/>
-          </p:cNvSpPr>
-          <p:nvPr>
-            <p:ph idx="1"/>
-          </p:nvPr>
-        </p:nvSpPr>
-        <p:spPr/>
-        <p:txBody>
           <a:bodyPr>
             <a:normAutofit/>
           </a:bodyPr>
           <a:lstStyle/>
           <a:p>
+            <a:r>
+              <a:rPr lang="zh-TW" altLang="en-US" sz="4000" b="1" dirty="0">
+                <a:latin typeface="Microsoft JhengHei" pitchFamily="34" charset="-120"/>
+                <a:ea typeface="Microsoft JhengHei" pitchFamily="34" charset="-120"/>
+              </a:rPr>
+              <a:t>每當我瞻仰你</a:t>
+            </a:r>
+          </a:p>
+        </p:txBody>
+      </p:sp>
+      <p:sp>
+        <p:nvSpPr>
+          <p:cNvPr id="5" name="內容版面配置區 4"/>
+          <p:cNvSpPr>
+            <a:spLocks noGrp="1"/>
+          </p:cNvSpPr>
+          <p:nvPr>
+            <p:ph idx="1"/>
+          </p:nvPr>
+        </p:nvSpPr>
+        <p:spPr/>
+        <p:txBody>
+          <a:bodyPr>
+            <a:noAutofit/>
+          </a:bodyPr>
+          <a:lstStyle/>
+          <a:p>
             <a:pPr algn="ctr">
               <a:buNone/>
             </a:pPr>
             <a:r>
-              <a:rPr lang="zh-TW" altLang="en-US" sz="5400" dirty="0">
-                <a:latin typeface="細明體" pitchFamily="49" charset="-120"/>
-                <a:ea typeface="細明體" pitchFamily="49" charset="-120"/>
+              <a:rPr lang="zh-TW" altLang="en-US" sz="4800" b="1" dirty="0">
+                <a:latin typeface="Microsoft JhengHei" pitchFamily="34" charset="-120"/>
+                <a:ea typeface="Microsoft JhengHei" pitchFamily="34" charset="-120"/>
               </a:rPr>
               <a:t>每當我瞻仰你至聖榮面</a:t>
             </a:r>
@@ -3853,43 +3106,43 @@
               <a:buNone/>
             </a:pPr>
             <a:r>
-              <a:rPr lang="zh-TW" altLang="en-US" sz="5400" dirty="0" smtClean="0">
-                <a:latin typeface="細明體" pitchFamily="49" charset="-120"/>
-                <a:ea typeface="細明體" pitchFamily="49" charset="-120"/>
+              <a:rPr lang="zh-TW" altLang="en-US" sz="4800" b="1" dirty="0" smtClean="0">
+                <a:latin typeface="Microsoft JhengHei" pitchFamily="34" charset="-120"/>
+                <a:ea typeface="Microsoft JhengHei" pitchFamily="34" charset="-120"/>
               </a:rPr>
               <a:t>每當</a:t>
             </a:r>
             <a:r>
-              <a:rPr lang="zh-TW" altLang="en-US" sz="5400" dirty="0">
-                <a:latin typeface="細明體" pitchFamily="49" charset="-120"/>
-                <a:ea typeface="細明體" pitchFamily="49" charset="-120"/>
+              <a:rPr lang="zh-TW" altLang="en-US" sz="4800" b="1" dirty="0">
+                <a:latin typeface="Microsoft JhengHei" pitchFamily="34" charset="-120"/>
+                <a:ea typeface="Microsoft JhengHei" pitchFamily="34" charset="-120"/>
               </a:rPr>
               <a:t>我在愛</a:t>
             </a:r>
             <a:r>
-              <a:rPr lang="zh-TW" altLang="en-US" sz="5400" dirty="0" smtClean="0">
-                <a:latin typeface="細明體" pitchFamily="49" charset="-120"/>
-                <a:ea typeface="細明體" pitchFamily="49" charset="-120"/>
+              <a:rPr lang="zh-TW" altLang="en-US" sz="4800" b="1" dirty="0" smtClean="0">
+                <a:latin typeface="Microsoft JhengHei" pitchFamily="34" charset="-120"/>
+                <a:ea typeface="Microsoft JhengHei" pitchFamily="34" charset="-120"/>
               </a:rPr>
               <a:t>中</a:t>
             </a:r>
             <a:r>
-              <a:rPr lang="zh-CN" altLang="en-US" sz="5400" dirty="0" smtClean="0">
-                <a:latin typeface="細明體" pitchFamily="49" charset="-120"/>
-                <a:ea typeface="細明體" pitchFamily="49" charset="-120"/>
+              <a:rPr lang="zh-CN" altLang="en-US" sz="4800" b="1" dirty="0" smtClean="0">
+                <a:latin typeface="Microsoft JhengHei" pitchFamily="34" charset="-120"/>
+                <a:ea typeface="Microsoft JhengHei" pitchFamily="34" charset="-120"/>
               </a:rPr>
               <a:t>仰望</a:t>
             </a:r>
             <a:r>
-              <a:rPr lang="zh-TW" altLang="en-US" sz="5400" dirty="0" smtClean="0">
-                <a:latin typeface="細明體" pitchFamily="49" charset="-120"/>
-                <a:ea typeface="細明體" pitchFamily="49" charset="-120"/>
+              <a:rPr lang="zh-TW" altLang="en-US" sz="4800" b="1" dirty="0" smtClean="0">
+                <a:latin typeface="Microsoft JhengHei" pitchFamily="34" charset="-120"/>
+                <a:ea typeface="Microsoft JhengHei" pitchFamily="34" charset="-120"/>
               </a:rPr>
               <a:t>你</a:t>
             </a:r>
-            <a:endParaRPr lang="zh-TW" altLang="en-US" sz="5400" dirty="0">
-              <a:latin typeface="細明體" pitchFamily="49" charset="-120"/>
-              <a:ea typeface="細明體" pitchFamily="49" charset="-120"/>
+            <a:endParaRPr lang="zh-TW" altLang="en-US" sz="4800" b="1" dirty="0">
+              <a:latin typeface="Microsoft JhengHei" pitchFamily="34" charset="-120"/>
+              <a:ea typeface="Microsoft JhengHei" pitchFamily="34" charset="-120"/>
             </a:endParaRPr>
           </a:p>
           <a:p>
@@ -3897,16 +3150,16 @@
               <a:buNone/>
             </a:pPr>
             <a:r>
-              <a:rPr lang="zh-TW" altLang="en-US" sz="5400" dirty="0" smtClean="0">
-                <a:latin typeface="細明體" pitchFamily="49" charset="-120"/>
-                <a:ea typeface="細明體" pitchFamily="49" charset="-120"/>
+              <a:rPr lang="zh-TW" altLang="en-US" sz="4800" b="1" dirty="0" smtClean="0">
+                <a:latin typeface="Microsoft JhengHei" pitchFamily="34" charset="-120"/>
+                <a:ea typeface="Microsoft JhengHei" pitchFamily="34" charset="-120"/>
               </a:rPr>
               <a:t>在</a:t>
             </a:r>
             <a:r>
-              <a:rPr lang="zh-TW" altLang="en-US" sz="5400" dirty="0">
-                <a:latin typeface="細明體" pitchFamily="49" charset="-120"/>
-                <a:ea typeface="細明體" pitchFamily="49" charset="-120"/>
+              <a:rPr lang="zh-TW" altLang="en-US" sz="4800" b="1" dirty="0">
+                <a:latin typeface="Microsoft JhengHei" pitchFamily="34" charset="-120"/>
+                <a:ea typeface="Microsoft JhengHei" pitchFamily="34" charset="-120"/>
               </a:rPr>
               <a:t>你榮耀光中</a:t>
             </a:r>
@@ -3916,16 +3169,16 @@
               <a:buNone/>
             </a:pPr>
             <a:r>
-              <a:rPr lang="zh-TW" altLang="en-US" sz="5400" dirty="0" smtClean="0">
-                <a:latin typeface="細明體" pitchFamily="49" charset="-120"/>
-                <a:ea typeface="細明體" pitchFamily="49" charset="-120"/>
+              <a:rPr lang="zh-TW" altLang="en-US" sz="4800" b="1" dirty="0" smtClean="0">
+                <a:latin typeface="Microsoft JhengHei" pitchFamily="34" charset="-120"/>
+                <a:ea typeface="Microsoft JhengHei" pitchFamily="34" charset="-120"/>
               </a:rPr>
               <a:t>所有</a:t>
             </a:r>
             <a:r>
-              <a:rPr lang="zh-TW" altLang="en-US" sz="5400" dirty="0">
-                <a:latin typeface="細明體" pitchFamily="49" charset="-120"/>
-                <a:ea typeface="細明體" pitchFamily="49" charset="-120"/>
+              <a:rPr lang="zh-TW" altLang="en-US" sz="4800" b="1" dirty="0">
+                <a:latin typeface="Microsoft JhengHei" pitchFamily="34" charset="-120"/>
+                <a:ea typeface="Microsoft JhengHei" pitchFamily="34" charset="-120"/>
               </a:rPr>
               <a:t>一切都失去光彩</a:t>
             </a:r>
@@ -3976,40 +3229,45 @@
         </p:nvSpPr>
         <p:spPr/>
         <p:txBody>
-          <a:bodyPr/>
-          <a:lstStyle/>
-          <a:p>
-            <a:r>
-              <a:rPr lang="zh-TW" altLang="en-US" dirty="0"/>
-              <a:t>每當我瞻仰你</a:t>
-            </a:r>
-          </a:p>
-        </p:txBody>
-      </p:sp>
-      <p:sp>
-        <p:nvSpPr>
-          <p:cNvPr id="5" name="內容版面配置區 4"/>
-          <p:cNvSpPr>
-            <a:spLocks noGrp="1"/>
-          </p:cNvSpPr>
-          <p:nvPr>
-            <p:ph idx="1"/>
-          </p:nvPr>
-        </p:nvSpPr>
-        <p:spPr/>
-        <p:txBody>
           <a:bodyPr>
             <a:normAutofit/>
           </a:bodyPr>
           <a:lstStyle/>
           <a:p>
+            <a:r>
+              <a:rPr lang="zh-TW" altLang="en-US" sz="4000" b="1" dirty="0">
+                <a:latin typeface="Microsoft JhengHei" pitchFamily="34" charset="-120"/>
+                <a:ea typeface="Microsoft JhengHei" pitchFamily="34" charset="-120"/>
+              </a:rPr>
+              <a:t>每當我瞻仰你</a:t>
+            </a:r>
+          </a:p>
+        </p:txBody>
+      </p:sp>
+      <p:sp>
+        <p:nvSpPr>
+          <p:cNvPr id="5" name="內容版面配置區 4"/>
+          <p:cNvSpPr>
+            <a:spLocks noGrp="1"/>
+          </p:cNvSpPr>
+          <p:nvPr>
+            <p:ph idx="1"/>
+          </p:nvPr>
+        </p:nvSpPr>
+        <p:spPr/>
+        <p:txBody>
+          <a:bodyPr>
+            <a:noAutofit/>
+          </a:bodyPr>
+          <a:lstStyle/>
+          <a:p>
             <a:pPr algn="ctr">
               <a:buNone/>
             </a:pPr>
             <a:r>
-              <a:rPr lang="zh-TW" altLang="en-US" sz="5400" dirty="0">
-                <a:latin typeface="細明體" pitchFamily="49" charset="-120"/>
-                <a:ea typeface="細明體" pitchFamily="49" charset="-120"/>
+              <a:rPr lang="zh-TW" altLang="en-US" sz="4800" b="1" dirty="0">
+                <a:latin typeface="Microsoft JhengHei" pitchFamily="34" charset="-120"/>
+                <a:ea typeface="Microsoft JhengHei" pitchFamily="34" charset="-120"/>
               </a:rPr>
               <a:t>何等喜樂當我進入你心意</a:t>
             </a:r>
@@ -4019,16 +3277,16 @@
               <a:buNone/>
             </a:pPr>
             <a:r>
-              <a:rPr lang="zh-TW" altLang="en-US" sz="5400" dirty="0" smtClean="0">
-                <a:latin typeface="細明體" pitchFamily="49" charset="-120"/>
-                <a:ea typeface="細明體" pitchFamily="49" charset="-120"/>
+              <a:rPr lang="zh-TW" altLang="en-US" sz="4800" b="1" dirty="0">
+                <a:latin typeface="Microsoft JhengHei" pitchFamily="34" charset="-120"/>
+                <a:ea typeface="Microsoft JhengHei" pitchFamily="34" charset="-120"/>
               </a:rPr>
               <a:t>我</a:t>
             </a:r>
             <a:r>
-              <a:rPr lang="zh-TW" altLang="en-US" sz="5400" dirty="0">
-                <a:latin typeface="細明體" pitchFamily="49" charset="-120"/>
-                <a:ea typeface="細明體" pitchFamily="49" charset="-120"/>
+              <a:rPr lang="zh-TW" altLang="en-US" sz="4800" b="1" dirty="0">
+                <a:latin typeface="Microsoft JhengHei" pitchFamily="34" charset="-120"/>
+                <a:ea typeface="Microsoft JhengHei" pitchFamily="34" charset="-120"/>
               </a:rPr>
               <a:t>全心成為你愛的寶座</a:t>
             </a:r>
@@ -4038,29 +3296,29 @@
               <a:buNone/>
             </a:pPr>
             <a:r>
-              <a:rPr lang="zh-TW" altLang="en-US" sz="5400" dirty="0" smtClean="0">
-                <a:latin typeface="細明體" pitchFamily="49" charset="-120"/>
-                <a:ea typeface="細明體" pitchFamily="49" charset="-120"/>
+              <a:rPr lang="zh-TW" altLang="en-US" sz="4800" b="1" dirty="0">
+                <a:latin typeface="Microsoft JhengHei" pitchFamily="34" charset="-120"/>
+                <a:ea typeface="Microsoft JhengHei" pitchFamily="34" charset="-120"/>
               </a:rPr>
               <a:t>在</a:t>
             </a:r>
             <a:r>
-              <a:rPr lang="zh-TW" altLang="en-US" sz="5400" dirty="0">
-                <a:latin typeface="細明體" pitchFamily="49" charset="-120"/>
-                <a:ea typeface="細明體" pitchFamily="49" charset="-120"/>
+              <a:rPr lang="zh-TW" altLang="en-US" sz="4800" b="1" dirty="0">
+                <a:latin typeface="Microsoft JhengHei" pitchFamily="34" charset="-120"/>
+                <a:ea typeface="Microsoft JhengHei" pitchFamily="34" charset="-120"/>
               </a:rPr>
               <a:t>你榮耀光中</a:t>
             </a:r>
             <a:r>
-              <a:rPr lang="en-US" sz="5400" dirty="0">
-                <a:latin typeface="細明體" pitchFamily="49" charset="-120"/>
-                <a:ea typeface="細明體" pitchFamily="49" charset="-120"/>
+              <a:rPr lang="en-US" sz="4800" b="1" dirty="0">
+                <a:latin typeface="Microsoft JhengHei" pitchFamily="34" charset="-120"/>
+                <a:ea typeface="Microsoft JhengHei" pitchFamily="34" charset="-120"/>
               </a:rPr>
               <a:t> </a:t>
             </a:r>
-            <a:endParaRPr lang="zh-TW" altLang="en-US" sz="5400" dirty="0">
-              <a:latin typeface="細明體" pitchFamily="49" charset="-120"/>
-              <a:ea typeface="細明體" pitchFamily="49" charset="-120"/>
+            <a:endParaRPr lang="zh-TW" altLang="en-US" sz="4800" b="1" dirty="0">
+              <a:latin typeface="Microsoft JhengHei" pitchFamily="34" charset="-120"/>
+              <a:ea typeface="Microsoft JhengHei" pitchFamily="34" charset="-120"/>
             </a:endParaRPr>
           </a:p>
           <a:p>
@@ -4068,9 +3326,9 @@
               <a:buNone/>
             </a:pPr>
             <a:r>
-              <a:rPr lang="zh-TW" altLang="en-US" sz="5400" dirty="0">
-                <a:latin typeface="細明體" pitchFamily="49" charset="-120"/>
-                <a:ea typeface="細明體" pitchFamily="49" charset="-120"/>
+              <a:rPr lang="zh-TW" altLang="en-US" sz="4800" b="1" dirty="0">
+                <a:latin typeface="Microsoft JhengHei" pitchFamily="34" charset="-120"/>
+                <a:ea typeface="Microsoft JhengHei" pitchFamily="34" charset="-120"/>
               </a:rPr>
               <a:t>所有一切都失去光彩</a:t>
             </a:r>
@@ -4121,46 +3379,51 @@
         </p:nvSpPr>
         <p:spPr/>
         <p:txBody>
-          <a:bodyPr/>
-          <a:lstStyle/>
-          <a:p>
-            <a:r>
-              <a:rPr lang="zh-TW" altLang="en-US" dirty="0"/>
-              <a:t>每當我瞻仰你</a:t>
-            </a:r>
-          </a:p>
-        </p:txBody>
-      </p:sp>
-      <p:sp>
-        <p:nvSpPr>
-          <p:cNvPr id="5" name="內容版面配置區 4"/>
-          <p:cNvSpPr>
-            <a:spLocks noGrp="1"/>
-          </p:cNvSpPr>
-          <p:nvPr>
-            <p:ph idx="1"/>
-          </p:nvPr>
-        </p:nvSpPr>
-        <p:spPr/>
-        <p:txBody>
           <a:bodyPr>
             <a:normAutofit/>
           </a:bodyPr>
           <a:lstStyle/>
           <a:p>
+            <a:r>
+              <a:rPr lang="zh-TW" altLang="en-US" sz="4000" b="1" dirty="0">
+                <a:latin typeface="Microsoft JhengHei" pitchFamily="34" charset="-120"/>
+                <a:ea typeface="Microsoft JhengHei" pitchFamily="34" charset="-120"/>
+              </a:rPr>
+              <a:t>每當我瞻仰你</a:t>
+            </a:r>
+          </a:p>
+        </p:txBody>
+      </p:sp>
+      <p:sp>
+        <p:nvSpPr>
+          <p:cNvPr id="5" name="內容版面配置區 4"/>
+          <p:cNvSpPr>
+            <a:spLocks noGrp="1"/>
+          </p:cNvSpPr>
+          <p:nvPr>
+            <p:ph idx="1"/>
+          </p:nvPr>
+        </p:nvSpPr>
+        <p:spPr/>
+        <p:txBody>
+          <a:bodyPr>
+            <a:noAutofit/>
+          </a:bodyPr>
+          <a:lstStyle/>
+          <a:p>
             <a:pPr algn="ctr">
               <a:buNone/>
             </a:pPr>
             <a:r>
-              <a:rPr lang="zh-CN" altLang="en-US" sz="5400" dirty="0">
-                <a:latin typeface="細明體" pitchFamily="49" charset="-120"/>
-                <a:ea typeface="細明體" pitchFamily="49" charset="-120"/>
+              <a:rPr lang="zh-CN" altLang="en-US" sz="4800" b="1" dirty="0">
+                <a:latin typeface="Microsoft JhengHei" pitchFamily="34" charset="-120"/>
+                <a:ea typeface="Microsoft JhengHei" pitchFamily="34" charset="-120"/>
               </a:rPr>
               <a:t>我敬拜祢 我敬拜祢 </a:t>
             </a:r>
-            <a:endParaRPr lang="zh-TW" altLang="en-US" sz="5400" dirty="0">
-              <a:latin typeface="細明體" pitchFamily="49" charset="-120"/>
-              <a:ea typeface="細明體" pitchFamily="49" charset="-120"/>
+            <a:endParaRPr lang="zh-TW" altLang="en-US" sz="4800" b="1" dirty="0">
+              <a:latin typeface="Microsoft JhengHei" pitchFamily="34" charset="-120"/>
+              <a:ea typeface="Microsoft JhengHei" pitchFamily="34" charset="-120"/>
             </a:endParaRPr>
           </a:p>
           <a:p>
@@ -4168,22 +3431,22 @@
               <a:buNone/>
             </a:pPr>
             <a:r>
-              <a:rPr lang="zh-CN" altLang="en-US" sz="5400" dirty="0" smtClean="0">
-                <a:latin typeface="細明體" pitchFamily="49" charset="-120"/>
-                <a:ea typeface="細明體" pitchFamily="49" charset="-120"/>
+              <a:rPr lang="zh-CN" altLang="en-US" sz="4800" b="1" dirty="0">
+                <a:latin typeface="Microsoft JhengHei" pitchFamily="34" charset="-120"/>
+                <a:ea typeface="Microsoft JhengHei" pitchFamily="34" charset="-120"/>
               </a:rPr>
               <a:t>我</a:t>
             </a:r>
             <a:r>
-              <a:rPr lang="zh-CN" altLang="en-US" sz="5400" dirty="0">
-                <a:latin typeface="細明體" pitchFamily="49" charset="-120"/>
-                <a:ea typeface="細明體" pitchFamily="49" charset="-120"/>
+              <a:rPr lang="zh-CN" altLang="en-US" sz="4800" b="1" dirty="0">
+                <a:latin typeface="Microsoft JhengHei" pitchFamily="34" charset="-120"/>
+                <a:ea typeface="Microsoft JhengHei" pitchFamily="34" charset="-120"/>
               </a:rPr>
               <a:t>一生活著 為要敬拜祢</a:t>
             </a:r>
-            <a:endParaRPr lang="zh-TW" altLang="en-US" sz="5400" dirty="0">
-              <a:latin typeface="細明體" pitchFamily="49" charset="-120"/>
-              <a:ea typeface="細明體" pitchFamily="49" charset="-120"/>
+            <a:endParaRPr lang="zh-TW" altLang="en-US" sz="4800" b="1" dirty="0">
+              <a:latin typeface="Microsoft JhengHei" pitchFamily="34" charset="-120"/>
+              <a:ea typeface="Microsoft JhengHei" pitchFamily="34" charset="-120"/>
             </a:endParaRPr>
           </a:p>
           <a:p>
@@ -4191,29 +3454,29 @@
               <a:buNone/>
             </a:pPr>
             <a:r>
-              <a:rPr lang="zh-CN" altLang="en-US" sz="5400" dirty="0" smtClean="0">
-                <a:latin typeface="細明體" pitchFamily="49" charset="-120"/>
-                <a:ea typeface="細明體" pitchFamily="49" charset="-120"/>
+              <a:rPr lang="zh-CN" altLang="en-US" sz="4800" b="1" dirty="0">
+                <a:latin typeface="Microsoft JhengHei" pitchFamily="34" charset="-120"/>
+                <a:ea typeface="Microsoft JhengHei" pitchFamily="34" charset="-120"/>
               </a:rPr>
               <a:t>我</a:t>
             </a:r>
             <a:r>
-              <a:rPr lang="zh-CN" altLang="en-US" sz="5400" dirty="0">
-                <a:latin typeface="細明體" pitchFamily="49" charset="-120"/>
-                <a:ea typeface="細明體" pitchFamily="49" charset="-120"/>
+              <a:rPr lang="zh-CN" altLang="en-US" sz="4800" b="1" dirty="0">
+                <a:latin typeface="Microsoft JhengHei" pitchFamily="34" charset="-120"/>
+                <a:ea typeface="Microsoft JhengHei" pitchFamily="34" charset="-120"/>
               </a:rPr>
               <a:t>敬拜祢 </a:t>
             </a:r>
             <a:r>
-              <a:rPr lang="zh-CN" altLang="en-US" sz="5400" dirty="0" smtClean="0">
-                <a:latin typeface="細明體" pitchFamily="49" charset="-120"/>
-                <a:ea typeface="細明體" pitchFamily="49" charset="-120"/>
+              <a:rPr lang="zh-CN" altLang="en-US" sz="4800" b="1" dirty="0">
+                <a:latin typeface="Microsoft JhengHei" pitchFamily="34" charset="-120"/>
+                <a:ea typeface="Microsoft JhengHei" pitchFamily="34" charset="-120"/>
               </a:rPr>
               <a:t>我敬拜祢</a:t>
             </a:r>
-            <a:endParaRPr lang="en-US" altLang="zh-CN" sz="5400" dirty="0" smtClean="0">
-              <a:latin typeface="細明體" pitchFamily="49" charset="-120"/>
-              <a:ea typeface="細明體" pitchFamily="49" charset="-120"/>
+            <a:endParaRPr lang="en-US" altLang="zh-CN" sz="4800" b="1" dirty="0">
+              <a:latin typeface="Microsoft JhengHei" pitchFamily="34" charset="-120"/>
+              <a:ea typeface="Microsoft JhengHei" pitchFamily="34" charset="-120"/>
             </a:endParaRPr>
           </a:p>
           <a:p>
@@ -4221,16 +3484,16 @@
               <a:buNone/>
             </a:pPr>
             <a:r>
-              <a:rPr lang="zh-CN" altLang="en-US" sz="5400" dirty="0">
-                <a:latin typeface="細明體" pitchFamily="49" charset="-120"/>
-                <a:ea typeface="細明體" pitchFamily="49" charset="-120"/>
+              <a:rPr lang="zh-CN" altLang="en-US" sz="4800" b="1" dirty="0">
+                <a:latin typeface="Microsoft JhengHei" pitchFamily="34" charset="-120"/>
+                <a:ea typeface="Microsoft JhengHei" pitchFamily="34" charset="-120"/>
               </a:rPr>
               <a:t>我一生活著 為要敬</a:t>
             </a:r>
             <a:r>
-              <a:rPr lang="zh-CN" altLang="en-US" sz="5400" dirty="0" smtClean="0">
-                <a:latin typeface="細明體" pitchFamily="49" charset="-120"/>
-                <a:ea typeface="細明體" pitchFamily="49" charset="-120"/>
+              <a:rPr lang="zh-CN" altLang="en-US" sz="4800" b="1" dirty="0">
+                <a:latin typeface="Microsoft JhengHei" pitchFamily="34" charset="-120"/>
+                <a:ea typeface="Microsoft JhengHei" pitchFamily="34" charset="-120"/>
               </a:rPr>
               <a:t>拜祢</a:t>
             </a:r>
@@ -4253,9 +3516,9 @@
 </file>
 
 <file path=ppt/theme/theme1.xml><?xml version="1.0" encoding="utf-8"?>
-<a:theme xmlns:a="http://schemas.openxmlformats.org/drawingml/2006/main" name="佈景主題3">
+<a:theme xmlns:a="http://schemas.openxmlformats.org/drawingml/2006/main" name="chongbai">
   <a:themeElements>
-    <a:clrScheme name="模組">
+    <a:clrScheme name="Office">
       <a:dk1>
         <a:sysClr val="windowText" lastClr="000000"/>
       </a:dk1>
@@ -4263,52 +3526,52 @@
         <a:sysClr val="window" lastClr="FFFFFF"/>
       </a:lt1>
       <a:dk2>
-        <a:srgbClr val="5A6378"/>
+        <a:srgbClr val="1F497D"/>
       </a:dk2>
       <a:lt2>
-        <a:srgbClr val="D4D4D6"/>
+        <a:srgbClr val="EEECE1"/>
       </a:lt2>
       <a:accent1>
-        <a:srgbClr val="F0AD00"/>
+        <a:srgbClr val="4F81BD"/>
       </a:accent1>
       <a:accent2>
-        <a:srgbClr val="60B5CC"/>
+        <a:srgbClr val="C0504D"/>
       </a:accent2>
       <a:accent3>
-        <a:srgbClr val="E66C7D"/>
+        <a:srgbClr val="9BBB59"/>
       </a:accent3>
       <a:accent4>
-        <a:srgbClr val="6BB76D"/>
+        <a:srgbClr val="8064A2"/>
       </a:accent4>
       <a:accent5>
-        <a:srgbClr val="E88651"/>
+        <a:srgbClr val="4BACC6"/>
       </a:accent5>
       <a:accent6>
-        <a:srgbClr val="C64847"/>
+        <a:srgbClr val="F79646"/>
       </a:accent6>
       <a:hlink>
-        <a:srgbClr val="168BBA"/>
+        <a:srgbClr val="0000FF"/>
       </a:hlink>
       <a:folHlink>
-        <a:srgbClr val="680000"/>
+        <a:srgbClr val="800080"/>
       </a:folHlink>
     </a:clrScheme>
-    <a:fontScheme name="模組">
+    <a:fontScheme name="Office">
       <a:majorFont>
-        <a:latin typeface="Corbel"/>
+        <a:latin typeface="Calibri"/>
         <a:ea typeface=""/>
         <a:cs typeface=""/>
-        <a:font script="Jpan" typeface="HGｺﾞｼｯｸM"/>
-        <a:font script="Hang" typeface="HY엽서L"/>
-        <a:font script="Hans" typeface="华文楷体"/>
+        <a:font script="Jpan" typeface="ＭＳ Ｐゴシック"/>
+        <a:font script="Hang" typeface="맑은 고딕"/>
+        <a:font script="Hans" typeface="宋体"/>
         <a:font script="Hant" typeface="新細明體"/>
-        <a:font script="Arab" typeface="Tahoma"/>
-        <a:font script="Hebr" typeface="Miriam"/>
-        <a:font script="Thai" typeface="DilleniaUPC"/>
+        <a:font script="Arab" typeface="Times New Roman"/>
+        <a:font script="Hebr" typeface="Times New Roman"/>
+        <a:font script="Thai" typeface="Angsana New"/>
         <a:font script="Ethi" typeface="Nyala"/>
         <a:font script="Beng" typeface="Vrinda"/>
         <a:font script="Gujr" typeface="Shruti"/>
-        <a:font script="Khmr" typeface="DaunPenh"/>
+        <a:font script="Khmr" typeface="MoolBoran"/>
         <a:font script="Knda" typeface="Tunga"/>
         <a:font script="Guru" typeface="Raavi"/>
         <a:font script="Cans" typeface="Euphemia"/>
@@ -4325,20 +3588,20 @@
         <a:font script="Laoo" typeface="DokChampa"/>
         <a:font script="Sinh" typeface="Iskoola Pota"/>
         <a:font script="Mong" typeface="Mongolian Baiti"/>
-        <a:font script="Viet" typeface="Arial"/>
+        <a:font script="Viet" typeface="Times New Roman"/>
         <a:font script="Uigh" typeface="Microsoft Uighur"/>
       </a:majorFont>
       <a:minorFont>
-        <a:latin typeface="Corbel"/>
+        <a:latin typeface="Calibri"/>
         <a:ea typeface=""/>
         <a:cs typeface=""/>
-        <a:font script="Jpan" typeface="HGｺﾞｼｯｸM"/>
-        <a:font script="Hang" typeface="HY엽서L"/>
-        <a:font script="Hans" typeface="华文楷体"/>
+        <a:font script="Jpan" typeface="ＭＳ Ｐゴシック"/>
+        <a:font script="Hang" typeface="맑은 고딕"/>
+        <a:font script="Hans" typeface="宋体"/>
         <a:font script="Hant" typeface="新細明體"/>
-        <a:font script="Arab" typeface="Tahoma"/>
-        <a:font script="Hebr" typeface="Miriam"/>
-        <a:font script="Thai" typeface="DilleniaUPC"/>
+        <a:font script="Arab" typeface="Arial"/>
+        <a:font script="Hebr" typeface="Arial"/>
+        <a:font script="Thai" typeface="Cordia New"/>
         <a:font script="Ethi" typeface="Nyala"/>
         <a:font script="Beng" typeface="Vrinda"/>
         <a:font script="Gujr" typeface="Shruti"/>
@@ -4363,7 +3626,7 @@
         <a:font script="Uigh" typeface="Microsoft Uighur"/>
       </a:minorFont>
     </a:fontScheme>
-    <a:fmtScheme name="模組">
+    <a:fmtScheme name="Office">
       <a:fillStyleLst>
         <a:solidFill>
           <a:schemeClr val="phClr"/>
@@ -4395,20 +3658,20 @@
           <a:gsLst>
             <a:gs pos="0">
               <a:schemeClr val="phClr">
-                <a:shade val="47500"/>
-                <a:satMod val="137000"/>
+                <a:shade val="51000"/>
+                <a:satMod val="130000"/>
               </a:schemeClr>
             </a:gs>
-            <a:gs pos="55000">
+            <a:gs pos="80000">
               <a:schemeClr val="phClr">
-                <a:shade val="69000"/>
-                <a:satMod val="137000"/>
+                <a:shade val="93000"/>
+                <a:satMod val="130000"/>
               </a:schemeClr>
             </a:gs>
             <a:gs pos="100000">
               <a:schemeClr val="phClr">
-                <a:shade val="98000"/>
-                <a:satMod val="137000"/>
+                <a:shade val="94000"/>
+                <a:satMod val="135000"/>
               </a:schemeClr>
             </a:gs>
           </a:gsLst>
@@ -4416,7 +3679,7 @@
         </a:gradFill>
       </a:fillStyleLst>
       <a:lnStyleLst>
-        <a:ln w="6350" cap="rnd" cmpd="sng" algn="ctr">
+        <a:ln w="9525" cap="flat" cmpd="sng" algn="ctr">
           <a:solidFill>
             <a:schemeClr val="phClr">
               <a:shade val="95000"/>
@@ -4425,13 +3688,13 @@
           </a:solidFill>
           <a:prstDash val="solid"/>
         </a:ln>
-        <a:ln w="48000" cap="flat" cmpd="thickThin" algn="ctr">
+        <a:ln w="25400" cap="flat" cmpd="sng" algn="ctr">
           <a:solidFill>
             <a:schemeClr val="phClr"/>
           </a:solidFill>
           <a:prstDash val="solid"/>
         </a:ln>
-        <a:ln w="48500" cap="flat" cmpd="thickThin" algn="ctr">
+        <a:ln w="38100" cap="flat" cmpd="sng" algn="ctr">
           <a:solidFill>
             <a:schemeClr val="phClr"/>
           </a:solidFill>
@@ -4441,7 +3704,7 @@
       <a:effectStyleLst>
         <a:effectStyle>
           <a:effectLst>
-            <a:outerShdw blurRad="45000" dist="25000" dir="5400000" rotWithShape="0">
+            <a:outerShdw blurRad="40000" dist="20000" dir="5400000" rotWithShape="0">
               <a:srgbClr val="000000">
                 <a:alpha val="38000"/>
               </a:srgbClr>
@@ -4450,31 +3713,31 @@
         </a:effectStyle>
         <a:effectStyle>
           <a:effectLst>
-            <a:outerShdw blurRad="39000" dist="25400" dir="5400000" rotWithShape="0">
+            <a:outerShdw blurRad="40000" dist="23000" dir="5400000" rotWithShape="0">
               <a:srgbClr val="000000">
-                <a:alpha val="38000"/>
+                <a:alpha val="35000"/>
               </a:srgbClr>
             </a:outerShdw>
           </a:effectLst>
         </a:effectStyle>
         <a:effectStyle>
           <a:effectLst>
-            <a:outerShdw blurRad="39000" dist="25400" dir="5400000" rotWithShape="0">
+            <a:outerShdw blurRad="40000" dist="23000" dir="5400000" rotWithShape="0">
               <a:srgbClr val="000000">
-                <a:alpha val="38000"/>
+                <a:alpha val="35000"/>
               </a:srgbClr>
             </a:outerShdw>
           </a:effectLst>
           <a:scene3d>
-            <a:camera prst="orthographicFront" fov="0">
+            <a:camera prst="orthographicFront">
               <a:rot lat="0" lon="0" rev="0"/>
             </a:camera>
             <a:lightRig rig="threePt" dir="t">
-              <a:rot lat="0" lon="0" rev="1800000"/>
+              <a:rot lat="0" lon="0" rev="1200000"/>
             </a:lightRig>
           </a:scene3d>
-          <a:sp3d prstMaterial="matte">
-            <a:bevelT h="20000"/>
+          <a:sp3d>
+            <a:bevelT w="63500" h="25400"/>
           </a:sp3d>
         </a:effectStyle>
       </a:effectStyleLst>
@@ -4486,47 +3749,47 @@
           <a:gsLst>
             <a:gs pos="0">
               <a:schemeClr val="phClr">
-                <a:tint val="48000"/>
-                <a:satMod val="300000"/>
+                <a:tint val="40000"/>
+                <a:satMod val="350000"/>
               </a:schemeClr>
             </a:gs>
-            <a:gs pos="12000">
+            <a:gs pos="40000">
               <a:schemeClr val="phClr">
-                <a:tint val="48000"/>
-                <a:satMod val="300000"/>
+                <a:tint val="45000"/>
+                <a:shade val="99000"/>
+                <a:satMod val="350000"/>
               </a:schemeClr>
             </a:gs>
-            <a:gs pos="20000">
+            <a:gs pos="100000">
               <a:schemeClr val="phClr">
-                <a:tint val="49000"/>
+                <a:shade val="20000"/>
+                <a:satMod val="255000"/>
+              </a:schemeClr>
+            </a:gs>
+          </a:gsLst>
+          <a:path path="circle">
+            <a:fillToRect l="50000" t="-80000" r="50000" b="180000"/>
+          </a:path>
+        </a:gradFill>
+        <a:gradFill rotWithShape="1">
+          <a:gsLst>
+            <a:gs pos="0">
+              <a:schemeClr val="phClr">
+                <a:tint val="80000"/>
                 <a:satMod val="300000"/>
               </a:schemeClr>
             </a:gs>
             <a:gs pos="100000">
               <a:schemeClr val="phClr">
                 <a:shade val="30000"/>
+                <a:satMod val="200000"/>
               </a:schemeClr>
             </a:gs>
           </a:gsLst>
           <a:path path="circle">
-            <a:fillToRect l="10000" t="-25000" r="10000" b="125000"/>
+            <a:fillToRect l="50000" t="50000" r="50000" b="50000"/>
           </a:path>
         </a:gradFill>
-        <a:blipFill>
-          <a:blip xmlns:r="http://schemas.openxmlformats.org/officeDocument/2006/relationships" r:embed="rId1">
-            <a:duotone>
-              <a:schemeClr val="phClr">
-                <a:shade val="75000"/>
-                <a:satMod val="105000"/>
-              </a:schemeClr>
-              <a:schemeClr val="phClr">
-                <a:tint val="95000"/>
-                <a:satMod val="105000"/>
-              </a:schemeClr>
-            </a:duotone>
-          </a:blip>
-          <a:tile tx="0" ty="0" sx="38000" sy="38000" flip="none" algn="tl"/>
-        </a:blipFill>
       </a:bgFillStyleLst>
     </a:fmtScheme>
   </a:themeElements>

--- a/每當我瞻仰你.pptx
+++ b/每當我瞻仰你.pptx
@@ -106,6 +106,22 @@
       </a:defRPr>
     </a:lvl9pPr>
   </p:defaultTextStyle>
+  <p:extLst>
+    <p:ext uri="{EFAFB233-063F-42B5-8137-9DF3F51BA10A}">
+      <p15:sldGuideLst xmlns:p15="http://schemas.microsoft.com/office/powerpoint/2012/main">
+        <p15:guide id="1" orient="horz" pos="1620">
+          <p15:clr>
+            <a:srgbClr val="A4A3A4"/>
+          </p15:clr>
+        </p15:guide>
+        <p15:guide id="2" pos="2880">
+          <p15:clr>
+            <a:srgbClr val="A4A3A4"/>
+          </p15:clr>
+        </p15:guide>
+      </p15:sldGuideLst>
+    </p:ext>
+  </p:extLst>
 </p:presentation>
 </file>
 
@@ -290,7 +306,7 @@
           <a:p>
             <a:fld id="{EBD102E7-0E42-4A7C-B4A2-A42778F23A80}" type="datetimeFigureOut">
               <a:rPr lang="zh-TW" altLang="en-US" smtClean="0"/>
-              <a:t>2019/7/20</a:t>
+              <a:t>2019/11/2</a:t>
             </a:fld>
             <a:endParaRPr lang="zh-TW" altLang="en-US"/>
           </a:p>
@@ -455,7 +471,7 @@
           <a:p>
             <a:fld id="{EBD102E7-0E42-4A7C-B4A2-A42778F23A80}" type="datetimeFigureOut">
               <a:rPr lang="zh-TW" altLang="en-US" smtClean="0"/>
-              <a:t>2019/7/20</a:t>
+              <a:t>2019/11/2</a:t>
             </a:fld>
             <a:endParaRPr lang="zh-TW" altLang="en-US"/>
           </a:p>
@@ -630,7 +646,7 @@
           <a:p>
             <a:fld id="{EBD102E7-0E42-4A7C-B4A2-A42778F23A80}" type="datetimeFigureOut">
               <a:rPr lang="zh-TW" altLang="en-US" smtClean="0"/>
-              <a:t>2019/7/20</a:t>
+              <a:t>2019/11/2</a:t>
             </a:fld>
             <a:endParaRPr lang="zh-TW" altLang="en-US"/>
           </a:p>
@@ -795,7 +811,7 @@
           <a:p>
             <a:fld id="{EBD102E7-0E42-4A7C-B4A2-A42778F23A80}" type="datetimeFigureOut">
               <a:rPr lang="zh-TW" altLang="en-US" smtClean="0"/>
-              <a:t>2019/7/20</a:t>
+              <a:t>2019/11/2</a:t>
             </a:fld>
             <a:endParaRPr lang="zh-TW" altLang="en-US"/>
           </a:p>
@@ -1036,7 +1052,7 @@
           <a:p>
             <a:fld id="{EBD102E7-0E42-4A7C-B4A2-A42778F23A80}" type="datetimeFigureOut">
               <a:rPr lang="zh-TW" altLang="en-US" smtClean="0"/>
-              <a:t>2019/7/20</a:t>
+              <a:t>2019/11/2</a:t>
             </a:fld>
             <a:endParaRPr lang="zh-TW" altLang="en-US"/>
           </a:p>
@@ -1319,7 +1335,7 @@
           <a:p>
             <a:fld id="{EBD102E7-0E42-4A7C-B4A2-A42778F23A80}" type="datetimeFigureOut">
               <a:rPr lang="zh-TW" altLang="en-US" smtClean="0"/>
-              <a:t>2019/7/20</a:t>
+              <a:t>2019/11/2</a:t>
             </a:fld>
             <a:endParaRPr lang="zh-TW" altLang="en-US"/>
           </a:p>
@@ -1736,7 +1752,7 @@
           <a:p>
             <a:fld id="{EBD102E7-0E42-4A7C-B4A2-A42778F23A80}" type="datetimeFigureOut">
               <a:rPr lang="zh-TW" altLang="en-US" smtClean="0"/>
-              <a:t>2019/7/20</a:t>
+              <a:t>2019/11/2</a:t>
             </a:fld>
             <a:endParaRPr lang="zh-TW" altLang="en-US"/>
           </a:p>
@@ -1849,7 +1865,7 @@
           <a:p>
             <a:fld id="{EBD102E7-0E42-4A7C-B4A2-A42778F23A80}" type="datetimeFigureOut">
               <a:rPr lang="zh-TW" altLang="en-US" smtClean="0"/>
-              <a:t>2019/7/20</a:t>
+              <a:t>2019/11/2</a:t>
             </a:fld>
             <a:endParaRPr lang="zh-TW" altLang="en-US"/>
           </a:p>
@@ -1939,7 +1955,7 @@
           <a:p>
             <a:fld id="{EBD102E7-0E42-4A7C-B4A2-A42778F23A80}" type="datetimeFigureOut">
               <a:rPr lang="zh-TW" altLang="en-US" smtClean="0"/>
-              <a:t>2019/7/20</a:t>
+              <a:t>2019/11/2</a:t>
             </a:fld>
             <a:endParaRPr lang="zh-TW" altLang="en-US"/>
           </a:p>
@@ -2211,7 +2227,7 @@
           <a:p>
             <a:fld id="{EBD102E7-0E42-4A7C-B4A2-A42778F23A80}" type="datetimeFigureOut">
               <a:rPr lang="zh-TW" altLang="en-US" smtClean="0"/>
-              <a:t>2019/7/20</a:t>
+              <a:t>2019/11/2</a:t>
             </a:fld>
             <a:endParaRPr lang="zh-TW" altLang="en-US"/>
           </a:p>
@@ -2463,7 +2479,7 @@
           <a:p>
             <a:fld id="{EBD102E7-0E42-4A7C-B4A2-A42778F23A80}" type="datetimeFigureOut">
               <a:rPr lang="zh-TW" altLang="en-US" smtClean="0"/>
-              <a:t>2019/7/20</a:t>
+              <a:t>2019/11/2</a:t>
             </a:fld>
             <a:endParaRPr lang="zh-TW" altLang="en-US"/>
           </a:p>
@@ -2676,7 +2692,7 @@
           <a:p>
             <a:fld id="{EBD102E7-0E42-4A7C-B4A2-A42778F23A80}" type="datetimeFigureOut">
               <a:rPr lang="zh-TW" altLang="en-US" smtClean="0"/>
-              <a:t>2019/7/20</a:t>
+              <a:t>2019/11/2</a:t>
             </a:fld>
             <a:endParaRPr lang="zh-TW" altLang="en-US"/>
           </a:p>
@@ -3068,8 +3084,26 @@
                 <a:latin typeface="Microsoft JhengHei" pitchFamily="34" charset="-120"/>
                 <a:ea typeface="Microsoft JhengHei" pitchFamily="34" charset="-120"/>
               </a:rPr>
-              <a:t>每當我瞻仰你</a:t>
-            </a:r>
+              <a:t>每當我瞻</a:t>
+            </a:r>
+            <a:r>
+              <a:rPr lang="zh-TW" altLang="en-US" sz="4000" b="1" dirty="0" smtClean="0">
+                <a:latin typeface="Microsoft JhengHei" pitchFamily="34" charset="-120"/>
+                <a:ea typeface="Microsoft JhengHei" pitchFamily="34" charset="-120"/>
+              </a:rPr>
+              <a:t>仰</a:t>
+            </a:r>
+            <a:r>
+              <a:rPr lang="zh-CN" altLang="en-US" sz="4000" b="1" dirty="0">
+                <a:latin typeface="Microsoft JhengHei" pitchFamily="34" charset="-120"/>
+                <a:ea typeface="Microsoft JhengHei" pitchFamily="34" charset="-120"/>
+              </a:rPr>
+              <a:t>祢</a:t>
+            </a:r>
+            <a:endParaRPr lang="zh-TW" altLang="en-US" sz="4000" b="1" dirty="0">
+              <a:latin typeface="Microsoft JhengHei" pitchFamily="34" charset="-120"/>
+              <a:ea typeface="Microsoft JhengHei" pitchFamily="34" charset="-120"/>
+            </a:endParaRPr>
           </a:p>
         </p:txBody>
       </p:sp>
@@ -3131,14 +3165,14 @@
                 <a:latin typeface="Microsoft JhengHei" pitchFamily="34" charset="-120"/>
                 <a:ea typeface="Microsoft JhengHei" pitchFamily="34" charset="-120"/>
               </a:rPr>
-              <a:t>仰望</a:t>
-            </a:r>
-            <a:r>
-              <a:rPr lang="zh-TW" altLang="en-US" sz="4800" b="1" dirty="0" smtClean="0">
+              <a:t>仰</a:t>
+            </a:r>
+            <a:r>
+              <a:rPr lang="zh-CN" altLang="en-US" sz="4800" b="1" dirty="0">
                 <a:latin typeface="Microsoft JhengHei" pitchFamily="34" charset="-120"/>
                 <a:ea typeface="Microsoft JhengHei" pitchFamily="34" charset="-120"/>
               </a:rPr>
-              <a:t>你</a:t>
+              <a:t>望祢</a:t>
             </a:r>
             <a:endParaRPr lang="zh-TW" altLang="en-US" sz="4800" b="1" dirty="0">
               <a:latin typeface="Microsoft JhengHei" pitchFamily="34" charset="-120"/>
@@ -3157,11 +3191,25 @@
               <a:t>在</a:t>
             </a:r>
             <a:r>
+              <a:rPr lang="zh-CN" altLang="en-US" sz="4800" b="1" dirty="0">
+                <a:latin typeface="Microsoft JhengHei" pitchFamily="34" charset="-120"/>
+                <a:ea typeface="Microsoft JhengHei" pitchFamily="34" charset="-120"/>
+              </a:rPr>
+              <a:t>祢</a:t>
+            </a:r>
+            <a:r>
+              <a:rPr lang="zh-TW" altLang="en-US" sz="4800" b="1" dirty="0" smtClean="0">
+                <a:latin typeface="Microsoft JhengHei" pitchFamily="34" charset="-120"/>
+                <a:ea typeface="Microsoft JhengHei" pitchFamily="34" charset="-120"/>
+              </a:rPr>
+              <a:t>榮</a:t>
+            </a:r>
+            <a:r>
               <a:rPr lang="zh-TW" altLang="en-US" sz="4800" b="1" dirty="0">
                 <a:latin typeface="Microsoft JhengHei" pitchFamily="34" charset="-120"/>
                 <a:ea typeface="Microsoft JhengHei" pitchFamily="34" charset="-120"/>
               </a:rPr>
-              <a:t>你榮耀光中</a:t>
+              <a:t>耀光中</a:t>
             </a:r>
           </a:p>
           <a:p>
@@ -3239,8 +3287,26 @@
                 <a:latin typeface="Microsoft JhengHei" pitchFamily="34" charset="-120"/>
                 <a:ea typeface="Microsoft JhengHei" pitchFamily="34" charset="-120"/>
               </a:rPr>
-              <a:t>每當我瞻仰你</a:t>
-            </a:r>
+              <a:t>每當我瞻</a:t>
+            </a:r>
+            <a:r>
+              <a:rPr lang="zh-TW" altLang="en-US" sz="4000" b="1" dirty="0" smtClean="0">
+                <a:latin typeface="Microsoft JhengHei" pitchFamily="34" charset="-120"/>
+                <a:ea typeface="Microsoft JhengHei" pitchFamily="34" charset="-120"/>
+              </a:rPr>
+              <a:t>仰</a:t>
+            </a:r>
+            <a:r>
+              <a:rPr lang="zh-CN" altLang="en-US" sz="4000" b="1" dirty="0">
+                <a:latin typeface="Microsoft JhengHei" pitchFamily="34" charset="-120"/>
+                <a:ea typeface="Microsoft JhengHei" pitchFamily="34" charset="-120"/>
+              </a:rPr>
+              <a:t>祢</a:t>
+            </a:r>
+            <a:endParaRPr lang="zh-TW" altLang="en-US" sz="4000" b="1" dirty="0">
+              <a:latin typeface="Microsoft JhengHei" pitchFamily="34" charset="-120"/>
+              <a:ea typeface="Microsoft JhengHei" pitchFamily="34" charset="-120"/>
+            </a:endParaRPr>
           </a:p>
         </p:txBody>
       </p:sp>
@@ -3269,45 +3335,80 @@
                 <a:latin typeface="Microsoft JhengHei" pitchFamily="34" charset="-120"/>
                 <a:ea typeface="Microsoft JhengHei" pitchFamily="34" charset="-120"/>
               </a:rPr>
-              <a:t>何等喜樂當我進入你心意</a:t>
-            </a:r>
-          </a:p>
-          <a:p>
-            <a:pPr algn="ctr">
-              <a:buNone/>
-            </a:pPr>
+              <a:t>何等喜樂當我進</a:t>
+            </a:r>
+            <a:r>
+              <a:rPr lang="zh-TW" altLang="en-US" sz="4800" b="1" dirty="0" smtClean="0">
+                <a:latin typeface="Microsoft JhengHei" pitchFamily="34" charset="-120"/>
+                <a:ea typeface="Microsoft JhengHei" pitchFamily="34" charset="-120"/>
+              </a:rPr>
+              <a:t>入</a:t>
+            </a:r>
+            <a:r>
+              <a:rPr lang="zh-CN" altLang="en-US" sz="4800" b="1" dirty="0">
+                <a:latin typeface="Microsoft JhengHei" pitchFamily="34" charset="-120"/>
+                <a:ea typeface="Microsoft JhengHei" pitchFamily="34" charset="-120"/>
+              </a:rPr>
+              <a:t>祢</a:t>
+            </a:r>
+            <a:r>
+              <a:rPr lang="zh-TW" altLang="en-US" sz="4800" b="1" dirty="0" smtClean="0">
+                <a:latin typeface="Microsoft JhengHei" pitchFamily="34" charset="-120"/>
+                <a:ea typeface="Microsoft JhengHei" pitchFamily="34" charset="-120"/>
+              </a:rPr>
+              <a:t>心</a:t>
+            </a:r>
             <a:r>
               <a:rPr lang="zh-TW" altLang="en-US" sz="4800" b="1" dirty="0">
                 <a:latin typeface="Microsoft JhengHei" pitchFamily="34" charset="-120"/>
                 <a:ea typeface="Microsoft JhengHei" pitchFamily="34" charset="-120"/>
               </a:rPr>
-              <a:t>我</a:t>
-            </a:r>
+              <a:t>意</a:t>
+            </a:r>
+          </a:p>
+          <a:p>
+            <a:pPr algn="ctr">
+              <a:buNone/>
+            </a:pPr>
             <a:r>
               <a:rPr lang="zh-TW" altLang="en-US" sz="4800" b="1" dirty="0">
                 <a:latin typeface="Microsoft JhengHei" pitchFamily="34" charset="-120"/>
                 <a:ea typeface="Microsoft JhengHei" pitchFamily="34" charset="-120"/>
               </a:rPr>
-              <a:t>全心成為你愛的寶座</a:t>
+              <a:t>我全心成為你愛的寶座</a:t>
             </a:r>
           </a:p>
           <a:p>
             <a:pPr algn="ctr">
               <a:buNone/>
             </a:pPr>
+            <a:r>
+              <a:rPr lang="zh-TW" altLang="en-US" sz="4800" b="1" dirty="0" smtClean="0">
+                <a:latin typeface="Microsoft JhengHei" pitchFamily="34" charset="-120"/>
+                <a:ea typeface="Microsoft JhengHei" pitchFamily="34" charset="-120"/>
+              </a:rPr>
+              <a:t>在</a:t>
+            </a:r>
+            <a:r>
+              <a:rPr lang="zh-CN" altLang="en-US" sz="4800" b="1" dirty="0">
+                <a:latin typeface="Microsoft JhengHei" pitchFamily="34" charset="-120"/>
+                <a:ea typeface="Microsoft JhengHei" pitchFamily="34" charset="-120"/>
+              </a:rPr>
+              <a:t>祢</a:t>
+            </a:r>
+            <a:r>
+              <a:rPr lang="zh-TW" altLang="en-US" sz="4800" b="1" dirty="0" smtClean="0">
+                <a:latin typeface="Microsoft JhengHei" pitchFamily="34" charset="-120"/>
+                <a:ea typeface="Microsoft JhengHei" pitchFamily="34" charset="-120"/>
+              </a:rPr>
+              <a:t>榮</a:t>
+            </a:r>
             <a:r>
               <a:rPr lang="zh-TW" altLang="en-US" sz="4800" b="1" dirty="0">
                 <a:latin typeface="Microsoft JhengHei" pitchFamily="34" charset="-120"/>
                 <a:ea typeface="Microsoft JhengHei" pitchFamily="34" charset="-120"/>
               </a:rPr>
-              <a:t>在</a:t>
-            </a:r>
-            <a:r>
-              <a:rPr lang="zh-TW" altLang="en-US" sz="4800" b="1" dirty="0">
-                <a:latin typeface="Microsoft JhengHei" pitchFamily="34" charset="-120"/>
-                <a:ea typeface="Microsoft JhengHei" pitchFamily="34" charset="-120"/>
-              </a:rPr>
-              <a:t>你榮耀光中</a:t>
+              <a:t>耀光中</a:t>
             </a:r>
             <a:r>
               <a:rPr lang="en-US" sz="4800" b="1" dirty="0">
@@ -3389,8 +3490,26 @@
                 <a:latin typeface="Microsoft JhengHei" pitchFamily="34" charset="-120"/>
                 <a:ea typeface="Microsoft JhengHei" pitchFamily="34" charset="-120"/>
               </a:rPr>
-              <a:t>每當我瞻仰你</a:t>
-            </a:r>
+              <a:t>每當我瞻</a:t>
+            </a:r>
+            <a:r>
+              <a:rPr lang="zh-TW" altLang="en-US" sz="4000" b="1" dirty="0" smtClean="0">
+                <a:latin typeface="Microsoft JhengHei" pitchFamily="34" charset="-120"/>
+                <a:ea typeface="Microsoft JhengHei" pitchFamily="34" charset="-120"/>
+              </a:rPr>
+              <a:t>仰</a:t>
+            </a:r>
+            <a:r>
+              <a:rPr lang="zh-CN" altLang="en-US" sz="4000" b="1" dirty="0">
+                <a:latin typeface="Microsoft JhengHei" pitchFamily="34" charset="-120"/>
+                <a:ea typeface="Microsoft JhengHei" pitchFamily="34" charset="-120"/>
+              </a:rPr>
+              <a:t>祢</a:t>
+            </a:r>
+            <a:endParaRPr lang="zh-TW" altLang="en-US" sz="4000" b="1" dirty="0">
+              <a:latin typeface="Microsoft JhengHei" pitchFamily="34" charset="-120"/>
+              <a:ea typeface="Microsoft JhengHei" pitchFamily="34" charset="-120"/>
+            </a:endParaRPr>
           </a:p>
         </p:txBody>
       </p:sp>
@@ -3435,16 +3554,25 @@
                 <a:latin typeface="Microsoft JhengHei" pitchFamily="34" charset="-120"/>
                 <a:ea typeface="Microsoft JhengHei" pitchFamily="34" charset="-120"/>
               </a:rPr>
-              <a:t>我</a:t>
-            </a:r>
+              <a:t>我一生活著 為要敬拜祢</a:t>
+            </a:r>
+            <a:endParaRPr lang="zh-TW" altLang="en-US" sz="4800" b="1" dirty="0">
+              <a:latin typeface="Microsoft JhengHei" pitchFamily="34" charset="-120"/>
+              <a:ea typeface="Microsoft JhengHei" pitchFamily="34" charset="-120"/>
+            </a:endParaRPr>
+          </a:p>
+          <a:p>
+            <a:pPr algn="ctr">
+              <a:buNone/>
+            </a:pPr>
             <a:r>
               <a:rPr lang="zh-CN" altLang="en-US" sz="4800" b="1" dirty="0">
                 <a:latin typeface="Microsoft JhengHei" pitchFamily="34" charset="-120"/>
                 <a:ea typeface="Microsoft JhengHei" pitchFamily="34" charset="-120"/>
               </a:rPr>
-              <a:t>一生活著 為要敬拜祢</a:t>
-            </a:r>
-            <a:endParaRPr lang="zh-TW" altLang="en-US" sz="4800" b="1" dirty="0">
+              <a:t>我敬拜祢 我敬拜祢</a:t>
+            </a:r>
+            <a:endParaRPr lang="en-US" altLang="zh-CN" sz="4800" b="1" dirty="0">
               <a:latin typeface="Microsoft JhengHei" pitchFamily="34" charset="-120"/>
               <a:ea typeface="Microsoft JhengHei" pitchFamily="34" charset="-120"/>
             </a:endParaRPr>
@@ -3458,44 +3586,7 @@
                 <a:latin typeface="Microsoft JhengHei" pitchFamily="34" charset="-120"/>
                 <a:ea typeface="Microsoft JhengHei" pitchFamily="34" charset="-120"/>
               </a:rPr>
-              <a:t>我</a:t>
-            </a:r>
-            <a:r>
-              <a:rPr lang="zh-CN" altLang="en-US" sz="4800" b="1" dirty="0">
-                <a:latin typeface="Microsoft JhengHei" pitchFamily="34" charset="-120"/>
-                <a:ea typeface="Microsoft JhengHei" pitchFamily="34" charset="-120"/>
-              </a:rPr>
-              <a:t>敬拜祢 </a:t>
-            </a:r>
-            <a:r>
-              <a:rPr lang="zh-CN" altLang="en-US" sz="4800" b="1" dirty="0">
-                <a:latin typeface="Microsoft JhengHei" pitchFamily="34" charset="-120"/>
-                <a:ea typeface="Microsoft JhengHei" pitchFamily="34" charset="-120"/>
-              </a:rPr>
-              <a:t>我敬拜祢</a:t>
-            </a:r>
-            <a:endParaRPr lang="en-US" altLang="zh-CN" sz="4800" b="1" dirty="0">
-              <a:latin typeface="Microsoft JhengHei" pitchFamily="34" charset="-120"/>
-              <a:ea typeface="Microsoft JhengHei" pitchFamily="34" charset="-120"/>
-            </a:endParaRPr>
-          </a:p>
-          <a:p>
-            <a:pPr algn="ctr">
-              <a:buNone/>
-            </a:pPr>
-            <a:r>
-              <a:rPr lang="zh-CN" altLang="en-US" sz="4800" b="1" dirty="0">
-                <a:latin typeface="Microsoft JhengHei" pitchFamily="34" charset="-120"/>
-                <a:ea typeface="Microsoft JhengHei" pitchFamily="34" charset="-120"/>
-              </a:rPr>
-              <a:t>我一生活著 為要敬</a:t>
-            </a:r>
-            <a:r>
-              <a:rPr lang="zh-CN" altLang="en-US" sz="4800" b="1" dirty="0">
-                <a:latin typeface="Microsoft JhengHei" pitchFamily="34" charset="-120"/>
-                <a:ea typeface="Microsoft JhengHei" pitchFamily="34" charset="-120"/>
-              </a:rPr>
-              <a:t>拜祢</a:t>
+              <a:t>我一生活著 為要敬拜祢</a:t>
             </a:r>
           </a:p>
         </p:txBody>

--- a/每當我瞻仰你.pptx
+++ b/每當我瞻仰你.pptx
@@ -306,7 +306,7 @@
           <a:p>
             <a:fld id="{EBD102E7-0E42-4A7C-B4A2-A42778F23A80}" type="datetimeFigureOut">
               <a:rPr lang="zh-TW" altLang="en-US" smtClean="0"/>
-              <a:t>2019/11/2</a:t>
+              <a:t>2020/2/29</a:t>
             </a:fld>
             <a:endParaRPr lang="zh-TW" altLang="en-US"/>
           </a:p>
@@ -471,7 +471,7 @@
           <a:p>
             <a:fld id="{EBD102E7-0E42-4A7C-B4A2-A42778F23A80}" type="datetimeFigureOut">
               <a:rPr lang="zh-TW" altLang="en-US" smtClean="0"/>
-              <a:t>2019/11/2</a:t>
+              <a:t>2020/2/29</a:t>
             </a:fld>
             <a:endParaRPr lang="zh-TW" altLang="en-US"/>
           </a:p>
@@ -646,7 +646,7 @@
           <a:p>
             <a:fld id="{EBD102E7-0E42-4A7C-B4A2-A42778F23A80}" type="datetimeFigureOut">
               <a:rPr lang="zh-TW" altLang="en-US" smtClean="0"/>
-              <a:t>2019/11/2</a:t>
+              <a:t>2020/2/29</a:t>
             </a:fld>
             <a:endParaRPr lang="zh-TW" altLang="en-US"/>
           </a:p>
@@ -811,7 +811,7 @@
           <a:p>
             <a:fld id="{EBD102E7-0E42-4A7C-B4A2-A42778F23A80}" type="datetimeFigureOut">
               <a:rPr lang="zh-TW" altLang="en-US" smtClean="0"/>
-              <a:t>2019/11/2</a:t>
+              <a:t>2020/2/29</a:t>
             </a:fld>
             <a:endParaRPr lang="zh-TW" altLang="en-US"/>
           </a:p>
@@ -1052,7 +1052,7 @@
           <a:p>
             <a:fld id="{EBD102E7-0E42-4A7C-B4A2-A42778F23A80}" type="datetimeFigureOut">
               <a:rPr lang="zh-TW" altLang="en-US" smtClean="0"/>
-              <a:t>2019/11/2</a:t>
+              <a:t>2020/2/29</a:t>
             </a:fld>
             <a:endParaRPr lang="zh-TW" altLang="en-US"/>
           </a:p>
@@ -1335,7 +1335,7 @@
           <a:p>
             <a:fld id="{EBD102E7-0E42-4A7C-B4A2-A42778F23A80}" type="datetimeFigureOut">
               <a:rPr lang="zh-TW" altLang="en-US" smtClean="0"/>
-              <a:t>2019/11/2</a:t>
+              <a:t>2020/2/29</a:t>
             </a:fld>
             <a:endParaRPr lang="zh-TW" altLang="en-US"/>
           </a:p>
@@ -1752,7 +1752,7 @@
           <a:p>
             <a:fld id="{EBD102E7-0E42-4A7C-B4A2-A42778F23A80}" type="datetimeFigureOut">
               <a:rPr lang="zh-TW" altLang="en-US" smtClean="0"/>
-              <a:t>2019/11/2</a:t>
+              <a:t>2020/2/29</a:t>
             </a:fld>
             <a:endParaRPr lang="zh-TW" altLang="en-US"/>
           </a:p>
@@ -1865,7 +1865,7 @@
           <a:p>
             <a:fld id="{EBD102E7-0E42-4A7C-B4A2-A42778F23A80}" type="datetimeFigureOut">
               <a:rPr lang="zh-TW" altLang="en-US" smtClean="0"/>
-              <a:t>2019/11/2</a:t>
+              <a:t>2020/2/29</a:t>
             </a:fld>
             <a:endParaRPr lang="zh-TW" altLang="en-US"/>
           </a:p>
@@ -1955,7 +1955,7 @@
           <a:p>
             <a:fld id="{EBD102E7-0E42-4A7C-B4A2-A42778F23A80}" type="datetimeFigureOut">
               <a:rPr lang="zh-TW" altLang="en-US" smtClean="0"/>
-              <a:t>2019/11/2</a:t>
+              <a:t>2020/2/29</a:t>
             </a:fld>
             <a:endParaRPr lang="zh-TW" altLang="en-US"/>
           </a:p>
@@ -2227,7 +2227,7 @@
           <a:p>
             <a:fld id="{EBD102E7-0E42-4A7C-B4A2-A42778F23A80}" type="datetimeFigureOut">
               <a:rPr lang="zh-TW" altLang="en-US" smtClean="0"/>
-              <a:t>2019/11/2</a:t>
+              <a:t>2020/2/29</a:t>
             </a:fld>
             <a:endParaRPr lang="zh-TW" altLang="en-US"/>
           </a:p>
@@ -2479,7 +2479,7 @@
           <a:p>
             <a:fld id="{EBD102E7-0E42-4A7C-B4A2-A42778F23A80}" type="datetimeFigureOut">
               <a:rPr lang="zh-TW" altLang="en-US" smtClean="0"/>
-              <a:t>2019/11/2</a:t>
+              <a:t>2020/2/29</a:t>
             </a:fld>
             <a:endParaRPr lang="zh-TW" altLang="en-US"/>
           </a:p>
@@ -2692,7 +2692,7 @@
           <a:p>
             <a:fld id="{EBD102E7-0E42-4A7C-B4A2-A42778F23A80}" type="datetimeFigureOut">
               <a:rPr lang="zh-TW" altLang="en-US" smtClean="0"/>
-              <a:t>2019/11/2</a:t>
+              <a:t>2020/2/29</a:t>
             </a:fld>
             <a:endParaRPr lang="zh-TW" altLang="en-US"/>
           </a:p>
@@ -3132,7 +3132,35 @@
                 <a:latin typeface="Microsoft JhengHei" pitchFamily="34" charset="-120"/>
                 <a:ea typeface="Microsoft JhengHei" pitchFamily="34" charset="-120"/>
               </a:rPr>
-              <a:t>每當我瞻仰你至聖榮面</a:t>
+              <a:t>每當我瞻</a:t>
+            </a:r>
+            <a:r>
+              <a:rPr lang="zh-TW" altLang="en-US" sz="4800" b="1" dirty="0" smtClean="0">
+                <a:latin typeface="Microsoft JhengHei" pitchFamily="34" charset="-120"/>
+                <a:ea typeface="Microsoft JhengHei" pitchFamily="34" charset="-120"/>
+              </a:rPr>
+              <a:t>仰</a:t>
+            </a:r>
+            <a:r>
+              <a:rPr lang="zh-CN" altLang="en-US" sz="4800" b="1" dirty="0">
+                <a:latin typeface="Microsoft JhengHei" pitchFamily="34" charset="-120"/>
+                <a:ea typeface="Microsoft JhengHei" pitchFamily="34" charset="-120"/>
+              </a:rPr>
+              <a:t>祢</a:t>
+            </a:r>
+            <a:r>
+              <a:rPr lang="zh-TW" altLang="en-US" sz="4800" b="1" dirty="0" smtClean="0">
+                <a:latin typeface="Microsoft JhengHei" pitchFamily="34" charset="-120"/>
+                <a:ea typeface="Microsoft JhengHei" pitchFamily="34" charset="-120"/>
+              </a:rPr>
+              <a:t>至</a:t>
+            </a:r>
+            <a:r>
+              <a:rPr lang="zh-TW" altLang="en-US" sz="4800" b="1" dirty="0">
+                <a:latin typeface="Microsoft JhengHei" pitchFamily="34" charset="-120"/>
+                <a:ea typeface="Microsoft JhengHei" pitchFamily="34" charset="-120"/>
+              </a:rPr>
+              <a:t>聖榮面</a:t>
             </a:r>
           </a:p>
           <a:p>
@@ -3375,7 +3403,35 @@
                 <a:latin typeface="Microsoft JhengHei" pitchFamily="34" charset="-120"/>
                 <a:ea typeface="Microsoft JhengHei" pitchFamily="34" charset="-120"/>
               </a:rPr>
-              <a:t>我全心成為你愛的寶座</a:t>
+              <a:t>我全心成</a:t>
+            </a:r>
+            <a:r>
+              <a:rPr lang="zh-TW" altLang="en-US" sz="4800" b="1" dirty="0" smtClean="0">
+                <a:latin typeface="Microsoft JhengHei" pitchFamily="34" charset="-120"/>
+                <a:ea typeface="Microsoft JhengHei" pitchFamily="34" charset="-120"/>
+              </a:rPr>
+              <a:t>為</a:t>
+            </a:r>
+            <a:r>
+              <a:rPr lang="zh-CN" altLang="en-US" sz="4800" b="1" dirty="0">
+                <a:latin typeface="Microsoft JhengHei" pitchFamily="34" charset="-120"/>
+                <a:ea typeface="Microsoft JhengHei" pitchFamily="34" charset="-120"/>
+              </a:rPr>
+              <a:t>祢</a:t>
+            </a:r>
+            <a:r>
+              <a:rPr lang="zh-TW" altLang="en-US" sz="4800" b="1" dirty="0" smtClean="0">
+                <a:latin typeface="Microsoft JhengHei" pitchFamily="34" charset="-120"/>
+                <a:ea typeface="Microsoft JhengHei" pitchFamily="34" charset="-120"/>
+              </a:rPr>
+              <a:t>愛</a:t>
+            </a:r>
+            <a:r>
+              <a:rPr lang="zh-TW" altLang="en-US" sz="4800" b="1" dirty="0">
+                <a:latin typeface="Microsoft JhengHei" pitchFamily="34" charset="-120"/>
+                <a:ea typeface="Microsoft JhengHei" pitchFamily="34" charset="-120"/>
+              </a:rPr>
+              <a:t>的寶座</a:t>
             </a:r>
           </a:p>
           <a:p>
